--- a/CODESPIRE ELY.pptx
+++ b/CODESPIRE ELY.pptx
@@ -1,40 +1,40 @@
 
 <file path=ppt/presentation.xml><?xml version="1.0" encoding="utf-8"?>
-<p:presentation xmlns:a="http://schemas.openxmlformats.org/drawingml/2006/main" xmlns:r="http://schemas.openxmlformats.org/officeDocument/2006/relationships" xmlns:mc="http://schemas.openxmlformats.org/markup-compatibility/2006" xmlns:mv="urn:schemas-microsoft-com:mac:vml" xmlns:p="http://schemas.openxmlformats.org/presentationml/2006/main" xmlns:c="http://schemas.openxmlformats.org/drawingml/2006/chart" xmlns:dgm="http://schemas.openxmlformats.org/drawingml/2006/diagram" xmlns:o="urn:schemas-microsoft-com:office:office" xmlns:v="urn:schemas-microsoft-com:vml" xmlns:pvml="urn:schemas-microsoft-com:office:powerpoint" xmlns:com="http://schemas.openxmlformats.org/drawingml/2006/compatibility" xmlns:p14="http://schemas.microsoft.com/office/powerpoint/2010/main" xmlns:p15="http://schemas.microsoft.com/office/powerpoint/2012/main" xmlns:ahyp="http://schemas.microsoft.com/office/drawing/2018/hyperlinkcolor" autoCompressPictures="0" embedTrueTypeFonts="1" strictFirstAndLastChars="0" saveSubsetFonts="1">
+<p:presentation xmlns:a="http://schemas.openxmlformats.org/drawingml/2006/main" xmlns:r="http://schemas.openxmlformats.org/officeDocument/2006/relationships" xmlns:p="http://schemas.openxmlformats.org/presentationml/2006/main" strictFirstAndLastChars="0" embedTrueTypeFonts="1" saveSubsetFonts="1" autoCompressPictures="0">
   <p:sldMasterIdLst>
-    <p:sldMasterId id="2147483659" r:id="rId4"/>
+    <p:sldMasterId id="2147483659" r:id="rId1"/>
   </p:sldMasterIdLst>
   <p:notesMasterIdLst>
-    <p:notesMasterId r:id="rId5"/>
+    <p:notesMasterId r:id="rId8"/>
   </p:notesMasterIdLst>
   <p:sldIdLst>
-    <p:sldId id="256" r:id="rId6"/>
-    <p:sldId id="257" r:id="rId7"/>
-    <p:sldId id="258" r:id="rId8"/>
-    <p:sldId id="259" r:id="rId9"/>
-    <p:sldId id="260" r:id="rId10"/>
-    <p:sldId id="261" r:id="rId11"/>
+    <p:sldId id="256" r:id="rId2"/>
+    <p:sldId id="257" r:id="rId3"/>
+    <p:sldId id="258" r:id="rId4"/>
+    <p:sldId id="259" r:id="rId5"/>
+    <p:sldId id="260" r:id="rId6"/>
+    <p:sldId id="261" r:id="rId7"/>
   </p:sldIdLst>
-  <p:sldSz cy="5143500" cx="9144000"/>
+  <p:sldSz cx="9144000" cy="5143500" type="screen16x9"/>
   <p:notesSz cx="6858000" cy="9144000"/>
   <p:embeddedFontLst>
     <p:embeddedFont>
-      <p:font typeface="Economica"/>
-      <p:regular r:id="rId12"/>
-      <p:bold r:id="rId13"/>
-      <p:italic r:id="rId14"/>
-      <p:boldItalic r:id="rId15"/>
+      <p:font typeface="Economica" panose="020B0604020202020204" charset="0"/>
+      <p:regular r:id="rId9"/>
+      <p:bold r:id="rId10"/>
+      <p:italic r:id="rId11"/>
+      <p:boldItalic r:id="rId12"/>
     </p:embeddedFont>
     <p:embeddedFont>
-      <p:font typeface="Open Sans"/>
-      <p:regular r:id="rId16"/>
-      <p:bold r:id="rId17"/>
-      <p:italic r:id="rId18"/>
-      <p:boldItalic r:id="rId19"/>
+      <p:font typeface="Open Sans" panose="020B0606030504020204" pitchFamily="34" charset="0"/>
+      <p:regular r:id="rId13"/>
+      <p:bold r:id="rId14"/>
+      <p:italic r:id="rId15"/>
+      <p:boldItalic r:id="rId16"/>
     </p:embeddedFont>
   </p:embeddedFontLst>
   <p:defaultTextStyle>
-    <a:defPPr lvl="0" marR="0" rtl="0" algn="l">
+    <a:defPPr marR="0" lvl="0" algn="l" rtl="0">
       <a:lnSpc>
         <a:spcPct val="100000"/>
       </a:lnSpc>
@@ -45,7 +45,7 @@
         <a:spcPts val="0"/>
       </a:spcAft>
     </a:defPPr>
-    <a:lvl1pPr lvl="0" marR="0" rtl="0" algn="l">
+    <a:lvl1pPr marR="0" lvl="0" algn="l" rtl="0">
       <a:lnSpc>
         <a:spcPct val="100000"/>
       </a:lnSpc>
@@ -59,7 +59,7 @@
         <a:srgbClr val="000000"/>
       </a:buClr>
       <a:buFont typeface="Arial"/>
-      <a:defRPr b="0" i="0" sz="1400" u="none" cap="none" strike="noStrike">
+      <a:defRPr sz="1400" b="0" i="0" u="none" strike="noStrike" cap="none">
         <a:solidFill>
           <a:srgbClr val="000000"/>
         </a:solidFill>
@@ -69,7 +69,7 @@
         <a:sym typeface="Arial"/>
       </a:defRPr>
     </a:lvl1pPr>
-    <a:lvl2pPr lvl="1" marR="0" rtl="0" algn="l">
+    <a:lvl2pPr marR="0" lvl="1" algn="l" rtl="0">
       <a:lnSpc>
         <a:spcPct val="100000"/>
       </a:lnSpc>
@@ -83,7 +83,7 @@
         <a:srgbClr val="000000"/>
       </a:buClr>
       <a:buFont typeface="Arial"/>
-      <a:defRPr b="0" i="0" sz="1400" u="none" cap="none" strike="noStrike">
+      <a:defRPr sz="1400" b="0" i="0" u="none" strike="noStrike" cap="none">
         <a:solidFill>
           <a:srgbClr val="000000"/>
         </a:solidFill>
@@ -93,7 +93,7 @@
         <a:sym typeface="Arial"/>
       </a:defRPr>
     </a:lvl2pPr>
-    <a:lvl3pPr lvl="2" marR="0" rtl="0" algn="l">
+    <a:lvl3pPr marR="0" lvl="2" algn="l" rtl="0">
       <a:lnSpc>
         <a:spcPct val="100000"/>
       </a:lnSpc>
@@ -107,7 +107,7 @@
         <a:srgbClr val="000000"/>
       </a:buClr>
       <a:buFont typeface="Arial"/>
-      <a:defRPr b="0" i="0" sz="1400" u="none" cap="none" strike="noStrike">
+      <a:defRPr sz="1400" b="0" i="0" u="none" strike="noStrike" cap="none">
         <a:solidFill>
           <a:srgbClr val="000000"/>
         </a:solidFill>
@@ -117,7 +117,7 @@
         <a:sym typeface="Arial"/>
       </a:defRPr>
     </a:lvl3pPr>
-    <a:lvl4pPr lvl="3" marR="0" rtl="0" algn="l">
+    <a:lvl4pPr marR="0" lvl="3" algn="l" rtl="0">
       <a:lnSpc>
         <a:spcPct val="100000"/>
       </a:lnSpc>
@@ -131,7 +131,7 @@
         <a:srgbClr val="000000"/>
       </a:buClr>
       <a:buFont typeface="Arial"/>
-      <a:defRPr b="0" i="0" sz="1400" u="none" cap="none" strike="noStrike">
+      <a:defRPr sz="1400" b="0" i="0" u="none" strike="noStrike" cap="none">
         <a:solidFill>
           <a:srgbClr val="000000"/>
         </a:solidFill>
@@ -141,7 +141,7 @@
         <a:sym typeface="Arial"/>
       </a:defRPr>
     </a:lvl4pPr>
-    <a:lvl5pPr lvl="4" marR="0" rtl="0" algn="l">
+    <a:lvl5pPr marR="0" lvl="4" algn="l" rtl="0">
       <a:lnSpc>
         <a:spcPct val="100000"/>
       </a:lnSpc>
@@ -155,7 +155,7 @@
         <a:srgbClr val="000000"/>
       </a:buClr>
       <a:buFont typeface="Arial"/>
-      <a:defRPr b="0" i="0" sz="1400" u="none" cap="none" strike="noStrike">
+      <a:defRPr sz="1400" b="0" i="0" u="none" strike="noStrike" cap="none">
         <a:solidFill>
           <a:srgbClr val="000000"/>
         </a:solidFill>
@@ -165,7 +165,7 @@
         <a:sym typeface="Arial"/>
       </a:defRPr>
     </a:lvl5pPr>
-    <a:lvl6pPr lvl="5" marR="0" rtl="0" algn="l">
+    <a:lvl6pPr marR="0" lvl="5" algn="l" rtl="0">
       <a:lnSpc>
         <a:spcPct val="100000"/>
       </a:lnSpc>
@@ -179,7 +179,7 @@
         <a:srgbClr val="000000"/>
       </a:buClr>
       <a:buFont typeface="Arial"/>
-      <a:defRPr b="0" i="0" sz="1400" u="none" cap="none" strike="noStrike">
+      <a:defRPr sz="1400" b="0" i="0" u="none" strike="noStrike" cap="none">
         <a:solidFill>
           <a:srgbClr val="000000"/>
         </a:solidFill>
@@ -189,7 +189,7 @@
         <a:sym typeface="Arial"/>
       </a:defRPr>
     </a:lvl6pPr>
-    <a:lvl7pPr lvl="6" marR="0" rtl="0" algn="l">
+    <a:lvl7pPr marR="0" lvl="6" algn="l" rtl="0">
       <a:lnSpc>
         <a:spcPct val="100000"/>
       </a:lnSpc>
@@ -203,7 +203,7 @@
         <a:srgbClr val="000000"/>
       </a:buClr>
       <a:buFont typeface="Arial"/>
-      <a:defRPr b="0" i="0" sz="1400" u="none" cap="none" strike="noStrike">
+      <a:defRPr sz="1400" b="0" i="0" u="none" strike="noStrike" cap="none">
         <a:solidFill>
           <a:srgbClr val="000000"/>
         </a:solidFill>
@@ -213,7 +213,7 @@
         <a:sym typeface="Arial"/>
       </a:defRPr>
     </a:lvl7pPr>
-    <a:lvl8pPr lvl="7" marR="0" rtl="0" algn="l">
+    <a:lvl8pPr marR="0" lvl="7" algn="l" rtl="0">
       <a:lnSpc>
         <a:spcPct val="100000"/>
       </a:lnSpc>
@@ -227,7 +227,7 @@
         <a:srgbClr val="000000"/>
       </a:buClr>
       <a:buFont typeface="Arial"/>
-      <a:defRPr b="0" i="0" sz="1400" u="none" cap="none" strike="noStrike">
+      <a:defRPr sz="1400" b="0" i="0" u="none" strike="noStrike" cap="none">
         <a:solidFill>
           <a:srgbClr val="000000"/>
         </a:solidFill>
@@ -237,7 +237,7 @@
         <a:sym typeface="Arial"/>
       </a:defRPr>
     </a:lvl8pPr>
-    <a:lvl9pPr lvl="8" marR="0" rtl="0" algn="l">
+    <a:lvl9pPr marR="0" lvl="8" algn="l" rtl="0">
       <a:lnSpc>
         <a:spcPct val="100000"/>
       </a:lnSpc>
@@ -251,7 +251,7 @@
         <a:srgbClr val="000000"/>
       </a:buClr>
       <a:buFont typeface="Arial"/>
-      <a:defRPr b="0" i="0" sz="1400" u="none" cap="none" strike="noStrike">
+      <a:defRPr sz="1400" b="0" i="0" u="none" strike="noStrike" cap="none">
         <a:solidFill>
           <a:srgbClr val="000000"/>
         </a:solidFill>
@@ -264,7 +264,7 @@
   </p:defaultTextStyle>
   <p:extLst>
     <p:ext uri="{EFAFB233-063F-42B5-8137-9DF3F51BA10A}">
-      <p15:sldGuideLst>
+      <p15:sldGuideLst xmlns:p15="http://schemas.microsoft.com/office/powerpoint/2012/main">
         <p15:guide id="1" orient="horz" pos="1620">
           <p15:clr>
             <a:srgbClr val="747775"/>
@@ -281,12 +281,91 @@
 </p:presentation>
 </file>
 
+<file path=ppt/changesInfos/changesInfo1.xml><?xml version="1.0" encoding="utf-8"?>
+<pc:chgInfo xmlns:a="http://schemas.openxmlformats.org/drawingml/2006/main" xmlns:r="http://schemas.openxmlformats.org/officeDocument/2006/relationships" xmlns:ac="http://schemas.microsoft.com/office/drawing/2013/main/command" xmlns:pc="http://schemas.microsoft.com/office/powerpoint/2013/main/command">
+  <pc:docChgLst>
+    <pc:chgData name="Roshini BM" userId="1eeab9c547a512bb" providerId="LiveId" clId="{3781C4E3-3D68-4A8F-9EA5-092CB7BDFE1E}"/>
+    <pc:docChg chg="custSel modSld">
+      <pc:chgData name="Roshini BM" userId="1eeab9c547a512bb" providerId="LiveId" clId="{3781C4E3-3D68-4A8F-9EA5-092CB7BDFE1E}" dt="2025-11-04T04:59:12.579" v="51" actId="27636"/>
+      <pc:docMkLst>
+        <pc:docMk/>
+      </pc:docMkLst>
+      <pc:sldChg chg="modSp mod">
+        <pc:chgData name="Roshini BM" userId="1eeab9c547a512bb" providerId="LiveId" clId="{3781C4E3-3D68-4A8F-9EA5-092CB7BDFE1E}" dt="2025-11-04T04:57:14.298" v="14" actId="20577"/>
+        <pc:sldMkLst>
+          <pc:docMk/>
+          <pc:sldMk cId="0" sldId="257"/>
+        </pc:sldMkLst>
+        <pc:spChg chg="mod">
+          <ac:chgData name="Roshini BM" userId="1eeab9c547a512bb" providerId="LiveId" clId="{3781C4E3-3D68-4A8F-9EA5-092CB7BDFE1E}" dt="2025-11-04T04:57:14.298" v="14" actId="20577"/>
+          <ac:spMkLst>
+            <pc:docMk/>
+            <pc:sldMk cId="0" sldId="257"/>
+            <ac:spMk id="69" creationId="{00000000-0000-0000-0000-000000000000}"/>
+          </ac:spMkLst>
+        </pc:spChg>
+      </pc:sldChg>
+      <pc:sldChg chg="modSp mod">
+        <pc:chgData name="Roshini BM" userId="1eeab9c547a512bb" providerId="LiveId" clId="{3781C4E3-3D68-4A8F-9EA5-092CB7BDFE1E}" dt="2025-11-04T04:57:32.933" v="31" actId="20577"/>
+        <pc:sldMkLst>
+          <pc:docMk/>
+          <pc:sldMk cId="0" sldId="258"/>
+        </pc:sldMkLst>
+        <pc:spChg chg="mod">
+          <ac:chgData name="Roshini BM" userId="1eeab9c547a512bb" providerId="LiveId" clId="{3781C4E3-3D68-4A8F-9EA5-092CB7BDFE1E}" dt="2025-11-04T04:57:32.933" v="31" actId="20577"/>
+          <ac:spMkLst>
+            <pc:docMk/>
+            <pc:sldMk cId="0" sldId="258"/>
+            <ac:spMk id="75" creationId="{00000000-0000-0000-0000-000000000000}"/>
+          </ac:spMkLst>
+        </pc:spChg>
+      </pc:sldChg>
+      <pc:sldChg chg="modSp mod">
+        <pc:chgData name="Roshini BM" userId="1eeab9c547a512bb" providerId="LiveId" clId="{3781C4E3-3D68-4A8F-9EA5-092CB7BDFE1E}" dt="2025-11-04T04:58:33.910" v="41" actId="20577"/>
+        <pc:sldMkLst>
+          <pc:docMk/>
+          <pc:sldMk cId="0" sldId="259"/>
+        </pc:sldMkLst>
+        <pc:spChg chg="mod">
+          <ac:chgData name="Roshini BM" userId="1eeab9c547a512bb" providerId="LiveId" clId="{3781C4E3-3D68-4A8F-9EA5-092CB7BDFE1E}" dt="2025-11-04T04:58:33.910" v="41" actId="20577"/>
+          <ac:spMkLst>
+            <pc:docMk/>
+            <pc:sldMk cId="0" sldId="259"/>
+            <ac:spMk id="81" creationId="{00000000-0000-0000-0000-000000000000}"/>
+          </ac:spMkLst>
+        </pc:spChg>
+      </pc:sldChg>
+      <pc:sldChg chg="modSp mod">
+        <pc:chgData name="Roshini BM" userId="1eeab9c547a512bb" providerId="LiveId" clId="{3781C4E3-3D68-4A8F-9EA5-092CB7BDFE1E}" dt="2025-11-04T04:59:12.579" v="51" actId="27636"/>
+        <pc:sldMkLst>
+          <pc:docMk/>
+          <pc:sldMk cId="0" sldId="260"/>
+        </pc:sldMkLst>
+        <pc:spChg chg="mod">
+          <ac:chgData name="Roshini BM" userId="1eeab9c547a512bb" providerId="LiveId" clId="{3781C4E3-3D68-4A8F-9EA5-092CB7BDFE1E}" dt="2025-11-04T04:59:12.579" v="51" actId="27636"/>
+          <ac:spMkLst>
+            <pc:docMk/>
+            <pc:sldMk cId="0" sldId="260"/>
+            <ac:spMk id="87" creationId="{00000000-0000-0000-0000-000000000000}"/>
+          </ac:spMkLst>
+        </pc:spChg>
+      </pc:sldChg>
+    </pc:docChg>
+  </pc:docChgLst>
+</pc:chgInfo>
+</file>
+
 <file path=ppt/notesMasters/notesMaster1.xml><?xml version="1.0" encoding="utf-8"?>
-<p:notesMaster xmlns:a="http://schemas.openxmlformats.org/drawingml/2006/main" xmlns:r="http://schemas.openxmlformats.org/officeDocument/2006/relationships" xmlns:mc="http://schemas.openxmlformats.org/markup-compatibility/2006" xmlns:mv="urn:schemas-microsoft-com:mac:vml" xmlns:p="http://schemas.openxmlformats.org/presentationml/2006/main" xmlns:c="http://schemas.openxmlformats.org/drawingml/2006/chart" xmlns:dgm="http://schemas.openxmlformats.org/drawingml/2006/diagram" xmlns:o="urn:schemas-microsoft-com:office:office" xmlns:v="urn:schemas-microsoft-com:vml" xmlns:pvml="urn:schemas-microsoft-com:office:powerpoint" xmlns:com="http://schemas.openxmlformats.org/drawingml/2006/compatibility" xmlns:p14="http://schemas.microsoft.com/office/powerpoint/2010/main" xmlns:p15="http://schemas.microsoft.com/office/powerpoint/2012/main" xmlns:ahyp="http://schemas.microsoft.com/office/drawing/2018/hyperlinkcolor">
+<p:notesMaster xmlns:a="http://schemas.openxmlformats.org/drawingml/2006/main" xmlns:r="http://schemas.openxmlformats.org/officeDocument/2006/relationships" xmlns:p="http://schemas.openxmlformats.org/presentationml/2006/main">
   <p:cSld>
+    <p:bg>
+      <p:bgRef idx="1001">
+        <a:schemeClr val="bg1"/>
+      </p:bgRef>
+    </p:bg>
     <p:spTree>
       <p:nvGrpSpPr>
-        <p:cNvPr id="2" name="Shape 2"/>
+        <p:cNvPr id="1" name="Shape 2"/>
         <p:cNvGrpSpPr/>
         <p:nvPr/>
       </p:nvGrpSpPr>
@@ -301,9 +380,11 @@
       <p:sp>
         <p:nvSpPr>
           <p:cNvPr id="3" name="Google Shape;3;n"/>
-          <p:cNvSpPr/>
+          <p:cNvSpPr>
+            <a:spLocks noGrp="1" noRot="1" noChangeAspect="1"/>
+          </p:cNvSpPr>
           <p:nvPr>
-            <p:ph idx="2" type="sldImg"/>
+            <p:ph type="sldImg" idx="2"/>
           </p:nvPr>
         </p:nvSpPr>
         <p:spPr>
@@ -312,9 +393,13 @@
             <a:ext cx="6096075" cy="3429000"/>
           </a:xfrm>
           <a:custGeom>
-            <a:rect b="b" l="l" r="r" t="t"/>
+            <a:avLst/>
+            <a:gdLst/>
+            <a:ahLst/>
+            <a:cxnLst/>
+            <a:rect l="l" t="t" r="r" b="b"/>
             <a:pathLst>
-              <a:path extrusionOk="0" h="120000" w="120000">
+              <a:path w="120000" h="120000" extrusionOk="0">
                 <a:moveTo>
                   <a:pt x="0" y="0"/>
                 </a:moveTo>
@@ -332,23 +417,25 @@
             </a:pathLst>
           </a:custGeom>
           <a:noFill/>
-          <a:ln cap="flat" cmpd="sng" w="9525">
+          <a:ln w="9525" cap="flat" cmpd="sng">
             <a:solidFill>
               <a:srgbClr val="000000"/>
             </a:solidFill>
             <a:prstDash val="solid"/>
             <a:round/>
-            <a:headEnd len="sm" w="sm" type="none"/>
-            <a:tailEnd len="sm" w="sm" type="none"/>
+            <a:headEnd type="none" w="sm" len="sm"/>
+            <a:tailEnd type="none" w="sm" len="sm"/>
           </a:ln>
         </p:spPr>
       </p:sp>
       <p:sp>
         <p:nvSpPr>
           <p:cNvPr id="4" name="Google Shape;4;n"/>
-          <p:cNvSpPr txBox="1"/>
+          <p:cNvSpPr txBox="1">
+            <a:spLocks noGrp="1"/>
+          </p:cNvSpPr>
           <p:nvPr>
-            <p:ph idx="1" type="body"/>
+            <p:ph type="body" idx="1"/>
           </p:nvPr>
         </p:nvSpPr>
         <p:spPr>
@@ -365,11 +452,11 @@
           </a:ln>
         </p:spPr>
         <p:txBody>
-          <a:bodyPr anchorCtr="0" anchor="t" bIns="91425" lIns="91425" spcFirstLastPara="1" rIns="91425" wrap="square" tIns="91425">
+          <a:bodyPr spcFirstLastPara="1" wrap="square" lIns="91425" tIns="91425" rIns="91425" bIns="91425" anchor="t" anchorCtr="0">
             <a:noAutofit/>
           </a:bodyPr>
           <a:lstStyle>
-            <a:lvl1pPr indent="-298450" lvl="0" marL="457200">
+            <a:lvl1pPr marL="457200" lvl="0" indent="-298450">
               <a:spcBef>
                 <a:spcPts val="0"/>
               </a:spcBef>
@@ -380,7 +467,7 @@
               <a:buChar char="●"/>
               <a:defRPr sz="1100"/>
             </a:lvl1pPr>
-            <a:lvl2pPr indent="-298450" lvl="1" marL="914400">
+            <a:lvl2pPr marL="914400" lvl="1" indent="-298450">
               <a:spcBef>
                 <a:spcPts val="0"/>
               </a:spcBef>
@@ -391,7 +478,7 @@
               <a:buChar char="○"/>
               <a:defRPr sz="1100"/>
             </a:lvl2pPr>
-            <a:lvl3pPr indent="-298450" lvl="2" marL="1371600">
+            <a:lvl3pPr marL="1371600" lvl="2" indent="-298450">
               <a:spcBef>
                 <a:spcPts val="0"/>
               </a:spcBef>
@@ -402,7 +489,7 @@
               <a:buChar char="■"/>
               <a:defRPr sz="1100"/>
             </a:lvl3pPr>
-            <a:lvl4pPr indent="-298450" lvl="3" marL="1828800">
+            <a:lvl4pPr marL="1828800" lvl="3" indent="-298450">
               <a:spcBef>
                 <a:spcPts val="0"/>
               </a:spcBef>
@@ -413,7 +500,7 @@
               <a:buChar char="●"/>
               <a:defRPr sz="1100"/>
             </a:lvl4pPr>
-            <a:lvl5pPr indent="-298450" lvl="4" marL="2286000">
+            <a:lvl5pPr marL="2286000" lvl="4" indent="-298450">
               <a:spcBef>
                 <a:spcPts val="0"/>
               </a:spcBef>
@@ -424,7 +511,7 @@
               <a:buChar char="○"/>
               <a:defRPr sz="1100"/>
             </a:lvl5pPr>
-            <a:lvl6pPr indent="-298450" lvl="5" marL="2743200">
+            <a:lvl6pPr marL="2743200" lvl="5" indent="-298450">
               <a:spcBef>
                 <a:spcPts val="0"/>
               </a:spcBef>
@@ -435,7 +522,7 @@
               <a:buChar char="■"/>
               <a:defRPr sz="1100"/>
             </a:lvl6pPr>
-            <a:lvl7pPr indent="-298450" lvl="6" marL="3200400">
+            <a:lvl7pPr marL="3200400" lvl="6" indent="-298450">
               <a:spcBef>
                 <a:spcPts val="0"/>
               </a:spcBef>
@@ -446,7 +533,7 @@
               <a:buChar char="●"/>
               <a:defRPr sz="1100"/>
             </a:lvl7pPr>
-            <a:lvl8pPr indent="-298450" lvl="7" marL="3657600">
+            <a:lvl8pPr marL="3657600" lvl="7" indent="-298450">
               <a:spcBef>
                 <a:spcPts val="0"/>
               </a:spcBef>
@@ -457,7 +544,7 @@
               <a:buChar char="○"/>
               <a:defRPr sz="1100"/>
             </a:lvl8pPr>
-            <a:lvl9pPr indent="-298450" lvl="8" marL="4114800">
+            <a:lvl9pPr marL="4114800" lvl="8" indent="-298450">
               <a:spcBef>
                 <a:spcPts val="0"/>
               </a:spcBef>
@@ -469,14 +556,16 @@
               <a:defRPr sz="1100"/>
             </a:lvl9pPr>
           </a:lstStyle>
-          <a:p/>
+          <a:p>
+            <a:endParaRPr/>
+          </a:p>
         </p:txBody>
       </p:sp>
     </p:spTree>
   </p:cSld>
-  <p:clrMap accent1="accent1" accent2="accent2" accent3="accent3" accent4="accent4" accent5="accent5" accent6="accent6" bg1="lt1" bg2="dk2" tx1="dk1" tx2="lt2" folHlink="folHlink" hlink="hlink"/>
+  <p:clrMap bg1="lt1" tx1="dk1" bg2="dk2" tx2="lt2" accent1="accent1" accent2="accent2" accent3="accent3" accent4="accent4" accent5="accent5" accent6="accent6" hlink="hlink" folHlink="folHlink"/>
   <p:notesStyle>
-    <a:defPPr lvl="0" marR="0" rtl="0" algn="l">
+    <a:defPPr marR="0" lvl="0" algn="l" rtl="0">
       <a:lnSpc>
         <a:spcPct val="100000"/>
       </a:lnSpc>
@@ -487,7 +576,7 @@
         <a:spcPts val="0"/>
       </a:spcAft>
     </a:defPPr>
-    <a:lvl1pPr lvl="0" marR="0" rtl="0" algn="l">
+    <a:lvl1pPr marR="0" lvl="0" algn="l" rtl="0">
       <a:lnSpc>
         <a:spcPct val="100000"/>
       </a:lnSpc>
@@ -501,7 +590,7 @@
         <a:srgbClr val="000000"/>
       </a:buClr>
       <a:buFont typeface="Arial"/>
-      <a:defRPr b="0" i="0" sz="1400" u="none" cap="none" strike="noStrike">
+      <a:defRPr sz="1400" b="0" i="0" u="none" strike="noStrike" cap="none">
         <a:solidFill>
           <a:srgbClr val="000000"/>
         </a:solidFill>
@@ -511,7 +600,7 @@
         <a:sym typeface="Arial"/>
       </a:defRPr>
     </a:lvl1pPr>
-    <a:lvl2pPr lvl="1" marR="0" rtl="0" algn="l">
+    <a:lvl2pPr marR="0" lvl="1" algn="l" rtl="0">
       <a:lnSpc>
         <a:spcPct val="100000"/>
       </a:lnSpc>
@@ -525,7 +614,7 @@
         <a:srgbClr val="000000"/>
       </a:buClr>
       <a:buFont typeface="Arial"/>
-      <a:defRPr b="0" i="0" sz="1400" u="none" cap="none" strike="noStrike">
+      <a:defRPr sz="1400" b="0" i="0" u="none" strike="noStrike" cap="none">
         <a:solidFill>
           <a:srgbClr val="000000"/>
         </a:solidFill>
@@ -535,7 +624,7 @@
         <a:sym typeface="Arial"/>
       </a:defRPr>
     </a:lvl2pPr>
-    <a:lvl3pPr lvl="2" marR="0" rtl="0" algn="l">
+    <a:lvl3pPr marR="0" lvl="2" algn="l" rtl="0">
       <a:lnSpc>
         <a:spcPct val="100000"/>
       </a:lnSpc>
@@ -549,7 +638,7 @@
         <a:srgbClr val="000000"/>
       </a:buClr>
       <a:buFont typeface="Arial"/>
-      <a:defRPr b="0" i="0" sz="1400" u="none" cap="none" strike="noStrike">
+      <a:defRPr sz="1400" b="0" i="0" u="none" strike="noStrike" cap="none">
         <a:solidFill>
           <a:srgbClr val="000000"/>
         </a:solidFill>
@@ -559,7 +648,7 @@
         <a:sym typeface="Arial"/>
       </a:defRPr>
     </a:lvl3pPr>
-    <a:lvl4pPr lvl="3" marR="0" rtl="0" algn="l">
+    <a:lvl4pPr marR="0" lvl="3" algn="l" rtl="0">
       <a:lnSpc>
         <a:spcPct val="100000"/>
       </a:lnSpc>
@@ -573,7 +662,7 @@
         <a:srgbClr val="000000"/>
       </a:buClr>
       <a:buFont typeface="Arial"/>
-      <a:defRPr b="0" i="0" sz="1400" u="none" cap="none" strike="noStrike">
+      <a:defRPr sz="1400" b="0" i="0" u="none" strike="noStrike" cap="none">
         <a:solidFill>
           <a:srgbClr val="000000"/>
         </a:solidFill>
@@ -583,7 +672,7 @@
         <a:sym typeface="Arial"/>
       </a:defRPr>
     </a:lvl4pPr>
-    <a:lvl5pPr lvl="4" marR="0" rtl="0" algn="l">
+    <a:lvl5pPr marR="0" lvl="4" algn="l" rtl="0">
       <a:lnSpc>
         <a:spcPct val="100000"/>
       </a:lnSpc>
@@ -597,7 +686,7 @@
         <a:srgbClr val="000000"/>
       </a:buClr>
       <a:buFont typeface="Arial"/>
-      <a:defRPr b="0" i="0" sz="1400" u="none" cap="none" strike="noStrike">
+      <a:defRPr sz="1400" b="0" i="0" u="none" strike="noStrike" cap="none">
         <a:solidFill>
           <a:srgbClr val="000000"/>
         </a:solidFill>
@@ -607,7 +696,7 @@
         <a:sym typeface="Arial"/>
       </a:defRPr>
     </a:lvl5pPr>
-    <a:lvl6pPr lvl="5" marR="0" rtl="0" algn="l">
+    <a:lvl6pPr marR="0" lvl="5" algn="l" rtl="0">
       <a:lnSpc>
         <a:spcPct val="100000"/>
       </a:lnSpc>
@@ -621,7 +710,7 @@
         <a:srgbClr val="000000"/>
       </a:buClr>
       <a:buFont typeface="Arial"/>
-      <a:defRPr b="0" i="0" sz="1400" u="none" cap="none" strike="noStrike">
+      <a:defRPr sz="1400" b="0" i="0" u="none" strike="noStrike" cap="none">
         <a:solidFill>
           <a:srgbClr val="000000"/>
         </a:solidFill>
@@ -631,7 +720,7 @@
         <a:sym typeface="Arial"/>
       </a:defRPr>
     </a:lvl6pPr>
-    <a:lvl7pPr lvl="6" marR="0" rtl="0" algn="l">
+    <a:lvl7pPr marR="0" lvl="6" algn="l" rtl="0">
       <a:lnSpc>
         <a:spcPct val="100000"/>
       </a:lnSpc>
@@ -645,7 +734,7 @@
         <a:srgbClr val="000000"/>
       </a:buClr>
       <a:buFont typeface="Arial"/>
-      <a:defRPr b="0" i="0" sz="1400" u="none" cap="none" strike="noStrike">
+      <a:defRPr sz="1400" b="0" i="0" u="none" strike="noStrike" cap="none">
         <a:solidFill>
           <a:srgbClr val="000000"/>
         </a:solidFill>
@@ -655,7 +744,7 @@
         <a:sym typeface="Arial"/>
       </a:defRPr>
     </a:lvl7pPr>
-    <a:lvl8pPr lvl="7" marR="0" rtl="0" algn="l">
+    <a:lvl8pPr marR="0" lvl="7" algn="l" rtl="0">
       <a:lnSpc>
         <a:spcPct val="100000"/>
       </a:lnSpc>
@@ -669,7 +758,7 @@
         <a:srgbClr val="000000"/>
       </a:buClr>
       <a:buFont typeface="Arial"/>
-      <a:defRPr b="0" i="0" sz="1400" u="none" cap="none" strike="noStrike">
+      <a:defRPr sz="1400" b="0" i="0" u="none" strike="noStrike" cap="none">
         <a:solidFill>
           <a:srgbClr val="000000"/>
         </a:solidFill>
@@ -679,7 +768,7 @@
         <a:sym typeface="Arial"/>
       </a:defRPr>
     </a:lvl8pPr>
-    <a:lvl9pPr lvl="8" marR="0" rtl="0" algn="l">
+    <a:lvl9pPr marR="0" lvl="8" algn="l" rtl="0">
       <a:lnSpc>
         <a:spcPct val="100000"/>
       </a:lnSpc>
@@ -693,7 +782,7 @@
         <a:srgbClr val="000000"/>
       </a:buClr>
       <a:buFont typeface="Arial"/>
-      <a:defRPr b="0" i="0" sz="1400" u="none" cap="none" strike="noStrike">
+      <a:defRPr sz="1400" b="0" i="0" u="none" strike="noStrike" cap="none">
         <a:solidFill>
           <a:srgbClr val="000000"/>
         </a:solidFill>
@@ -708,11 +797,11 @@
 </file>
 
 <file path=ppt/notesSlides/notesSlide1.xml><?xml version="1.0" encoding="utf-8"?>
-<p:notes xmlns:a="http://schemas.openxmlformats.org/drawingml/2006/main" xmlns:r="http://schemas.openxmlformats.org/officeDocument/2006/relationships" xmlns:mc="http://schemas.openxmlformats.org/markup-compatibility/2006" xmlns:mv="urn:schemas-microsoft-com:mac:vml" xmlns:p="http://schemas.openxmlformats.org/presentationml/2006/main" xmlns:c="http://schemas.openxmlformats.org/drawingml/2006/chart" xmlns:dgm="http://schemas.openxmlformats.org/drawingml/2006/diagram" xmlns:o="urn:schemas-microsoft-com:office:office" xmlns:v="urn:schemas-microsoft-com:vml" xmlns:pvml="urn:schemas-microsoft-com:office:powerpoint" xmlns:com="http://schemas.openxmlformats.org/drawingml/2006/compatibility" xmlns:p14="http://schemas.microsoft.com/office/powerpoint/2010/main" xmlns:p15="http://schemas.microsoft.com/office/powerpoint/2012/main" xmlns:ahyp="http://schemas.microsoft.com/office/drawing/2018/hyperlinkcolor" showMasterPhAnim="0" showMasterSp="0">
+<p:notes xmlns:a="http://schemas.openxmlformats.org/drawingml/2006/main" xmlns:r="http://schemas.openxmlformats.org/officeDocument/2006/relationships" xmlns:p="http://schemas.openxmlformats.org/presentationml/2006/main" showMasterSp="0" showMasterPhAnim="0">
   <p:cSld>
     <p:spTree>
       <p:nvGrpSpPr>
-        <p:cNvPr id="58" name="Shape 58"/>
+        <p:cNvPr id="1" name="Shape 58"/>
         <p:cNvGrpSpPr/>
         <p:nvPr/>
       </p:nvGrpSpPr>
@@ -727,9 +816,11 @@
       <p:sp>
         <p:nvSpPr>
           <p:cNvPr id="59" name="Google Shape;59;p:notes"/>
-          <p:cNvSpPr/>
+          <p:cNvSpPr>
+            <a:spLocks noGrp="1" noRot="1" noChangeAspect="1"/>
+          </p:cNvSpPr>
           <p:nvPr>
-            <p:ph idx="2" type="sldImg"/>
+            <p:ph type="sldImg" idx="2"/>
           </p:nvPr>
         </p:nvSpPr>
         <p:spPr>
@@ -738,9 +829,13 @@
             <a:ext cx="6096075" cy="3429000"/>
           </a:xfrm>
           <a:custGeom>
-            <a:rect b="b" l="l" r="r" t="t"/>
+            <a:avLst/>
+            <a:gdLst/>
+            <a:ahLst/>
+            <a:cxnLst/>
+            <a:rect l="l" t="t" r="r" b="b"/>
             <a:pathLst>
-              <a:path extrusionOk="0" h="120000" w="120000">
+              <a:path w="120000" h="120000" extrusionOk="0">
                 <a:moveTo>
                   <a:pt x="0" y="0"/>
                 </a:moveTo>
@@ -762,9 +857,11 @@
       <p:sp>
         <p:nvSpPr>
           <p:cNvPr id="60" name="Google Shape;60;p:notes"/>
-          <p:cNvSpPr txBox="1"/>
+          <p:cNvSpPr txBox="1">
+            <a:spLocks noGrp="1"/>
+          </p:cNvSpPr>
           <p:nvPr>
-            <p:ph idx="1" type="body"/>
+            <p:ph type="body" idx="1"/>
           </p:nvPr>
         </p:nvSpPr>
         <p:spPr>
@@ -777,12 +874,12 @@
           </a:prstGeom>
         </p:spPr>
         <p:txBody>
-          <a:bodyPr anchorCtr="0" anchor="t" bIns="91425" lIns="91425" spcFirstLastPara="1" rIns="91425" wrap="square" tIns="91425">
+          <a:bodyPr spcFirstLastPara="1" wrap="square" lIns="91425" tIns="91425" rIns="91425" bIns="91425" anchor="t" anchorCtr="0">
             <a:noAutofit/>
           </a:bodyPr>
           <a:lstStyle/>
           <a:p>
-            <a:pPr indent="0" lvl="0" marL="0" rtl="0" algn="l">
+            <a:pPr marL="0" lvl="0" indent="0" algn="l" rtl="0">
               <a:spcBef>
                 <a:spcPts val="0"/>
               </a:spcBef>
@@ -791,9 +888,6 @@
               </a:spcAft>
               <a:buNone/>
             </a:pPr>
-            <a:r>
-              <a:t/>
-            </a:r>
             <a:endParaRPr/>
           </a:p>
         </p:txBody>
@@ -807,11 +901,11 @@
 </file>
 
 <file path=ppt/notesSlides/notesSlide2.xml><?xml version="1.0" encoding="utf-8"?>
-<p:notes xmlns:a="http://schemas.openxmlformats.org/drawingml/2006/main" xmlns:r="http://schemas.openxmlformats.org/officeDocument/2006/relationships" xmlns:mc="http://schemas.openxmlformats.org/markup-compatibility/2006" xmlns:mv="urn:schemas-microsoft-com:mac:vml" xmlns:p="http://schemas.openxmlformats.org/presentationml/2006/main" xmlns:c="http://schemas.openxmlformats.org/drawingml/2006/chart" xmlns:dgm="http://schemas.openxmlformats.org/drawingml/2006/diagram" xmlns:o="urn:schemas-microsoft-com:office:office" xmlns:v="urn:schemas-microsoft-com:vml" xmlns:pvml="urn:schemas-microsoft-com:office:powerpoint" xmlns:com="http://schemas.openxmlformats.org/drawingml/2006/compatibility" xmlns:p14="http://schemas.microsoft.com/office/powerpoint/2010/main" xmlns:p15="http://schemas.microsoft.com/office/powerpoint/2012/main" xmlns:ahyp="http://schemas.microsoft.com/office/drawing/2018/hyperlinkcolor" showMasterPhAnim="0" showMasterSp="0">
+<p:notes xmlns:a="http://schemas.openxmlformats.org/drawingml/2006/main" xmlns:r="http://schemas.openxmlformats.org/officeDocument/2006/relationships" xmlns:p="http://schemas.openxmlformats.org/presentationml/2006/main" showMasterSp="0" showMasterPhAnim="0">
   <p:cSld>
     <p:spTree>
       <p:nvGrpSpPr>
-        <p:cNvPr id="64" name="Shape 64"/>
+        <p:cNvPr id="1" name="Shape 64"/>
         <p:cNvGrpSpPr/>
         <p:nvPr/>
       </p:nvGrpSpPr>
@@ -826,20 +920,26 @@
       <p:sp>
         <p:nvSpPr>
           <p:cNvPr id="65" name="Google Shape;65;g70c03baa5da6fa6a_9:notes"/>
-          <p:cNvSpPr/>
+          <p:cNvSpPr>
+            <a:spLocks noGrp="1" noRot="1" noChangeAspect="1"/>
+          </p:cNvSpPr>
           <p:nvPr>
-            <p:ph idx="2" type="sldImg"/>
+            <p:ph type="sldImg" idx="2"/>
           </p:nvPr>
         </p:nvSpPr>
         <p:spPr>
           <a:xfrm>
-            <a:off x="381300" y="685800"/>
+            <a:off x="381000" y="685800"/>
             <a:ext cx="6096000" cy="3429000"/>
           </a:xfrm>
           <a:custGeom>
-            <a:rect b="b" l="l" r="r" t="t"/>
+            <a:avLst/>
+            <a:gdLst/>
+            <a:ahLst/>
+            <a:cxnLst/>
+            <a:rect l="l" t="t" r="r" b="b"/>
             <a:pathLst>
-              <a:path extrusionOk="0" h="120000" w="120000">
+              <a:path w="120000" h="120000" extrusionOk="0">
                 <a:moveTo>
                   <a:pt x="0" y="0"/>
                 </a:moveTo>
@@ -861,9 +961,11 @@
       <p:sp>
         <p:nvSpPr>
           <p:cNvPr id="66" name="Google Shape;66;g70c03baa5da6fa6a_9:notes"/>
-          <p:cNvSpPr txBox="1"/>
+          <p:cNvSpPr txBox="1">
+            <a:spLocks noGrp="1"/>
+          </p:cNvSpPr>
           <p:nvPr>
-            <p:ph idx="1" type="body"/>
+            <p:ph type="body" idx="1"/>
           </p:nvPr>
         </p:nvSpPr>
         <p:spPr>
@@ -876,12 +978,12 @@
           </a:prstGeom>
         </p:spPr>
         <p:txBody>
-          <a:bodyPr anchorCtr="0" anchor="t" bIns="91425" lIns="91425" spcFirstLastPara="1" rIns="91425" wrap="square" tIns="91425">
+          <a:bodyPr spcFirstLastPara="1" wrap="square" lIns="91425" tIns="91425" rIns="91425" bIns="91425" anchor="t" anchorCtr="0">
             <a:noAutofit/>
           </a:bodyPr>
           <a:lstStyle/>
           <a:p>
-            <a:pPr indent="0" lvl="0" marL="0" rtl="0" algn="l">
+            <a:pPr marL="0" lvl="0" indent="0" algn="l" rtl="0">
               <a:spcBef>
                 <a:spcPts val="0"/>
               </a:spcBef>
@@ -890,9 +992,6 @@
               </a:spcAft>
               <a:buNone/>
             </a:pPr>
-            <a:r>
-              <a:t/>
-            </a:r>
             <a:endParaRPr/>
           </a:p>
         </p:txBody>
@@ -906,11 +1005,11 @@
 </file>
 
 <file path=ppt/notesSlides/notesSlide3.xml><?xml version="1.0" encoding="utf-8"?>
-<p:notes xmlns:a="http://schemas.openxmlformats.org/drawingml/2006/main" xmlns:r="http://schemas.openxmlformats.org/officeDocument/2006/relationships" xmlns:mc="http://schemas.openxmlformats.org/markup-compatibility/2006" xmlns:mv="urn:schemas-microsoft-com:mac:vml" xmlns:p="http://schemas.openxmlformats.org/presentationml/2006/main" xmlns:c="http://schemas.openxmlformats.org/drawingml/2006/chart" xmlns:dgm="http://schemas.openxmlformats.org/drawingml/2006/diagram" xmlns:o="urn:schemas-microsoft-com:office:office" xmlns:v="urn:schemas-microsoft-com:vml" xmlns:pvml="urn:schemas-microsoft-com:office:powerpoint" xmlns:com="http://schemas.openxmlformats.org/drawingml/2006/compatibility" xmlns:p14="http://schemas.microsoft.com/office/powerpoint/2010/main" xmlns:p15="http://schemas.microsoft.com/office/powerpoint/2012/main" xmlns:ahyp="http://schemas.microsoft.com/office/drawing/2018/hyperlinkcolor" showMasterPhAnim="0" showMasterSp="0">
+<p:notes xmlns:a="http://schemas.openxmlformats.org/drawingml/2006/main" xmlns:r="http://schemas.openxmlformats.org/officeDocument/2006/relationships" xmlns:p="http://schemas.openxmlformats.org/presentationml/2006/main" showMasterSp="0" showMasterPhAnim="0">
   <p:cSld>
     <p:spTree>
       <p:nvGrpSpPr>
-        <p:cNvPr id="70" name="Shape 70"/>
+        <p:cNvPr id="1" name="Shape 70"/>
         <p:cNvGrpSpPr/>
         <p:nvPr/>
       </p:nvGrpSpPr>
@@ -925,20 +1024,26 @@
       <p:sp>
         <p:nvSpPr>
           <p:cNvPr id="71" name="Google Shape;71;g70c03baa5da6fa6a_16:notes"/>
-          <p:cNvSpPr/>
+          <p:cNvSpPr>
+            <a:spLocks noGrp="1" noRot="1" noChangeAspect="1"/>
+          </p:cNvSpPr>
           <p:nvPr>
-            <p:ph idx="2" type="sldImg"/>
+            <p:ph type="sldImg" idx="2"/>
           </p:nvPr>
         </p:nvSpPr>
         <p:spPr>
           <a:xfrm>
-            <a:off x="381300" y="685800"/>
+            <a:off x="381000" y="685800"/>
             <a:ext cx="6096000" cy="3429000"/>
           </a:xfrm>
           <a:custGeom>
-            <a:rect b="b" l="l" r="r" t="t"/>
+            <a:avLst/>
+            <a:gdLst/>
+            <a:ahLst/>
+            <a:cxnLst/>
+            <a:rect l="l" t="t" r="r" b="b"/>
             <a:pathLst>
-              <a:path extrusionOk="0" h="120000" w="120000">
+              <a:path w="120000" h="120000" extrusionOk="0">
                 <a:moveTo>
                   <a:pt x="0" y="0"/>
                 </a:moveTo>
@@ -960,9 +1065,11 @@
       <p:sp>
         <p:nvSpPr>
           <p:cNvPr id="72" name="Google Shape;72;g70c03baa5da6fa6a_16:notes"/>
-          <p:cNvSpPr txBox="1"/>
+          <p:cNvSpPr txBox="1">
+            <a:spLocks noGrp="1"/>
+          </p:cNvSpPr>
           <p:nvPr>
-            <p:ph idx="1" type="body"/>
+            <p:ph type="body" idx="1"/>
           </p:nvPr>
         </p:nvSpPr>
         <p:spPr>
@@ -975,12 +1082,12 @@
           </a:prstGeom>
         </p:spPr>
         <p:txBody>
-          <a:bodyPr anchorCtr="0" anchor="t" bIns="91425" lIns="91425" spcFirstLastPara="1" rIns="91425" wrap="square" tIns="91425">
+          <a:bodyPr spcFirstLastPara="1" wrap="square" lIns="91425" tIns="91425" rIns="91425" bIns="91425" anchor="t" anchorCtr="0">
             <a:noAutofit/>
           </a:bodyPr>
           <a:lstStyle/>
           <a:p>
-            <a:pPr indent="0" lvl="0" marL="0" rtl="0" algn="l">
+            <a:pPr marL="0" lvl="0" indent="0" algn="l" rtl="0">
               <a:spcBef>
                 <a:spcPts val="0"/>
               </a:spcBef>
@@ -989,9 +1096,6 @@
               </a:spcAft>
               <a:buNone/>
             </a:pPr>
-            <a:r>
-              <a:t/>
-            </a:r>
             <a:endParaRPr/>
           </a:p>
         </p:txBody>
@@ -1005,11 +1109,11 @@
 </file>
 
 <file path=ppt/notesSlides/notesSlide4.xml><?xml version="1.0" encoding="utf-8"?>
-<p:notes xmlns:a="http://schemas.openxmlformats.org/drawingml/2006/main" xmlns:r="http://schemas.openxmlformats.org/officeDocument/2006/relationships" xmlns:mc="http://schemas.openxmlformats.org/markup-compatibility/2006" xmlns:mv="urn:schemas-microsoft-com:mac:vml" xmlns:p="http://schemas.openxmlformats.org/presentationml/2006/main" xmlns:c="http://schemas.openxmlformats.org/drawingml/2006/chart" xmlns:dgm="http://schemas.openxmlformats.org/drawingml/2006/diagram" xmlns:o="urn:schemas-microsoft-com:office:office" xmlns:v="urn:schemas-microsoft-com:vml" xmlns:pvml="urn:schemas-microsoft-com:office:powerpoint" xmlns:com="http://schemas.openxmlformats.org/drawingml/2006/compatibility" xmlns:p14="http://schemas.microsoft.com/office/powerpoint/2010/main" xmlns:p15="http://schemas.microsoft.com/office/powerpoint/2012/main" xmlns:ahyp="http://schemas.microsoft.com/office/drawing/2018/hyperlinkcolor" showMasterPhAnim="0" showMasterSp="0">
+<p:notes xmlns:a="http://schemas.openxmlformats.org/drawingml/2006/main" xmlns:r="http://schemas.openxmlformats.org/officeDocument/2006/relationships" xmlns:p="http://schemas.openxmlformats.org/presentationml/2006/main" showMasterSp="0" showMasterPhAnim="0">
   <p:cSld>
     <p:spTree>
       <p:nvGrpSpPr>
-        <p:cNvPr id="76" name="Shape 76"/>
+        <p:cNvPr id="1" name="Shape 76"/>
         <p:cNvGrpSpPr/>
         <p:nvPr/>
       </p:nvGrpSpPr>
@@ -1024,20 +1128,26 @@
       <p:sp>
         <p:nvSpPr>
           <p:cNvPr id="77" name="Google Shape;77;g70c03baa5da6fa6a_26:notes"/>
-          <p:cNvSpPr/>
+          <p:cNvSpPr>
+            <a:spLocks noGrp="1" noRot="1" noChangeAspect="1"/>
+          </p:cNvSpPr>
           <p:nvPr>
-            <p:ph idx="2" type="sldImg"/>
+            <p:ph type="sldImg" idx="2"/>
           </p:nvPr>
         </p:nvSpPr>
         <p:spPr>
           <a:xfrm>
-            <a:off x="381300" y="685800"/>
+            <a:off x="381000" y="685800"/>
             <a:ext cx="6096000" cy="3429000"/>
           </a:xfrm>
           <a:custGeom>
-            <a:rect b="b" l="l" r="r" t="t"/>
+            <a:avLst/>
+            <a:gdLst/>
+            <a:ahLst/>
+            <a:cxnLst/>
+            <a:rect l="l" t="t" r="r" b="b"/>
             <a:pathLst>
-              <a:path extrusionOk="0" h="120000" w="120000">
+              <a:path w="120000" h="120000" extrusionOk="0">
                 <a:moveTo>
                   <a:pt x="0" y="0"/>
                 </a:moveTo>
@@ -1059,9 +1169,11 @@
       <p:sp>
         <p:nvSpPr>
           <p:cNvPr id="78" name="Google Shape;78;g70c03baa5da6fa6a_26:notes"/>
-          <p:cNvSpPr txBox="1"/>
+          <p:cNvSpPr txBox="1">
+            <a:spLocks noGrp="1"/>
+          </p:cNvSpPr>
           <p:nvPr>
-            <p:ph idx="1" type="body"/>
+            <p:ph type="body" idx="1"/>
           </p:nvPr>
         </p:nvSpPr>
         <p:spPr>
@@ -1074,12 +1186,12 @@
           </a:prstGeom>
         </p:spPr>
         <p:txBody>
-          <a:bodyPr anchorCtr="0" anchor="t" bIns="91425" lIns="91425" spcFirstLastPara="1" rIns="91425" wrap="square" tIns="91425">
+          <a:bodyPr spcFirstLastPara="1" wrap="square" lIns="91425" tIns="91425" rIns="91425" bIns="91425" anchor="t" anchorCtr="0">
             <a:noAutofit/>
           </a:bodyPr>
           <a:lstStyle/>
           <a:p>
-            <a:pPr indent="0" lvl="0" marL="0" rtl="0" algn="l">
+            <a:pPr marL="0" lvl="0" indent="0" algn="l" rtl="0">
               <a:spcBef>
                 <a:spcPts val="0"/>
               </a:spcBef>
@@ -1088,9 +1200,6 @@
               </a:spcAft>
               <a:buNone/>
             </a:pPr>
-            <a:r>
-              <a:t/>
-            </a:r>
             <a:endParaRPr/>
           </a:p>
         </p:txBody>
@@ -1104,11 +1213,11 @@
 </file>
 
 <file path=ppt/notesSlides/notesSlide5.xml><?xml version="1.0" encoding="utf-8"?>
-<p:notes xmlns:a="http://schemas.openxmlformats.org/drawingml/2006/main" xmlns:r="http://schemas.openxmlformats.org/officeDocument/2006/relationships" xmlns:mc="http://schemas.openxmlformats.org/markup-compatibility/2006" xmlns:mv="urn:schemas-microsoft-com:mac:vml" xmlns:p="http://schemas.openxmlformats.org/presentationml/2006/main" xmlns:c="http://schemas.openxmlformats.org/drawingml/2006/chart" xmlns:dgm="http://schemas.openxmlformats.org/drawingml/2006/diagram" xmlns:o="urn:schemas-microsoft-com:office:office" xmlns:v="urn:schemas-microsoft-com:vml" xmlns:pvml="urn:schemas-microsoft-com:office:powerpoint" xmlns:com="http://schemas.openxmlformats.org/drawingml/2006/compatibility" xmlns:p14="http://schemas.microsoft.com/office/powerpoint/2010/main" xmlns:p15="http://schemas.microsoft.com/office/powerpoint/2012/main" xmlns:ahyp="http://schemas.microsoft.com/office/drawing/2018/hyperlinkcolor" showMasterPhAnim="0" showMasterSp="0">
+<p:notes xmlns:a="http://schemas.openxmlformats.org/drawingml/2006/main" xmlns:r="http://schemas.openxmlformats.org/officeDocument/2006/relationships" xmlns:p="http://schemas.openxmlformats.org/presentationml/2006/main" showMasterSp="0" showMasterPhAnim="0">
   <p:cSld>
     <p:spTree>
       <p:nvGrpSpPr>
-        <p:cNvPr id="82" name="Shape 82"/>
+        <p:cNvPr id="1" name="Shape 82"/>
         <p:cNvGrpSpPr/>
         <p:nvPr/>
       </p:nvGrpSpPr>
@@ -1123,20 +1232,26 @@
       <p:sp>
         <p:nvSpPr>
           <p:cNvPr id="83" name="Google Shape;83;g70c03baa5da6fa6a_31:notes"/>
-          <p:cNvSpPr/>
+          <p:cNvSpPr>
+            <a:spLocks noGrp="1" noRot="1" noChangeAspect="1"/>
+          </p:cNvSpPr>
           <p:nvPr>
-            <p:ph idx="2" type="sldImg"/>
+            <p:ph type="sldImg" idx="2"/>
           </p:nvPr>
         </p:nvSpPr>
         <p:spPr>
           <a:xfrm>
-            <a:off x="381300" y="685800"/>
+            <a:off x="381000" y="685800"/>
             <a:ext cx="6096000" cy="3429000"/>
           </a:xfrm>
           <a:custGeom>
-            <a:rect b="b" l="l" r="r" t="t"/>
+            <a:avLst/>
+            <a:gdLst/>
+            <a:ahLst/>
+            <a:cxnLst/>
+            <a:rect l="l" t="t" r="r" b="b"/>
             <a:pathLst>
-              <a:path extrusionOk="0" h="120000" w="120000">
+              <a:path w="120000" h="120000" extrusionOk="0">
                 <a:moveTo>
                   <a:pt x="0" y="0"/>
                 </a:moveTo>
@@ -1158,9 +1273,11 @@
       <p:sp>
         <p:nvSpPr>
           <p:cNvPr id="84" name="Google Shape;84;g70c03baa5da6fa6a_31:notes"/>
-          <p:cNvSpPr txBox="1"/>
+          <p:cNvSpPr txBox="1">
+            <a:spLocks noGrp="1"/>
+          </p:cNvSpPr>
           <p:nvPr>
-            <p:ph idx="1" type="body"/>
+            <p:ph type="body" idx="1"/>
           </p:nvPr>
         </p:nvSpPr>
         <p:spPr>
@@ -1173,12 +1290,12 @@
           </a:prstGeom>
         </p:spPr>
         <p:txBody>
-          <a:bodyPr anchorCtr="0" anchor="t" bIns="91425" lIns="91425" spcFirstLastPara="1" rIns="91425" wrap="square" tIns="91425">
+          <a:bodyPr spcFirstLastPara="1" wrap="square" lIns="91425" tIns="91425" rIns="91425" bIns="91425" anchor="t" anchorCtr="0">
             <a:noAutofit/>
           </a:bodyPr>
           <a:lstStyle/>
           <a:p>
-            <a:pPr indent="0" lvl="0" marL="0" rtl="0" algn="l">
+            <a:pPr marL="0" lvl="0" indent="0" algn="l" rtl="0">
               <a:spcBef>
                 <a:spcPts val="0"/>
               </a:spcBef>
@@ -1187,9 +1304,6 @@
               </a:spcAft>
               <a:buNone/>
             </a:pPr>
-            <a:r>
-              <a:t/>
-            </a:r>
             <a:endParaRPr/>
           </a:p>
         </p:txBody>
@@ -1203,11 +1317,11 @@
 </file>
 
 <file path=ppt/notesSlides/notesSlide6.xml><?xml version="1.0" encoding="utf-8"?>
-<p:notes xmlns:a="http://schemas.openxmlformats.org/drawingml/2006/main" xmlns:r="http://schemas.openxmlformats.org/officeDocument/2006/relationships" xmlns:mc="http://schemas.openxmlformats.org/markup-compatibility/2006" xmlns:mv="urn:schemas-microsoft-com:mac:vml" xmlns:p="http://schemas.openxmlformats.org/presentationml/2006/main" xmlns:c="http://schemas.openxmlformats.org/drawingml/2006/chart" xmlns:dgm="http://schemas.openxmlformats.org/drawingml/2006/diagram" xmlns:o="urn:schemas-microsoft-com:office:office" xmlns:v="urn:schemas-microsoft-com:vml" xmlns:pvml="urn:schemas-microsoft-com:office:powerpoint" xmlns:com="http://schemas.openxmlformats.org/drawingml/2006/compatibility" xmlns:p14="http://schemas.microsoft.com/office/powerpoint/2010/main" xmlns:p15="http://schemas.microsoft.com/office/powerpoint/2012/main" xmlns:ahyp="http://schemas.microsoft.com/office/drawing/2018/hyperlinkcolor" showMasterPhAnim="0" showMasterSp="0">
+<p:notes xmlns:a="http://schemas.openxmlformats.org/drawingml/2006/main" xmlns:r="http://schemas.openxmlformats.org/officeDocument/2006/relationships" xmlns:p="http://schemas.openxmlformats.org/presentationml/2006/main" showMasterSp="0" showMasterPhAnim="0">
   <p:cSld>
     <p:spTree>
       <p:nvGrpSpPr>
-        <p:cNvPr id="88" name="Shape 88"/>
+        <p:cNvPr id="1" name="Shape 88"/>
         <p:cNvGrpSpPr/>
         <p:nvPr/>
       </p:nvGrpSpPr>
@@ -1222,9 +1336,11 @@
       <p:sp>
         <p:nvSpPr>
           <p:cNvPr id="89" name="Google Shape;89;g70c03baa5da6fa6a_36:notes"/>
-          <p:cNvSpPr/>
+          <p:cNvSpPr>
+            <a:spLocks noGrp="1" noRot="1" noChangeAspect="1"/>
+          </p:cNvSpPr>
           <p:nvPr>
-            <p:ph idx="2" type="sldImg"/>
+            <p:ph type="sldImg" idx="2"/>
           </p:nvPr>
         </p:nvSpPr>
         <p:spPr>
@@ -1233,9 +1349,13 @@
             <a:ext cx="6096000" cy="3429000"/>
           </a:xfrm>
           <a:custGeom>
-            <a:rect b="b" l="l" r="r" t="t"/>
+            <a:avLst/>
+            <a:gdLst/>
+            <a:ahLst/>
+            <a:cxnLst/>
+            <a:rect l="l" t="t" r="r" b="b"/>
             <a:pathLst>
-              <a:path extrusionOk="0" h="120000" w="120000">
+              <a:path w="120000" h="120000" extrusionOk="0">
                 <a:moveTo>
                   <a:pt x="0" y="0"/>
                 </a:moveTo>
@@ -1257,9 +1377,11 @@
       <p:sp>
         <p:nvSpPr>
           <p:cNvPr id="90" name="Google Shape;90;g70c03baa5da6fa6a_36:notes"/>
-          <p:cNvSpPr txBox="1"/>
+          <p:cNvSpPr txBox="1">
+            <a:spLocks noGrp="1"/>
+          </p:cNvSpPr>
           <p:nvPr>
-            <p:ph idx="1" type="body"/>
+            <p:ph type="body" idx="1"/>
           </p:nvPr>
         </p:nvSpPr>
         <p:spPr>
@@ -1272,12 +1394,12 @@
           </a:prstGeom>
         </p:spPr>
         <p:txBody>
-          <a:bodyPr anchorCtr="0" anchor="t" bIns="91425" lIns="91425" spcFirstLastPara="1" rIns="91425" wrap="square" tIns="91425">
+          <a:bodyPr spcFirstLastPara="1" wrap="square" lIns="91425" tIns="91425" rIns="91425" bIns="91425" anchor="t" anchorCtr="0">
             <a:noAutofit/>
           </a:bodyPr>
           <a:lstStyle/>
           <a:p>
-            <a:pPr indent="0" lvl="0" marL="0" rtl="0" algn="l">
+            <a:pPr marL="0" lvl="0" indent="0" algn="l" rtl="0">
               <a:spcBef>
                 <a:spcPts val="0"/>
               </a:spcBef>
@@ -1286,9 +1408,6 @@
               </a:spcAft>
               <a:buNone/>
             </a:pPr>
-            <a:r>
-              <a:t/>
-            </a:r>
             <a:endParaRPr/>
           </a:p>
         </p:txBody>
@@ -1302,11 +1421,11 @@
 </file>
 
 <file path=ppt/slideLayouts/slideLayout1.xml><?xml version="1.0" encoding="utf-8"?>
-<p:sldLayout xmlns:a="http://schemas.openxmlformats.org/drawingml/2006/main" xmlns:r="http://schemas.openxmlformats.org/officeDocument/2006/relationships" xmlns:mc="http://schemas.openxmlformats.org/markup-compatibility/2006" xmlns:mv="urn:schemas-microsoft-com:mac:vml" xmlns:p="http://schemas.openxmlformats.org/presentationml/2006/main" xmlns:c="http://schemas.openxmlformats.org/drawingml/2006/chart" xmlns:dgm="http://schemas.openxmlformats.org/drawingml/2006/diagram" xmlns:o="urn:schemas-microsoft-com:office:office" xmlns:v="urn:schemas-microsoft-com:vml" xmlns:pvml="urn:schemas-microsoft-com:office:powerpoint" xmlns:com="http://schemas.openxmlformats.org/drawingml/2006/compatibility" xmlns:p14="http://schemas.microsoft.com/office/powerpoint/2010/main" xmlns:p15="http://schemas.microsoft.com/office/powerpoint/2012/main" xmlns:ahyp="http://schemas.microsoft.com/office/drawing/2018/hyperlinkcolor" matchingName="Title slide" type="title">
+<p:sldLayout xmlns:a="http://schemas.openxmlformats.org/drawingml/2006/main" xmlns:r="http://schemas.openxmlformats.org/officeDocument/2006/relationships" xmlns:p="http://schemas.openxmlformats.org/presentationml/2006/main" matchingName="Title slide" type="title">
   <p:cSld name="TITLE">
     <p:spTree>
       <p:nvGrpSpPr>
-        <p:cNvPr id="9" name="Shape 9"/>
+        <p:cNvPr id="1" name="Shape 9"/>
         <p:cNvGrpSpPr/>
         <p:nvPr/>
       </p:nvGrpSpPr>
@@ -1330,9 +1449,13 @@
             <a:ext cx="1081625" cy="1124950"/>
           </a:xfrm>
           <a:custGeom>
-            <a:rect b="b" l="l" r="r" t="t"/>
+            <a:avLst/>
+            <a:gdLst/>
+            <a:ahLst/>
+            <a:cxnLst/>
+            <a:rect l="l" t="t" r="r" b="b"/>
             <a:pathLst>
-              <a:path extrusionOk="0" h="44998" w="43265">
+              <a:path w="43265" h="44998" extrusionOk="0">
                 <a:moveTo>
                   <a:pt x="0" y="44998"/>
                 </a:moveTo>
@@ -1346,14 +1469,14 @@
             </a:pathLst>
           </a:custGeom>
           <a:noFill/>
-          <a:ln cap="flat" cmpd="sng" w="28575">
+          <a:ln w="28575" cap="flat" cmpd="sng">
             <a:solidFill>
               <a:schemeClr val="lt2"/>
             </a:solidFill>
             <a:prstDash val="solid"/>
             <a:miter lim="8000"/>
-            <a:headEnd len="sm" w="sm" type="none"/>
-            <a:tailEnd len="sm" w="sm" type="none"/>
+            <a:headEnd type="none" w="sm" len="sm"/>
+            <a:tailEnd type="none" w="sm" len="sm"/>
           </a:ln>
         </p:spPr>
       </p:sp>
@@ -1369,9 +1492,13 @@
             <a:ext cx="1081625" cy="1124950"/>
           </a:xfrm>
           <a:custGeom>
-            <a:rect b="b" l="l" r="r" t="t"/>
+            <a:avLst/>
+            <a:gdLst/>
+            <a:ahLst/>
+            <a:cxnLst/>
+            <a:rect l="l" t="t" r="r" b="b"/>
             <a:pathLst>
-              <a:path extrusionOk="0" h="44998" w="43265">
+              <a:path w="43265" h="44998" extrusionOk="0">
                 <a:moveTo>
                   <a:pt x="0" y="44998"/>
                 </a:moveTo>
@@ -1385,21 +1512,23 @@
             </a:pathLst>
           </a:custGeom>
           <a:noFill/>
-          <a:ln cap="flat" cmpd="sng" w="28575">
+          <a:ln w="28575" cap="flat" cmpd="sng">
             <a:solidFill>
               <a:schemeClr val="lt2"/>
             </a:solidFill>
             <a:prstDash val="solid"/>
             <a:miter lim="8000"/>
-            <a:headEnd len="sm" w="sm" type="none"/>
-            <a:tailEnd len="sm" w="sm" type="none"/>
+            <a:headEnd type="none" w="sm" len="sm"/>
+            <a:tailEnd type="none" w="sm" len="sm"/>
           </a:ln>
         </p:spPr>
       </p:sp>
       <p:sp>
         <p:nvSpPr>
           <p:cNvPr id="12" name="Google Shape;12;p2"/>
-          <p:cNvSpPr txBox="1"/>
+          <p:cNvSpPr txBox="1">
+            <a:spLocks noGrp="1"/>
+          </p:cNvSpPr>
           <p:nvPr>
             <p:ph type="ctrTitle"/>
           </p:nvPr>
@@ -1414,7 +1543,7 @@
           </a:prstGeom>
         </p:spPr>
         <p:txBody>
-          <a:bodyPr anchorCtr="0" anchor="b" bIns="91425" lIns="91425" spcFirstLastPara="1" rIns="91425" wrap="square" tIns="91425">
+          <a:bodyPr spcFirstLastPara="1" wrap="square" lIns="91425" tIns="91425" rIns="91425" bIns="91425" anchor="b" anchorCtr="0">
             <a:normAutofit/>
           </a:bodyPr>
           <a:lstStyle>
@@ -1518,15 +1647,19 @@
               <a:defRPr/>
             </a:lvl9pPr>
           </a:lstStyle>
-          <a:p/>
+          <a:p>
+            <a:endParaRPr/>
+          </a:p>
         </p:txBody>
       </p:sp>
       <p:sp>
         <p:nvSpPr>
           <p:cNvPr id="13" name="Google Shape;13;p2"/>
-          <p:cNvSpPr txBox="1"/>
+          <p:cNvSpPr txBox="1">
+            <a:spLocks noGrp="1"/>
+          </p:cNvSpPr>
           <p:nvPr>
-            <p:ph idx="1" type="subTitle"/>
+            <p:ph type="subTitle" idx="1"/>
           </p:nvPr>
         </p:nvSpPr>
         <p:spPr>
@@ -1539,7 +1672,7 @@
           </a:prstGeom>
         </p:spPr>
         <p:txBody>
-          <a:bodyPr anchorCtr="0" anchor="t" bIns="91425" lIns="91425" spcFirstLastPara="1" rIns="91425" wrap="square" tIns="91425">
+          <a:bodyPr spcFirstLastPara="1" wrap="square" lIns="91425" tIns="91425" rIns="91425" bIns="91425" anchor="t" anchorCtr="0">
             <a:normAutofit/>
           </a:bodyPr>
           <a:lstStyle>
@@ -1724,15 +1857,19 @@
               </a:defRPr>
             </a:lvl9pPr>
           </a:lstStyle>
-          <a:p/>
+          <a:p>
+            <a:endParaRPr/>
+          </a:p>
         </p:txBody>
       </p:sp>
       <p:sp>
         <p:nvSpPr>
           <p:cNvPr id="14" name="Google Shape;14;p2"/>
-          <p:cNvSpPr txBox="1"/>
+          <p:cNvSpPr txBox="1">
+            <a:spLocks noGrp="1"/>
+          </p:cNvSpPr>
           <p:nvPr>
-            <p:ph idx="12" type="sldNum"/>
+            <p:ph type="sldNum" idx="12"/>
           </p:nvPr>
         </p:nvSpPr>
         <p:spPr>
@@ -1745,7 +1882,7 @@
           </a:prstGeom>
         </p:spPr>
         <p:txBody>
-          <a:bodyPr anchorCtr="0" anchor="ctr" bIns="91425" lIns="91425" spcFirstLastPara="1" rIns="91425" wrap="square" tIns="91425">
+          <a:bodyPr spcFirstLastPara="1" wrap="square" lIns="91425" tIns="91425" rIns="91425" bIns="91425" anchor="ctr" anchorCtr="0">
             <a:normAutofit/>
           </a:bodyPr>
           <a:lstStyle>
@@ -1787,7 +1924,7 @@
             </a:lvl9pPr>
           </a:lstStyle>
           <a:p>
-            <a:pPr indent="0" lvl="0" marL="0" rtl="0" algn="r">
+            <a:pPr marL="0" lvl="0" indent="0" algn="r" rtl="0">
               <a:spcBef>
                 <a:spcPts val="0"/>
               </a:spcBef>
@@ -1813,11 +1950,11 @@
 </file>
 
 <file path=ppt/slideLayouts/slideLayout10.xml><?xml version="1.0" encoding="utf-8"?>
-<p:sldLayout xmlns:a="http://schemas.openxmlformats.org/drawingml/2006/main" xmlns:r="http://schemas.openxmlformats.org/officeDocument/2006/relationships" xmlns:mc="http://schemas.openxmlformats.org/markup-compatibility/2006" xmlns:mv="urn:schemas-microsoft-com:mac:vml" xmlns:p="http://schemas.openxmlformats.org/presentationml/2006/main" xmlns:c="http://schemas.openxmlformats.org/drawingml/2006/chart" xmlns:dgm="http://schemas.openxmlformats.org/drawingml/2006/diagram" xmlns:o="urn:schemas-microsoft-com:office:office" xmlns:v="urn:schemas-microsoft-com:vml" xmlns:pvml="urn:schemas-microsoft-com:office:powerpoint" xmlns:com="http://schemas.openxmlformats.org/drawingml/2006/compatibility" xmlns:p14="http://schemas.microsoft.com/office/powerpoint/2010/main" xmlns:p15="http://schemas.microsoft.com/office/powerpoint/2012/main" xmlns:ahyp="http://schemas.microsoft.com/office/drawing/2018/hyperlinkcolor" matchingName="Big number">
+<p:sldLayout xmlns:a="http://schemas.openxmlformats.org/drawingml/2006/main" xmlns:r="http://schemas.openxmlformats.org/officeDocument/2006/relationships" xmlns:p="http://schemas.openxmlformats.org/presentationml/2006/main" matchingName="Big number">
   <p:cSld name="BIG_NUMBER">
     <p:spTree>
       <p:nvGrpSpPr>
-        <p:cNvPr id="51" name="Shape 51"/>
+        <p:cNvPr id="1" name="Shape 51"/>
         <p:cNvGrpSpPr/>
         <p:nvPr/>
       </p:nvGrpSpPr>
@@ -1851,12 +1988,12 @@
           </a:ln>
         </p:spPr>
         <p:txBody>
-          <a:bodyPr anchorCtr="0" anchor="ctr" bIns="91425" lIns="91425" spcFirstLastPara="1" rIns="91425" wrap="square" tIns="91425">
+          <a:bodyPr spcFirstLastPara="1" wrap="square" lIns="91425" tIns="91425" rIns="91425" bIns="91425" anchor="ctr" anchorCtr="0">
             <a:noAutofit/>
           </a:bodyPr>
           <a:lstStyle/>
           <a:p>
-            <a:pPr indent="0" lvl="0" marL="0" rtl="0" algn="l">
+            <a:pPr marL="0" lvl="0" indent="0" algn="l" rtl="0">
               <a:spcBef>
                 <a:spcPts val="0"/>
               </a:spcBef>
@@ -1865,9 +2002,6 @@
               </a:spcAft>
               <a:buNone/>
             </a:pPr>
-            <a:r>
-              <a:t/>
-            </a:r>
             <a:endParaRPr/>
           </a:p>
         </p:txBody>
@@ -1875,9 +2009,11 @@
       <p:sp>
         <p:nvSpPr>
           <p:cNvPr id="53" name="Google Shape;53;p11"/>
-          <p:cNvSpPr txBox="1"/>
+          <p:cNvSpPr txBox="1">
+            <a:spLocks noGrp="1"/>
+          </p:cNvSpPr>
           <p:nvPr>
-            <p:ph hasCustomPrompt="1" type="title"/>
+            <p:ph type="title" hasCustomPrompt="1"/>
           </p:nvPr>
         </p:nvSpPr>
         <p:spPr>
@@ -1890,7 +2026,7 @@
           </a:prstGeom>
         </p:spPr>
         <p:txBody>
-          <a:bodyPr anchorCtr="0" anchor="ctr" bIns="91425" lIns="91425" spcFirstLastPara="1" rIns="91425" wrap="square" tIns="91425">
+          <a:bodyPr spcFirstLastPara="1" wrap="square" lIns="91425" tIns="91425" rIns="91425" bIns="91425" anchor="ctr" anchorCtr="0">
             <a:normAutofit/>
           </a:bodyPr>
           <a:lstStyle>
@@ -2067,9 +2203,11 @@
       <p:sp>
         <p:nvSpPr>
           <p:cNvPr id="54" name="Google Shape;54;p11"/>
-          <p:cNvSpPr txBox="1"/>
+          <p:cNvSpPr txBox="1">
+            <a:spLocks noGrp="1"/>
+          </p:cNvSpPr>
           <p:nvPr>
-            <p:ph idx="1" type="body"/>
+            <p:ph type="body" idx="1"/>
           </p:nvPr>
         </p:nvSpPr>
         <p:spPr>
@@ -2082,11 +2220,11 @@
           </a:prstGeom>
         </p:spPr>
         <p:txBody>
-          <a:bodyPr anchorCtr="0" anchor="t" bIns="91425" lIns="91425" spcFirstLastPara="1" rIns="91425" wrap="square" tIns="91425">
+          <a:bodyPr spcFirstLastPara="1" wrap="square" lIns="91425" tIns="91425" rIns="91425" bIns="91425" anchor="t" anchorCtr="0">
             <a:normAutofit/>
           </a:bodyPr>
           <a:lstStyle>
-            <a:lvl1pPr indent="-342900" lvl="0" marL="457200" algn="ctr">
+            <a:lvl1pPr marL="457200" lvl="0" indent="-342900" algn="ctr">
               <a:spcBef>
                 <a:spcPts val="0"/>
               </a:spcBef>
@@ -2097,7 +2235,7 @@
               <a:buChar char="●"/>
               <a:defRPr/>
             </a:lvl1pPr>
-            <a:lvl2pPr indent="-317500" lvl="1" marL="914400" algn="ctr">
+            <a:lvl2pPr marL="914400" lvl="1" indent="-317500" algn="ctr">
               <a:spcBef>
                 <a:spcPts val="0"/>
               </a:spcBef>
@@ -2108,7 +2246,7 @@
               <a:buChar char="○"/>
               <a:defRPr/>
             </a:lvl2pPr>
-            <a:lvl3pPr indent="-317500" lvl="2" marL="1371600" algn="ctr">
+            <a:lvl3pPr marL="1371600" lvl="2" indent="-317500" algn="ctr">
               <a:spcBef>
                 <a:spcPts val="0"/>
               </a:spcBef>
@@ -2119,7 +2257,7 @@
               <a:buChar char="■"/>
               <a:defRPr/>
             </a:lvl3pPr>
-            <a:lvl4pPr indent="-317500" lvl="3" marL="1828800" algn="ctr">
+            <a:lvl4pPr marL="1828800" lvl="3" indent="-317500" algn="ctr">
               <a:spcBef>
                 <a:spcPts val="0"/>
               </a:spcBef>
@@ -2130,7 +2268,7 @@
               <a:buChar char="●"/>
               <a:defRPr/>
             </a:lvl4pPr>
-            <a:lvl5pPr indent="-317500" lvl="4" marL="2286000" algn="ctr">
+            <a:lvl5pPr marL="2286000" lvl="4" indent="-317500" algn="ctr">
               <a:spcBef>
                 <a:spcPts val="0"/>
               </a:spcBef>
@@ -2141,7 +2279,7 @@
               <a:buChar char="○"/>
               <a:defRPr/>
             </a:lvl5pPr>
-            <a:lvl6pPr indent="-317500" lvl="5" marL="2743200" algn="ctr">
+            <a:lvl6pPr marL="2743200" lvl="5" indent="-317500" algn="ctr">
               <a:spcBef>
                 <a:spcPts val="0"/>
               </a:spcBef>
@@ -2152,7 +2290,7 @@
               <a:buChar char="■"/>
               <a:defRPr/>
             </a:lvl6pPr>
-            <a:lvl7pPr indent="-317500" lvl="6" marL="3200400" algn="ctr">
+            <a:lvl7pPr marL="3200400" lvl="6" indent="-317500" algn="ctr">
               <a:spcBef>
                 <a:spcPts val="0"/>
               </a:spcBef>
@@ -2163,7 +2301,7 @@
               <a:buChar char="●"/>
               <a:defRPr/>
             </a:lvl7pPr>
-            <a:lvl8pPr indent="-317500" lvl="7" marL="3657600" algn="ctr">
+            <a:lvl8pPr marL="3657600" lvl="7" indent="-317500" algn="ctr">
               <a:spcBef>
                 <a:spcPts val="0"/>
               </a:spcBef>
@@ -2174,7 +2312,7 @@
               <a:buChar char="○"/>
               <a:defRPr/>
             </a:lvl8pPr>
-            <a:lvl9pPr indent="-317500" lvl="8" marL="4114800" algn="ctr">
+            <a:lvl9pPr marL="4114800" lvl="8" indent="-317500" algn="ctr">
               <a:spcBef>
                 <a:spcPts val="0"/>
               </a:spcBef>
@@ -2186,15 +2324,19 @@
               <a:defRPr/>
             </a:lvl9pPr>
           </a:lstStyle>
-          <a:p/>
+          <a:p>
+            <a:endParaRPr/>
+          </a:p>
         </p:txBody>
       </p:sp>
       <p:sp>
         <p:nvSpPr>
           <p:cNvPr id="55" name="Google Shape;55;p11"/>
-          <p:cNvSpPr txBox="1"/>
+          <p:cNvSpPr txBox="1">
+            <a:spLocks noGrp="1"/>
+          </p:cNvSpPr>
           <p:nvPr>
-            <p:ph idx="12" type="sldNum"/>
+            <p:ph type="sldNum" idx="12"/>
           </p:nvPr>
         </p:nvSpPr>
         <p:spPr>
@@ -2207,7 +2349,7 @@
           </a:prstGeom>
         </p:spPr>
         <p:txBody>
-          <a:bodyPr anchorCtr="0" anchor="ctr" bIns="91425" lIns="91425" spcFirstLastPara="1" rIns="91425" wrap="square" tIns="91425">
+          <a:bodyPr spcFirstLastPara="1" wrap="square" lIns="91425" tIns="91425" rIns="91425" bIns="91425" anchor="ctr" anchorCtr="0">
             <a:normAutofit/>
           </a:bodyPr>
           <a:lstStyle>
@@ -2249,7 +2391,7 @@
             </a:lvl9pPr>
           </a:lstStyle>
           <a:p>
-            <a:pPr indent="0" lvl="0" marL="0" rtl="0" algn="r">
+            <a:pPr marL="0" lvl="0" indent="0" algn="r" rtl="0">
               <a:spcBef>
                 <a:spcPts val="0"/>
               </a:spcBef>
@@ -2275,11 +2417,11 @@
 </file>
 
 <file path=ppt/slideLayouts/slideLayout11.xml><?xml version="1.0" encoding="utf-8"?>
-<p:sldLayout xmlns:a="http://schemas.openxmlformats.org/drawingml/2006/main" xmlns:r="http://schemas.openxmlformats.org/officeDocument/2006/relationships" xmlns:mc="http://schemas.openxmlformats.org/markup-compatibility/2006" xmlns:mv="urn:schemas-microsoft-com:mac:vml" xmlns:p="http://schemas.openxmlformats.org/presentationml/2006/main" xmlns:c="http://schemas.openxmlformats.org/drawingml/2006/chart" xmlns:dgm="http://schemas.openxmlformats.org/drawingml/2006/diagram" xmlns:o="urn:schemas-microsoft-com:office:office" xmlns:v="urn:schemas-microsoft-com:vml" xmlns:pvml="urn:schemas-microsoft-com:office:powerpoint" xmlns:com="http://schemas.openxmlformats.org/drawingml/2006/compatibility" xmlns:p14="http://schemas.microsoft.com/office/powerpoint/2010/main" xmlns:p15="http://schemas.microsoft.com/office/powerpoint/2012/main" xmlns:ahyp="http://schemas.microsoft.com/office/drawing/2018/hyperlinkcolor" matchingName="Blank" type="blank">
+<p:sldLayout xmlns:a="http://schemas.openxmlformats.org/drawingml/2006/main" xmlns:r="http://schemas.openxmlformats.org/officeDocument/2006/relationships" xmlns:p="http://schemas.openxmlformats.org/presentationml/2006/main" matchingName="Blank" type="blank">
   <p:cSld name="BLANK">
     <p:spTree>
       <p:nvGrpSpPr>
-        <p:cNvPr id="56" name="Shape 56"/>
+        <p:cNvPr id="1" name="Shape 56"/>
         <p:cNvGrpSpPr/>
         <p:nvPr/>
       </p:nvGrpSpPr>
@@ -2294,9 +2436,11 @@
       <p:sp>
         <p:nvSpPr>
           <p:cNvPr id="57" name="Google Shape;57;p12"/>
-          <p:cNvSpPr txBox="1"/>
+          <p:cNvSpPr txBox="1">
+            <a:spLocks noGrp="1"/>
+          </p:cNvSpPr>
           <p:nvPr>
-            <p:ph idx="12" type="sldNum"/>
+            <p:ph type="sldNum" idx="12"/>
           </p:nvPr>
         </p:nvSpPr>
         <p:spPr>
@@ -2309,7 +2453,7 @@
           </a:prstGeom>
         </p:spPr>
         <p:txBody>
-          <a:bodyPr anchorCtr="0" anchor="ctr" bIns="91425" lIns="91425" spcFirstLastPara="1" rIns="91425" wrap="square" tIns="91425">
+          <a:bodyPr spcFirstLastPara="1" wrap="square" lIns="91425" tIns="91425" rIns="91425" bIns="91425" anchor="ctr" anchorCtr="0">
             <a:normAutofit/>
           </a:bodyPr>
           <a:lstStyle>
@@ -2351,7 +2495,7 @@
             </a:lvl9pPr>
           </a:lstStyle>
           <a:p>
-            <a:pPr indent="0" lvl="0" marL="0" rtl="0" algn="r">
+            <a:pPr marL="0" lvl="0" indent="0" algn="r" rtl="0">
               <a:spcBef>
                 <a:spcPts val="0"/>
               </a:spcBef>
@@ -2377,11 +2521,11 @@
 </file>
 
 <file path=ppt/slideLayouts/slideLayout2.xml><?xml version="1.0" encoding="utf-8"?>
-<p:sldLayout xmlns:a="http://schemas.openxmlformats.org/drawingml/2006/main" xmlns:r="http://schemas.openxmlformats.org/officeDocument/2006/relationships" xmlns:mc="http://schemas.openxmlformats.org/markup-compatibility/2006" xmlns:mv="urn:schemas-microsoft-com:mac:vml" xmlns:p="http://schemas.openxmlformats.org/presentationml/2006/main" xmlns:c="http://schemas.openxmlformats.org/drawingml/2006/chart" xmlns:dgm="http://schemas.openxmlformats.org/drawingml/2006/diagram" xmlns:o="urn:schemas-microsoft-com:office:office" xmlns:v="urn:schemas-microsoft-com:vml" xmlns:pvml="urn:schemas-microsoft-com:office:powerpoint" xmlns:com="http://schemas.openxmlformats.org/drawingml/2006/compatibility" xmlns:p14="http://schemas.microsoft.com/office/powerpoint/2010/main" xmlns:p15="http://schemas.microsoft.com/office/powerpoint/2012/main" xmlns:ahyp="http://schemas.microsoft.com/office/drawing/2018/hyperlinkcolor" matchingName="Section header" type="secHead">
+<p:sldLayout xmlns:a="http://schemas.openxmlformats.org/drawingml/2006/main" xmlns:r="http://schemas.openxmlformats.org/officeDocument/2006/relationships" xmlns:p="http://schemas.openxmlformats.org/presentationml/2006/main" matchingName="Section header" type="secHead">
   <p:cSld name="SECTION_HEADER">
     <p:spTree>
       <p:nvGrpSpPr>
-        <p:cNvPr id="15" name="Shape 15"/>
+        <p:cNvPr id="1" name="Shape 15"/>
         <p:cNvGrpSpPr/>
         <p:nvPr/>
       </p:nvGrpSpPr>
@@ -2405,9 +2549,13 @@
             <a:ext cx="1081625" cy="1124950"/>
           </a:xfrm>
           <a:custGeom>
-            <a:rect b="b" l="l" r="r" t="t"/>
+            <a:avLst/>
+            <a:gdLst/>
+            <a:ahLst/>
+            <a:cxnLst/>
+            <a:rect l="l" t="t" r="r" b="b"/>
             <a:pathLst>
-              <a:path extrusionOk="0" h="44998" w="43265">
+              <a:path w="43265" h="44998" extrusionOk="0">
                 <a:moveTo>
                   <a:pt x="0" y="44998"/>
                 </a:moveTo>
@@ -2421,14 +2569,14 @@
             </a:pathLst>
           </a:custGeom>
           <a:noFill/>
-          <a:ln cap="flat" cmpd="sng" w="28575">
+          <a:ln w="28575" cap="flat" cmpd="sng">
             <a:solidFill>
               <a:schemeClr val="lt2"/>
             </a:solidFill>
             <a:prstDash val="solid"/>
             <a:miter lim="8000"/>
-            <a:headEnd len="sm" w="sm" type="none"/>
-            <a:tailEnd len="sm" w="sm" type="none"/>
+            <a:headEnd type="none" w="sm" len="sm"/>
+            <a:tailEnd type="none" w="sm" len="sm"/>
           </a:ln>
         </p:spPr>
       </p:sp>
@@ -2439,14 +2587,18 @@
           <p:nvPr/>
         </p:nvSpPr>
         <p:spPr>
-          <a:xfrm flipH="1" rot="10800000">
+          <a:xfrm rot="10800000" flipH="1">
             <a:off x="466425" y="3558325"/>
             <a:ext cx="1081625" cy="1124950"/>
           </a:xfrm>
           <a:custGeom>
-            <a:rect b="b" l="l" r="r" t="t"/>
+            <a:avLst/>
+            <a:gdLst/>
+            <a:ahLst/>
+            <a:cxnLst/>
+            <a:rect l="l" t="t" r="r" b="b"/>
             <a:pathLst>
-              <a:path extrusionOk="0" h="44998" w="43265">
+              <a:path w="43265" h="44998" extrusionOk="0">
                 <a:moveTo>
                   <a:pt x="0" y="44998"/>
                 </a:moveTo>
@@ -2460,21 +2612,23 @@
             </a:pathLst>
           </a:custGeom>
           <a:noFill/>
-          <a:ln cap="flat" cmpd="sng" w="28575">
+          <a:ln w="28575" cap="flat" cmpd="sng">
             <a:solidFill>
               <a:schemeClr val="lt2"/>
             </a:solidFill>
             <a:prstDash val="solid"/>
             <a:miter lim="8000"/>
-            <a:headEnd len="sm" w="sm" type="none"/>
-            <a:tailEnd len="sm" w="sm" type="none"/>
+            <a:headEnd type="none" w="sm" len="sm"/>
+            <a:tailEnd type="none" w="sm" len="sm"/>
           </a:ln>
         </p:spPr>
       </p:sp>
       <p:sp>
         <p:nvSpPr>
           <p:cNvPr id="18" name="Google Shape;18;p3"/>
-          <p:cNvSpPr txBox="1"/>
+          <p:cNvSpPr txBox="1">
+            <a:spLocks noGrp="1"/>
+          </p:cNvSpPr>
           <p:nvPr>
             <p:ph type="title"/>
           </p:nvPr>
@@ -2489,7 +2643,7 @@
           </a:prstGeom>
         </p:spPr>
         <p:txBody>
-          <a:bodyPr anchorCtr="0" anchor="ctr" bIns="91425" lIns="91425" spcFirstLastPara="1" rIns="91425" wrap="square" tIns="91425">
+          <a:bodyPr spcFirstLastPara="1" wrap="square" lIns="91425" tIns="91425" rIns="91425" bIns="91425" anchor="ctr" anchorCtr="0">
             <a:normAutofit/>
           </a:bodyPr>
           <a:lstStyle>
@@ -2593,15 +2747,19 @@
               <a:defRPr/>
             </a:lvl9pPr>
           </a:lstStyle>
-          <a:p/>
+          <a:p>
+            <a:endParaRPr/>
+          </a:p>
         </p:txBody>
       </p:sp>
       <p:sp>
         <p:nvSpPr>
           <p:cNvPr id="19" name="Google Shape;19;p3"/>
-          <p:cNvSpPr txBox="1"/>
+          <p:cNvSpPr txBox="1">
+            <a:spLocks noGrp="1"/>
+          </p:cNvSpPr>
           <p:nvPr>
-            <p:ph idx="12" type="sldNum"/>
+            <p:ph type="sldNum" idx="12"/>
           </p:nvPr>
         </p:nvSpPr>
         <p:spPr>
@@ -2614,7 +2772,7 @@
           </a:prstGeom>
         </p:spPr>
         <p:txBody>
-          <a:bodyPr anchorCtr="0" anchor="ctr" bIns="91425" lIns="91425" spcFirstLastPara="1" rIns="91425" wrap="square" tIns="91425">
+          <a:bodyPr spcFirstLastPara="1" wrap="square" lIns="91425" tIns="91425" rIns="91425" bIns="91425" anchor="ctr" anchorCtr="0">
             <a:normAutofit/>
           </a:bodyPr>
           <a:lstStyle>
@@ -2656,7 +2814,7 @@
             </a:lvl9pPr>
           </a:lstStyle>
           <a:p>
-            <a:pPr indent="0" lvl="0" marL="0" rtl="0" algn="r">
+            <a:pPr marL="0" lvl="0" indent="0" algn="r" rtl="0">
               <a:spcBef>
                 <a:spcPts val="0"/>
               </a:spcBef>
@@ -2682,11 +2840,11 @@
 </file>
 
 <file path=ppt/slideLayouts/slideLayout3.xml><?xml version="1.0" encoding="utf-8"?>
-<p:sldLayout xmlns:a="http://schemas.openxmlformats.org/drawingml/2006/main" xmlns:r="http://schemas.openxmlformats.org/officeDocument/2006/relationships" xmlns:mc="http://schemas.openxmlformats.org/markup-compatibility/2006" xmlns:mv="urn:schemas-microsoft-com:mac:vml" xmlns:p="http://schemas.openxmlformats.org/presentationml/2006/main" xmlns:c="http://schemas.openxmlformats.org/drawingml/2006/chart" xmlns:dgm="http://schemas.openxmlformats.org/drawingml/2006/diagram" xmlns:o="urn:schemas-microsoft-com:office:office" xmlns:v="urn:schemas-microsoft-com:vml" xmlns:pvml="urn:schemas-microsoft-com:office:powerpoint" xmlns:com="http://schemas.openxmlformats.org/drawingml/2006/compatibility" xmlns:p14="http://schemas.microsoft.com/office/powerpoint/2010/main" xmlns:p15="http://schemas.microsoft.com/office/powerpoint/2012/main" xmlns:ahyp="http://schemas.microsoft.com/office/drawing/2018/hyperlinkcolor" matchingName="Title and body" type="tx">
+<p:sldLayout xmlns:a="http://schemas.openxmlformats.org/drawingml/2006/main" xmlns:r="http://schemas.openxmlformats.org/officeDocument/2006/relationships" xmlns:p="http://schemas.openxmlformats.org/presentationml/2006/main" matchingName="Title and body" type="tx">
   <p:cSld name="TITLE_AND_BODY">
     <p:spTree>
       <p:nvGrpSpPr>
-        <p:cNvPr id="20" name="Shape 20"/>
+        <p:cNvPr id="1" name="Shape 20"/>
         <p:cNvGrpSpPr/>
         <p:nvPr/>
       </p:nvGrpSpPr>
@@ -2720,12 +2878,12 @@
           </a:ln>
         </p:spPr>
         <p:txBody>
-          <a:bodyPr anchorCtr="0" anchor="ctr" bIns="91425" lIns="91425" spcFirstLastPara="1" rIns="91425" wrap="square" tIns="91425">
+          <a:bodyPr spcFirstLastPara="1" wrap="square" lIns="91425" tIns="91425" rIns="91425" bIns="91425" anchor="ctr" anchorCtr="0">
             <a:noAutofit/>
           </a:bodyPr>
           <a:lstStyle/>
           <a:p>
-            <a:pPr indent="0" lvl="0" marL="0" rtl="0" algn="l">
+            <a:pPr marL="0" lvl="0" indent="0" algn="l" rtl="0">
               <a:spcBef>
                 <a:spcPts val="0"/>
               </a:spcBef>
@@ -2734,9 +2892,6 @@
               </a:spcAft>
               <a:buNone/>
             </a:pPr>
-            <a:r>
-              <a:t/>
-            </a:r>
             <a:endParaRPr/>
           </a:p>
         </p:txBody>
@@ -2744,7 +2899,9 @@
       <p:sp>
         <p:nvSpPr>
           <p:cNvPr id="22" name="Google Shape;22;p4"/>
-          <p:cNvSpPr txBox="1"/>
+          <p:cNvSpPr txBox="1">
+            <a:spLocks noGrp="1"/>
+          </p:cNvSpPr>
           <p:nvPr>
             <p:ph type="title"/>
           </p:nvPr>
@@ -2759,7 +2916,7 @@
           </a:prstGeom>
         </p:spPr>
         <p:txBody>
-          <a:bodyPr anchorCtr="0" anchor="b" bIns="91425" lIns="91425" spcFirstLastPara="1" rIns="91425" wrap="square" tIns="91425">
+          <a:bodyPr spcFirstLastPara="1" wrap="square" lIns="91425" tIns="91425" rIns="91425" bIns="91425" anchor="b" anchorCtr="0">
             <a:normAutofit/>
           </a:bodyPr>
           <a:lstStyle>
@@ -2863,15 +3020,19 @@
               <a:defRPr/>
             </a:lvl9pPr>
           </a:lstStyle>
-          <a:p/>
+          <a:p>
+            <a:endParaRPr/>
+          </a:p>
         </p:txBody>
       </p:sp>
       <p:sp>
         <p:nvSpPr>
           <p:cNvPr id="23" name="Google Shape;23;p4"/>
-          <p:cNvSpPr txBox="1"/>
+          <p:cNvSpPr txBox="1">
+            <a:spLocks noGrp="1"/>
+          </p:cNvSpPr>
           <p:nvPr>
-            <p:ph idx="1" type="body"/>
+            <p:ph type="body" idx="1"/>
           </p:nvPr>
         </p:nvSpPr>
         <p:spPr>
@@ -2884,11 +3045,11 @@
           </a:prstGeom>
         </p:spPr>
         <p:txBody>
-          <a:bodyPr anchorCtr="0" anchor="t" bIns="91425" lIns="91425" spcFirstLastPara="1" rIns="91425" wrap="square" tIns="91425">
+          <a:bodyPr spcFirstLastPara="1" wrap="square" lIns="91425" tIns="91425" rIns="91425" bIns="91425" anchor="t" anchorCtr="0">
             <a:normAutofit/>
           </a:bodyPr>
           <a:lstStyle>
-            <a:lvl1pPr indent="-342900" lvl="0" marL="457200">
+            <a:lvl1pPr marL="457200" lvl="0" indent="-342900">
               <a:spcBef>
                 <a:spcPts val="0"/>
               </a:spcBef>
@@ -2899,7 +3060,7 @@
               <a:buChar char="●"/>
               <a:defRPr/>
             </a:lvl1pPr>
-            <a:lvl2pPr indent="-317500" lvl="1" marL="914400">
+            <a:lvl2pPr marL="914400" lvl="1" indent="-317500">
               <a:spcBef>
                 <a:spcPts val="0"/>
               </a:spcBef>
@@ -2910,7 +3071,7 @@
               <a:buChar char="○"/>
               <a:defRPr/>
             </a:lvl2pPr>
-            <a:lvl3pPr indent="-317500" lvl="2" marL="1371600">
+            <a:lvl3pPr marL="1371600" lvl="2" indent="-317500">
               <a:spcBef>
                 <a:spcPts val="0"/>
               </a:spcBef>
@@ -2921,7 +3082,7 @@
               <a:buChar char="■"/>
               <a:defRPr/>
             </a:lvl3pPr>
-            <a:lvl4pPr indent="-317500" lvl="3" marL="1828800">
+            <a:lvl4pPr marL="1828800" lvl="3" indent="-317500">
               <a:spcBef>
                 <a:spcPts val="0"/>
               </a:spcBef>
@@ -2932,7 +3093,7 @@
               <a:buChar char="●"/>
               <a:defRPr/>
             </a:lvl4pPr>
-            <a:lvl5pPr indent="-317500" lvl="4" marL="2286000">
+            <a:lvl5pPr marL="2286000" lvl="4" indent="-317500">
               <a:spcBef>
                 <a:spcPts val="0"/>
               </a:spcBef>
@@ -2943,7 +3104,7 @@
               <a:buChar char="○"/>
               <a:defRPr/>
             </a:lvl5pPr>
-            <a:lvl6pPr indent="-317500" lvl="5" marL="2743200">
+            <a:lvl6pPr marL="2743200" lvl="5" indent="-317500">
               <a:spcBef>
                 <a:spcPts val="0"/>
               </a:spcBef>
@@ -2954,7 +3115,7 @@
               <a:buChar char="■"/>
               <a:defRPr/>
             </a:lvl6pPr>
-            <a:lvl7pPr indent="-317500" lvl="6" marL="3200400">
+            <a:lvl7pPr marL="3200400" lvl="6" indent="-317500">
               <a:spcBef>
                 <a:spcPts val="0"/>
               </a:spcBef>
@@ -2965,7 +3126,7 @@
               <a:buChar char="●"/>
               <a:defRPr/>
             </a:lvl7pPr>
-            <a:lvl8pPr indent="-317500" lvl="7" marL="3657600">
+            <a:lvl8pPr marL="3657600" lvl="7" indent="-317500">
               <a:spcBef>
                 <a:spcPts val="0"/>
               </a:spcBef>
@@ -2976,7 +3137,7 @@
               <a:buChar char="○"/>
               <a:defRPr/>
             </a:lvl8pPr>
-            <a:lvl9pPr indent="-317500" lvl="8" marL="4114800">
+            <a:lvl9pPr marL="4114800" lvl="8" indent="-317500">
               <a:spcBef>
                 <a:spcPts val="0"/>
               </a:spcBef>
@@ -2988,15 +3149,19 @@
               <a:defRPr/>
             </a:lvl9pPr>
           </a:lstStyle>
-          <a:p/>
+          <a:p>
+            <a:endParaRPr/>
+          </a:p>
         </p:txBody>
       </p:sp>
       <p:sp>
         <p:nvSpPr>
           <p:cNvPr id="24" name="Google Shape;24;p4"/>
-          <p:cNvSpPr txBox="1"/>
+          <p:cNvSpPr txBox="1">
+            <a:spLocks noGrp="1"/>
+          </p:cNvSpPr>
           <p:nvPr>
-            <p:ph idx="12" type="sldNum"/>
+            <p:ph type="sldNum" idx="12"/>
           </p:nvPr>
         </p:nvSpPr>
         <p:spPr>
@@ -3009,7 +3174,7 @@
           </a:prstGeom>
         </p:spPr>
         <p:txBody>
-          <a:bodyPr anchorCtr="0" anchor="ctr" bIns="91425" lIns="91425" spcFirstLastPara="1" rIns="91425" wrap="square" tIns="91425">
+          <a:bodyPr spcFirstLastPara="1" wrap="square" lIns="91425" tIns="91425" rIns="91425" bIns="91425" anchor="ctr" anchorCtr="0">
             <a:normAutofit/>
           </a:bodyPr>
           <a:lstStyle>
@@ -3051,7 +3216,7 @@
             </a:lvl9pPr>
           </a:lstStyle>
           <a:p>
-            <a:pPr indent="0" lvl="0" marL="0" rtl="0" algn="r">
+            <a:pPr marL="0" lvl="0" indent="0" algn="r" rtl="0">
               <a:spcBef>
                 <a:spcPts val="0"/>
               </a:spcBef>
@@ -3077,11 +3242,11 @@
 </file>
 
 <file path=ppt/slideLayouts/slideLayout4.xml><?xml version="1.0" encoding="utf-8"?>
-<p:sldLayout xmlns:a="http://schemas.openxmlformats.org/drawingml/2006/main" xmlns:r="http://schemas.openxmlformats.org/officeDocument/2006/relationships" xmlns:mc="http://schemas.openxmlformats.org/markup-compatibility/2006" xmlns:mv="urn:schemas-microsoft-com:mac:vml" xmlns:p="http://schemas.openxmlformats.org/presentationml/2006/main" xmlns:c="http://schemas.openxmlformats.org/drawingml/2006/chart" xmlns:dgm="http://schemas.openxmlformats.org/drawingml/2006/diagram" xmlns:o="urn:schemas-microsoft-com:office:office" xmlns:v="urn:schemas-microsoft-com:vml" xmlns:pvml="urn:schemas-microsoft-com:office:powerpoint" xmlns:com="http://schemas.openxmlformats.org/drawingml/2006/compatibility" xmlns:p14="http://schemas.microsoft.com/office/powerpoint/2010/main" xmlns:p15="http://schemas.microsoft.com/office/powerpoint/2012/main" xmlns:ahyp="http://schemas.microsoft.com/office/drawing/2018/hyperlinkcolor" matchingName="Title and two columns" type="twoColTx">
+<p:sldLayout xmlns:a="http://schemas.openxmlformats.org/drawingml/2006/main" xmlns:r="http://schemas.openxmlformats.org/officeDocument/2006/relationships" xmlns:p="http://schemas.openxmlformats.org/presentationml/2006/main" matchingName="Title and two columns" type="twoColTx">
   <p:cSld name="TITLE_AND_TWO_COLUMNS">
     <p:spTree>
       <p:nvGrpSpPr>
-        <p:cNvPr id="25" name="Shape 25"/>
+        <p:cNvPr id="1" name="Shape 25"/>
         <p:cNvGrpSpPr/>
         <p:nvPr/>
       </p:nvGrpSpPr>
@@ -3096,7 +3261,9 @@
       <p:sp>
         <p:nvSpPr>
           <p:cNvPr id="26" name="Google Shape;26;p5"/>
-          <p:cNvSpPr txBox="1"/>
+          <p:cNvSpPr txBox="1">
+            <a:spLocks noGrp="1"/>
+          </p:cNvSpPr>
           <p:nvPr>
             <p:ph type="title"/>
           </p:nvPr>
@@ -3111,7 +3278,7 @@
           </a:prstGeom>
         </p:spPr>
         <p:txBody>
-          <a:bodyPr anchorCtr="0" anchor="b" bIns="91425" lIns="91425" spcFirstLastPara="1" rIns="91425" wrap="square" tIns="91425">
+          <a:bodyPr spcFirstLastPara="1" wrap="square" lIns="91425" tIns="91425" rIns="91425" bIns="91425" anchor="b" anchorCtr="0">
             <a:normAutofit/>
           </a:bodyPr>
           <a:lstStyle>
@@ -3215,15 +3382,19 @@
               <a:defRPr/>
             </a:lvl9pPr>
           </a:lstStyle>
-          <a:p/>
+          <a:p>
+            <a:endParaRPr/>
+          </a:p>
         </p:txBody>
       </p:sp>
       <p:sp>
         <p:nvSpPr>
           <p:cNvPr id="27" name="Google Shape;27;p5"/>
-          <p:cNvSpPr txBox="1"/>
+          <p:cNvSpPr txBox="1">
+            <a:spLocks noGrp="1"/>
+          </p:cNvSpPr>
           <p:nvPr>
-            <p:ph idx="1" type="body"/>
+            <p:ph type="body" idx="1"/>
           </p:nvPr>
         </p:nvSpPr>
         <p:spPr>
@@ -3236,11 +3407,11 @@
           </a:prstGeom>
         </p:spPr>
         <p:txBody>
-          <a:bodyPr anchorCtr="0" anchor="t" bIns="91425" lIns="91425" spcFirstLastPara="1" rIns="91425" wrap="square" tIns="91425">
+          <a:bodyPr spcFirstLastPara="1" wrap="square" lIns="91425" tIns="91425" rIns="91425" bIns="91425" anchor="t" anchorCtr="0">
             <a:normAutofit/>
           </a:bodyPr>
           <a:lstStyle>
-            <a:lvl1pPr indent="-317500" lvl="0" marL="457200">
+            <a:lvl1pPr marL="457200" lvl="0" indent="-317500">
               <a:spcBef>
                 <a:spcPts val="0"/>
               </a:spcBef>
@@ -3251,7 +3422,7 @@
               <a:buChar char="●"/>
               <a:defRPr sz="1400"/>
             </a:lvl1pPr>
-            <a:lvl2pPr indent="-304800" lvl="1" marL="914400">
+            <a:lvl2pPr marL="914400" lvl="1" indent="-304800">
               <a:spcBef>
                 <a:spcPts val="0"/>
               </a:spcBef>
@@ -3262,7 +3433,7 @@
               <a:buChar char="○"/>
               <a:defRPr sz="1200"/>
             </a:lvl2pPr>
-            <a:lvl3pPr indent="-304800" lvl="2" marL="1371600">
+            <a:lvl3pPr marL="1371600" lvl="2" indent="-304800">
               <a:spcBef>
                 <a:spcPts val="0"/>
               </a:spcBef>
@@ -3273,7 +3444,7 @@
               <a:buChar char="■"/>
               <a:defRPr sz="1200"/>
             </a:lvl3pPr>
-            <a:lvl4pPr indent="-304800" lvl="3" marL="1828800">
+            <a:lvl4pPr marL="1828800" lvl="3" indent="-304800">
               <a:spcBef>
                 <a:spcPts val="0"/>
               </a:spcBef>
@@ -3284,7 +3455,7 @@
               <a:buChar char="●"/>
               <a:defRPr sz="1200"/>
             </a:lvl4pPr>
-            <a:lvl5pPr indent="-304800" lvl="4" marL="2286000">
+            <a:lvl5pPr marL="2286000" lvl="4" indent="-304800">
               <a:spcBef>
                 <a:spcPts val="0"/>
               </a:spcBef>
@@ -3295,7 +3466,7 @@
               <a:buChar char="○"/>
               <a:defRPr sz="1200"/>
             </a:lvl5pPr>
-            <a:lvl6pPr indent="-304800" lvl="5" marL="2743200">
+            <a:lvl6pPr marL="2743200" lvl="5" indent="-304800">
               <a:spcBef>
                 <a:spcPts val="0"/>
               </a:spcBef>
@@ -3306,7 +3477,7 @@
               <a:buChar char="■"/>
               <a:defRPr sz="1200"/>
             </a:lvl6pPr>
-            <a:lvl7pPr indent="-304800" lvl="6" marL="3200400">
+            <a:lvl7pPr marL="3200400" lvl="6" indent="-304800">
               <a:spcBef>
                 <a:spcPts val="0"/>
               </a:spcBef>
@@ -3317,7 +3488,7 @@
               <a:buChar char="●"/>
               <a:defRPr sz="1200"/>
             </a:lvl7pPr>
-            <a:lvl8pPr indent="-304800" lvl="7" marL="3657600">
+            <a:lvl8pPr marL="3657600" lvl="7" indent="-304800">
               <a:spcBef>
                 <a:spcPts val="0"/>
               </a:spcBef>
@@ -3328,7 +3499,7 @@
               <a:buChar char="○"/>
               <a:defRPr sz="1200"/>
             </a:lvl8pPr>
-            <a:lvl9pPr indent="-304800" lvl="8" marL="4114800">
+            <a:lvl9pPr marL="4114800" lvl="8" indent="-304800">
               <a:spcBef>
                 <a:spcPts val="0"/>
               </a:spcBef>
@@ -3340,15 +3511,19 @@
               <a:defRPr sz="1200"/>
             </a:lvl9pPr>
           </a:lstStyle>
-          <a:p/>
+          <a:p>
+            <a:endParaRPr/>
+          </a:p>
         </p:txBody>
       </p:sp>
       <p:sp>
         <p:nvSpPr>
           <p:cNvPr id="28" name="Google Shape;28;p5"/>
-          <p:cNvSpPr txBox="1"/>
+          <p:cNvSpPr txBox="1">
+            <a:spLocks noGrp="1"/>
+          </p:cNvSpPr>
           <p:nvPr>
-            <p:ph idx="2" type="body"/>
+            <p:ph type="body" idx="2"/>
           </p:nvPr>
         </p:nvSpPr>
         <p:spPr>
@@ -3361,11 +3536,11 @@
           </a:prstGeom>
         </p:spPr>
         <p:txBody>
-          <a:bodyPr anchorCtr="0" anchor="t" bIns="91425" lIns="91425" spcFirstLastPara="1" rIns="91425" wrap="square" tIns="91425">
+          <a:bodyPr spcFirstLastPara="1" wrap="square" lIns="91425" tIns="91425" rIns="91425" bIns="91425" anchor="t" anchorCtr="0">
             <a:normAutofit/>
           </a:bodyPr>
           <a:lstStyle>
-            <a:lvl1pPr indent="-317500" lvl="0" marL="457200">
+            <a:lvl1pPr marL="457200" lvl="0" indent="-317500">
               <a:spcBef>
                 <a:spcPts val="0"/>
               </a:spcBef>
@@ -3376,7 +3551,7 @@
               <a:buChar char="●"/>
               <a:defRPr sz="1400"/>
             </a:lvl1pPr>
-            <a:lvl2pPr indent="-304800" lvl="1" marL="914400">
+            <a:lvl2pPr marL="914400" lvl="1" indent="-304800">
               <a:spcBef>
                 <a:spcPts val="0"/>
               </a:spcBef>
@@ -3387,7 +3562,7 @@
               <a:buChar char="○"/>
               <a:defRPr sz="1200"/>
             </a:lvl2pPr>
-            <a:lvl3pPr indent="-304800" lvl="2" marL="1371600">
+            <a:lvl3pPr marL="1371600" lvl="2" indent="-304800">
               <a:spcBef>
                 <a:spcPts val="0"/>
               </a:spcBef>
@@ -3398,7 +3573,7 @@
               <a:buChar char="■"/>
               <a:defRPr sz="1200"/>
             </a:lvl3pPr>
-            <a:lvl4pPr indent="-304800" lvl="3" marL="1828800">
+            <a:lvl4pPr marL="1828800" lvl="3" indent="-304800">
               <a:spcBef>
                 <a:spcPts val="0"/>
               </a:spcBef>
@@ -3409,7 +3584,7 @@
               <a:buChar char="●"/>
               <a:defRPr sz="1200"/>
             </a:lvl4pPr>
-            <a:lvl5pPr indent="-304800" lvl="4" marL="2286000">
+            <a:lvl5pPr marL="2286000" lvl="4" indent="-304800">
               <a:spcBef>
                 <a:spcPts val="0"/>
               </a:spcBef>
@@ -3420,7 +3595,7 @@
               <a:buChar char="○"/>
               <a:defRPr sz="1200"/>
             </a:lvl5pPr>
-            <a:lvl6pPr indent="-304800" lvl="5" marL="2743200">
+            <a:lvl6pPr marL="2743200" lvl="5" indent="-304800">
               <a:spcBef>
                 <a:spcPts val="0"/>
               </a:spcBef>
@@ -3431,7 +3606,7 @@
               <a:buChar char="■"/>
               <a:defRPr sz="1200"/>
             </a:lvl6pPr>
-            <a:lvl7pPr indent="-304800" lvl="6" marL="3200400">
+            <a:lvl7pPr marL="3200400" lvl="6" indent="-304800">
               <a:spcBef>
                 <a:spcPts val="0"/>
               </a:spcBef>
@@ -3442,7 +3617,7 @@
               <a:buChar char="●"/>
               <a:defRPr sz="1200"/>
             </a:lvl7pPr>
-            <a:lvl8pPr indent="-304800" lvl="7" marL="3657600">
+            <a:lvl8pPr marL="3657600" lvl="7" indent="-304800">
               <a:spcBef>
                 <a:spcPts val="0"/>
               </a:spcBef>
@@ -3453,7 +3628,7 @@
               <a:buChar char="○"/>
               <a:defRPr sz="1200"/>
             </a:lvl8pPr>
-            <a:lvl9pPr indent="-304800" lvl="8" marL="4114800">
+            <a:lvl9pPr marL="4114800" lvl="8" indent="-304800">
               <a:spcBef>
                 <a:spcPts val="0"/>
               </a:spcBef>
@@ -3465,15 +3640,19 @@
               <a:defRPr sz="1200"/>
             </a:lvl9pPr>
           </a:lstStyle>
-          <a:p/>
+          <a:p>
+            <a:endParaRPr/>
+          </a:p>
         </p:txBody>
       </p:sp>
       <p:sp>
         <p:nvSpPr>
           <p:cNvPr id="29" name="Google Shape;29;p5"/>
-          <p:cNvSpPr txBox="1"/>
+          <p:cNvSpPr txBox="1">
+            <a:spLocks noGrp="1"/>
+          </p:cNvSpPr>
           <p:nvPr>
-            <p:ph idx="12" type="sldNum"/>
+            <p:ph type="sldNum" idx="12"/>
           </p:nvPr>
         </p:nvSpPr>
         <p:spPr>
@@ -3486,7 +3665,7 @@
           </a:prstGeom>
         </p:spPr>
         <p:txBody>
-          <a:bodyPr anchorCtr="0" anchor="ctr" bIns="91425" lIns="91425" spcFirstLastPara="1" rIns="91425" wrap="square" tIns="91425">
+          <a:bodyPr spcFirstLastPara="1" wrap="square" lIns="91425" tIns="91425" rIns="91425" bIns="91425" anchor="ctr" anchorCtr="0">
             <a:normAutofit/>
           </a:bodyPr>
           <a:lstStyle>
@@ -3528,7 +3707,7 @@
             </a:lvl9pPr>
           </a:lstStyle>
           <a:p>
-            <a:pPr indent="0" lvl="0" marL="0" rtl="0" algn="r">
+            <a:pPr marL="0" lvl="0" indent="0" algn="r" rtl="0">
               <a:spcBef>
                 <a:spcPts val="0"/>
               </a:spcBef>
@@ -3554,11 +3733,11 @@
 </file>
 
 <file path=ppt/slideLayouts/slideLayout5.xml><?xml version="1.0" encoding="utf-8"?>
-<p:sldLayout xmlns:a="http://schemas.openxmlformats.org/drawingml/2006/main" xmlns:r="http://schemas.openxmlformats.org/officeDocument/2006/relationships" xmlns:mc="http://schemas.openxmlformats.org/markup-compatibility/2006" xmlns:mv="urn:schemas-microsoft-com:mac:vml" xmlns:p="http://schemas.openxmlformats.org/presentationml/2006/main" xmlns:c="http://schemas.openxmlformats.org/drawingml/2006/chart" xmlns:dgm="http://schemas.openxmlformats.org/drawingml/2006/diagram" xmlns:o="urn:schemas-microsoft-com:office:office" xmlns:v="urn:schemas-microsoft-com:vml" xmlns:pvml="urn:schemas-microsoft-com:office:powerpoint" xmlns:com="http://schemas.openxmlformats.org/drawingml/2006/compatibility" xmlns:p14="http://schemas.microsoft.com/office/powerpoint/2010/main" xmlns:p15="http://schemas.microsoft.com/office/powerpoint/2012/main" xmlns:ahyp="http://schemas.microsoft.com/office/drawing/2018/hyperlinkcolor" matchingName="Title only" type="titleOnly">
+<p:sldLayout xmlns:a="http://schemas.openxmlformats.org/drawingml/2006/main" xmlns:r="http://schemas.openxmlformats.org/officeDocument/2006/relationships" xmlns:p="http://schemas.openxmlformats.org/presentationml/2006/main" matchingName="Title only" type="titleOnly">
   <p:cSld name="TITLE_ONLY">
     <p:spTree>
       <p:nvGrpSpPr>
-        <p:cNvPr id="30" name="Shape 30"/>
+        <p:cNvPr id="1" name="Shape 30"/>
         <p:cNvGrpSpPr/>
         <p:nvPr/>
       </p:nvGrpSpPr>
@@ -3573,7 +3752,9 @@
       <p:sp>
         <p:nvSpPr>
           <p:cNvPr id="31" name="Google Shape;31;p6"/>
-          <p:cNvSpPr txBox="1"/>
+          <p:cNvSpPr txBox="1">
+            <a:spLocks noGrp="1"/>
+          </p:cNvSpPr>
           <p:nvPr>
             <p:ph type="title"/>
           </p:nvPr>
@@ -3588,7 +3769,7 @@
           </a:prstGeom>
         </p:spPr>
         <p:txBody>
-          <a:bodyPr anchorCtr="0" anchor="b" bIns="91425" lIns="91425" spcFirstLastPara="1" rIns="91425" wrap="square" tIns="91425">
+          <a:bodyPr spcFirstLastPara="1" wrap="square" lIns="91425" tIns="91425" rIns="91425" bIns="91425" anchor="b" anchorCtr="0">
             <a:normAutofit/>
           </a:bodyPr>
           <a:lstStyle>
@@ -3692,15 +3873,19 @@
               <a:defRPr/>
             </a:lvl9pPr>
           </a:lstStyle>
-          <a:p/>
+          <a:p>
+            <a:endParaRPr/>
+          </a:p>
         </p:txBody>
       </p:sp>
       <p:sp>
         <p:nvSpPr>
           <p:cNvPr id="32" name="Google Shape;32;p6"/>
-          <p:cNvSpPr txBox="1"/>
+          <p:cNvSpPr txBox="1">
+            <a:spLocks noGrp="1"/>
+          </p:cNvSpPr>
           <p:nvPr>
-            <p:ph idx="12" type="sldNum"/>
+            <p:ph type="sldNum" idx="12"/>
           </p:nvPr>
         </p:nvSpPr>
         <p:spPr>
@@ -3713,7 +3898,7 @@
           </a:prstGeom>
         </p:spPr>
         <p:txBody>
-          <a:bodyPr anchorCtr="0" anchor="ctr" bIns="91425" lIns="91425" spcFirstLastPara="1" rIns="91425" wrap="square" tIns="91425">
+          <a:bodyPr spcFirstLastPara="1" wrap="square" lIns="91425" tIns="91425" rIns="91425" bIns="91425" anchor="ctr" anchorCtr="0">
             <a:normAutofit/>
           </a:bodyPr>
           <a:lstStyle>
@@ -3755,7 +3940,7 @@
             </a:lvl9pPr>
           </a:lstStyle>
           <a:p>
-            <a:pPr indent="0" lvl="0" marL="0" rtl="0" algn="r">
+            <a:pPr marL="0" lvl="0" indent="0" algn="r" rtl="0">
               <a:spcBef>
                 <a:spcPts val="0"/>
               </a:spcBef>
@@ -3781,11 +3966,11 @@
 </file>
 
 <file path=ppt/slideLayouts/slideLayout6.xml><?xml version="1.0" encoding="utf-8"?>
-<p:sldLayout xmlns:a="http://schemas.openxmlformats.org/drawingml/2006/main" xmlns:r="http://schemas.openxmlformats.org/officeDocument/2006/relationships" xmlns:mc="http://schemas.openxmlformats.org/markup-compatibility/2006" xmlns:mv="urn:schemas-microsoft-com:mac:vml" xmlns:p="http://schemas.openxmlformats.org/presentationml/2006/main" xmlns:c="http://schemas.openxmlformats.org/drawingml/2006/chart" xmlns:dgm="http://schemas.openxmlformats.org/drawingml/2006/diagram" xmlns:o="urn:schemas-microsoft-com:office:office" xmlns:v="urn:schemas-microsoft-com:vml" xmlns:pvml="urn:schemas-microsoft-com:office:powerpoint" xmlns:com="http://schemas.openxmlformats.org/drawingml/2006/compatibility" xmlns:p14="http://schemas.microsoft.com/office/powerpoint/2010/main" xmlns:p15="http://schemas.microsoft.com/office/powerpoint/2012/main" xmlns:ahyp="http://schemas.microsoft.com/office/drawing/2018/hyperlinkcolor" matchingName="One column text">
+<p:sldLayout xmlns:a="http://schemas.openxmlformats.org/drawingml/2006/main" xmlns:r="http://schemas.openxmlformats.org/officeDocument/2006/relationships" xmlns:p="http://schemas.openxmlformats.org/presentationml/2006/main" matchingName="One column text">
   <p:cSld name="ONE_COLUMN_TEXT">
     <p:spTree>
       <p:nvGrpSpPr>
-        <p:cNvPr id="33" name="Shape 33"/>
+        <p:cNvPr id="1" name="Shape 33"/>
         <p:cNvGrpSpPr/>
         <p:nvPr/>
       </p:nvGrpSpPr>
@@ -3800,7 +3985,9 @@
       <p:sp>
         <p:nvSpPr>
           <p:cNvPr id="34" name="Google Shape;34;p7"/>
-          <p:cNvSpPr txBox="1"/>
+          <p:cNvSpPr txBox="1">
+            <a:spLocks noGrp="1"/>
+          </p:cNvSpPr>
           <p:nvPr>
             <p:ph type="title"/>
           </p:nvPr>
@@ -3815,7 +4002,7 @@
           </a:prstGeom>
         </p:spPr>
         <p:txBody>
-          <a:bodyPr anchorCtr="0" anchor="b" bIns="91425" lIns="91425" spcFirstLastPara="1" rIns="91425" wrap="square" tIns="91425">
+          <a:bodyPr spcFirstLastPara="1" wrap="square" lIns="91425" tIns="91425" rIns="91425" bIns="91425" anchor="b" anchorCtr="0">
             <a:normAutofit/>
           </a:bodyPr>
           <a:lstStyle>
@@ -3919,15 +4106,19 @@
               <a:defRPr sz="3000"/>
             </a:lvl9pPr>
           </a:lstStyle>
-          <a:p/>
+          <a:p>
+            <a:endParaRPr/>
+          </a:p>
         </p:txBody>
       </p:sp>
       <p:sp>
         <p:nvSpPr>
           <p:cNvPr id="35" name="Google Shape;35;p7"/>
-          <p:cNvSpPr txBox="1"/>
+          <p:cNvSpPr txBox="1">
+            <a:spLocks noGrp="1"/>
+          </p:cNvSpPr>
           <p:nvPr>
-            <p:ph idx="1" type="body"/>
+            <p:ph type="body" idx="1"/>
           </p:nvPr>
         </p:nvSpPr>
         <p:spPr>
@@ -3940,11 +4131,11 @@
           </a:prstGeom>
         </p:spPr>
         <p:txBody>
-          <a:bodyPr anchorCtr="0" anchor="t" bIns="91425" lIns="91425" spcFirstLastPara="1" rIns="91425" wrap="square" tIns="91425">
+          <a:bodyPr spcFirstLastPara="1" wrap="square" lIns="91425" tIns="91425" rIns="91425" bIns="91425" anchor="t" anchorCtr="0">
             <a:normAutofit/>
           </a:bodyPr>
           <a:lstStyle>
-            <a:lvl1pPr indent="-304800" lvl="0" marL="457200">
+            <a:lvl1pPr marL="457200" lvl="0" indent="-304800">
               <a:spcBef>
                 <a:spcPts val="0"/>
               </a:spcBef>
@@ -3955,7 +4146,7 @@
               <a:buChar char="●"/>
               <a:defRPr sz="1200"/>
             </a:lvl1pPr>
-            <a:lvl2pPr indent="-304800" lvl="1" marL="914400">
+            <a:lvl2pPr marL="914400" lvl="1" indent="-304800">
               <a:spcBef>
                 <a:spcPts val="0"/>
               </a:spcBef>
@@ -3966,7 +4157,7 @@
               <a:buChar char="○"/>
               <a:defRPr sz="1200"/>
             </a:lvl2pPr>
-            <a:lvl3pPr indent="-304800" lvl="2" marL="1371600">
+            <a:lvl3pPr marL="1371600" lvl="2" indent="-304800">
               <a:spcBef>
                 <a:spcPts val="0"/>
               </a:spcBef>
@@ -3977,7 +4168,7 @@
               <a:buChar char="■"/>
               <a:defRPr sz="1200"/>
             </a:lvl3pPr>
-            <a:lvl4pPr indent="-304800" lvl="3" marL="1828800">
+            <a:lvl4pPr marL="1828800" lvl="3" indent="-304800">
               <a:spcBef>
                 <a:spcPts val="0"/>
               </a:spcBef>
@@ -3988,7 +4179,7 @@
               <a:buChar char="●"/>
               <a:defRPr sz="1200"/>
             </a:lvl4pPr>
-            <a:lvl5pPr indent="-304800" lvl="4" marL="2286000">
+            <a:lvl5pPr marL="2286000" lvl="4" indent="-304800">
               <a:spcBef>
                 <a:spcPts val="0"/>
               </a:spcBef>
@@ -3999,7 +4190,7 @@
               <a:buChar char="○"/>
               <a:defRPr sz="1200"/>
             </a:lvl5pPr>
-            <a:lvl6pPr indent="-304800" lvl="5" marL="2743200">
+            <a:lvl6pPr marL="2743200" lvl="5" indent="-304800">
               <a:spcBef>
                 <a:spcPts val="0"/>
               </a:spcBef>
@@ -4010,7 +4201,7 @@
               <a:buChar char="■"/>
               <a:defRPr sz="1200"/>
             </a:lvl6pPr>
-            <a:lvl7pPr indent="-304800" lvl="6" marL="3200400">
+            <a:lvl7pPr marL="3200400" lvl="6" indent="-304800">
               <a:spcBef>
                 <a:spcPts val="0"/>
               </a:spcBef>
@@ -4021,7 +4212,7 @@
               <a:buChar char="●"/>
               <a:defRPr sz="1200"/>
             </a:lvl7pPr>
-            <a:lvl8pPr indent="-304800" lvl="7" marL="3657600">
+            <a:lvl8pPr marL="3657600" lvl="7" indent="-304800">
               <a:spcBef>
                 <a:spcPts val="0"/>
               </a:spcBef>
@@ -4032,7 +4223,7 @@
               <a:buChar char="○"/>
               <a:defRPr sz="1200"/>
             </a:lvl8pPr>
-            <a:lvl9pPr indent="-304800" lvl="8" marL="4114800">
+            <a:lvl9pPr marL="4114800" lvl="8" indent="-304800">
               <a:spcBef>
                 <a:spcPts val="0"/>
               </a:spcBef>
@@ -4044,15 +4235,19 @@
               <a:defRPr sz="1200"/>
             </a:lvl9pPr>
           </a:lstStyle>
-          <a:p/>
+          <a:p>
+            <a:endParaRPr/>
+          </a:p>
         </p:txBody>
       </p:sp>
       <p:sp>
         <p:nvSpPr>
           <p:cNvPr id="36" name="Google Shape;36;p7"/>
-          <p:cNvSpPr txBox="1"/>
+          <p:cNvSpPr txBox="1">
+            <a:spLocks noGrp="1"/>
+          </p:cNvSpPr>
           <p:nvPr>
-            <p:ph idx="12" type="sldNum"/>
+            <p:ph type="sldNum" idx="12"/>
           </p:nvPr>
         </p:nvSpPr>
         <p:spPr>
@@ -4065,7 +4260,7 @@
           </a:prstGeom>
         </p:spPr>
         <p:txBody>
-          <a:bodyPr anchorCtr="0" anchor="ctr" bIns="91425" lIns="91425" spcFirstLastPara="1" rIns="91425" wrap="square" tIns="91425">
+          <a:bodyPr spcFirstLastPara="1" wrap="square" lIns="91425" tIns="91425" rIns="91425" bIns="91425" anchor="ctr" anchorCtr="0">
             <a:normAutofit/>
           </a:bodyPr>
           <a:lstStyle>
@@ -4107,7 +4302,7 @@
             </a:lvl9pPr>
           </a:lstStyle>
           <a:p>
-            <a:pPr indent="0" lvl="0" marL="0" rtl="0" algn="r">
+            <a:pPr marL="0" lvl="0" indent="0" algn="r" rtl="0">
               <a:spcBef>
                 <a:spcPts val="0"/>
               </a:spcBef>
@@ -4133,11 +4328,11 @@
 </file>
 
 <file path=ppt/slideLayouts/slideLayout7.xml><?xml version="1.0" encoding="utf-8"?>
-<p:sldLayout xmlns:a="http://schemas.openxmlformats.org/drawingml/2006/main" xmlns:r="http://schemas.openxmlformats.org/officeDocument/2006/relationships" xmlns:mc="http://schemas.openxmlformats.org/markup-compatibility/2006" xmlns:mv="urn:schemas-microsoft-com:mac:vml" xmlns:p="http://schemas.openxmlformats.org/presentationml/2006/main" xmlns:c="http://schemas.openxmlformats.org/drawingml/2006/chart" xmlns:dgm="http://schemas.openxmlformats.org/drawingml/2006/diagram" xmlns:o="urn:schemas-microsoft-com:office:office" xmlns:v="urn:schemas-microsoft-com:vml" xmlns:pvml="urn:schemas-microsoft-com:office:powerpoint" xmlns:com="http://schemas.openxmlformats.org/drawingml/2006/compatibility" xmlns:p14="http://schemas.microsoft.com/office/powerpoint/2010/main" xmlns:p15="http://schemas.microsoft.com/office/powerpoint/2012/main" xmlns:ahyp="http://schemas.microsoft.com/office/drawing/2018/hyperlinkcolor" matchingName="Main point">
+<p:sldLayout xmlns:a="http://schemas.openxmlformats.org/drawingml/2006/main" xmlns:r="http://schemas.openxmlformats.org/officeDocument/2006/relationships" xmlns:p="http://schemas.openxmlformats.org/presentationml/2006/main" matchingName="Main point">
   <p:cSld name="MAIN_POINT">
     <p:spTree>
       <p:nvGrpSpPr>
-        <p:cNvPr id="37" name="Shape 37"/>
+        <p:cNvPr id="1" name="Shape 37"/>
         <p:cNvGrpSpPr/>
         <p:nvPr/>
       </p:nvGrpSpPr>
@@ -4171,12 +4366,12 @@
           </a:ln>
         </p:spPr>
         <p:txBody>
-          <a:bodyPr anchorCtr="0" anchor="ctr" bIns="91425" lIns="91425" spcFirstLastPara="1" rIns="91425" wrap="square" tIns="91425">
+          <a:bodyPr spcFirstLastPara="1" wrap="square" lIns="91425" tIns="91425" rIns="91425" bIns="91425" anchor="ctr" anchorCtr="0">
             <a:noAutofit/>
           </a:bodyPr>
           <a:lstStyle/>
           <a:p>
-            <a:pPr indent="0" lvl="0" marL="0" rtl="0" algn="l">
+            <a:pPr marL="0" lvl="0" indent="0" algn="l" rtl="0">
               <a:spcBef>
                 <a:spcPts val="0"/>
               </a:spcBef>
@@ -4185,9 +4380,6 @@
               </a:spcAft>
               <a:buNone/>
             </a:pPr>
-            <a:r>
-              <a:t/>
-            </a:r>
             <a:endParaRPr/>
           </a:p>
         </p:txBody>
@@ -4195,7 +4387,9 @@
       <p:sp>
         <p:nvSpPr>
           <p:cNvPr id="39" name="Google Shape;39;p8"/>
-          <p:cNvSpPr txBox="1"/>
+          <p:cNvSpPr txBox="1">
+            <a:spLocks noGrp="1"/>
+          </p:cNvSpPr>
           <p:nvPr>
             <p:ph type="title"/>
           </p:nvPr>
@@ -4210,7 +4404,7 @@
           </a:prstGeom>
         </p:spPr>
         <p:txBody>
-          <a:bodyPr anchorCtr="0" anchor="ctr" bIns="91425" lIns="91425" spcFirstLastPara="1" rIns="91425" wrap="square" tIns="91425">
+          <a:bodyPr spcFirstLastPara="1" wrap="square" lIns="91425" tIns="91425" rIns="91425" bIns="91425" anchor="ctr" anchorCtr="0">
             <a:normAutofit/>
           </a:bodyPr>
           <a:lstStyle>
@@ -4314,15 +4508,19 @@
               <a:defRPr sz="4800"/>
             </a:lvl9pPr>
           </a:lstStyle>
-          <a:p/>
+          <a:p>
+            <a:endParaRPr/>
+          </a:p>
         </p:txBody>
       </p:sp>
       <p:sp>
         <p:nvSpPr>
           <p:cNvPr id="40" name="Google Shape;40;p8"/>
-          <p:cNvSpPr txBox="1"/>
+          <p:cNvSpPr txBox="1">
+            <a:spLocks noGrp="1"/>
+          </p:cNvSpPr>
           <p:nvPr>
-            <p:ph idx="12" type="sldNum"/>
+            <p:ph type="sldNum" idx="12"/>
           </p:nvPr>
         </p:nvSpPr>
         <p:spPr>
@@ -4335,7 +4533,7 @@
           </a:prstGeom>
         </p:spPr>
         <p:txBody>
-          <a:bodyPr anchorCtr="0" anchor="ctr" bIns="91425" lIns="91425" spcFirstLastPara="1" rIns="91425" wrap="square" tIns="91425">
+          <a:bodyPr spcFirstLastPara="1" wrap="square" lIns="91425" tIns="91425" rIns="91425" bIns="91425" anchor="ctr" anchorCtr="0">
             <a:normAutofit/>
           </a:bodyPr>
           <a:lstStyle>
@@ -4377,7 +4575,7 @@
             </a:lvl9pPr>
           </a:lstStyle>
           <a:p>
-            <a:pPr indent="0" lvl="0" marL="0" rtl="0" algn="r">
+            <a:pPr marL="0" lvl="0" indent="0" algn="r" rtl="0">
               <a:spcBef>
                 <a:spcPts val="0"/>
               </a:spcBef>
@@ -4403,11 +4601,11 @@
 </file>
 
 <file path=ppt/slideLayouts/slideLayout8.xml><?xml version="1.0" encoding="utf-8"?>
-<p:sldLayout xmlns:a="http://schemas.openxmlformats.org/drawingml/2006/main" xmlns:r="http://schemas.openxmlformats.org/officeDocument/2006/relationships" xmlns:mc="http://schemas.openxmlformats.org/markup-compatibility/2006" xmlns:mv="urn:schemas-microsoft-com:mac:vml" xmlns:p="http://schemas.openxmlformats.org/presentationml/2006/main" xmlns:c="http://schemas.openxmlformats.org/drawingml/2006/chart" xmlns:dgm="http://schemas.openxmlformats.org/drawingml/2006/diagram" xmlns:o="urn:schemas-microsoft-com:office:office" xmlns:v="urn:schemas-microsoft-com:vml" xmlns:pvml="urn:schemas-microsoft-com:office:powerpoint" xmlns:com="http://schemas.openxmlformats.org/drawingml/2006/compatibility" xmlns:p14="http://schemas.microsoft.com/office/powerpoint/2010/main" xmlns:p15="http://schemas.microsoft.com/office/powerpoint/2012/main" xmlns:ahyp="http://schemas.microsoft.com/office/drawing/2018/hyperlinkcolor" matchingName="Section title and description">
+<p:sldLayout xmlns:a="http://schemas.openxmlformats.org/drawingml/2006/main" xmlns:r="http://schemas.openxmlformats.org/officeDocument/2006/relationships" xmlns:p="http://schemas.openxmlformats.org/presentationml/2006/main" matchingName="Section title and description">
   <p:cSld name="SECTION_TITLE_AND_DESCRIPTION">
     <p:spTree>
       <p:nvGrpSpPr>
-        <p:cNvPr id="41" name="Shape 41"/>
+        <p:cNvPr id="1" name="Shape 41"/>
         <p:cNvGrpSpPr/>
         <p:nvPr/>
       </p:nvGrpSpPr>
@@ -4441,12 +4639,12 @@
           </a:ln>
         </p:spPr>
         <p:txBody>
-          <a:bodyPr anchorCtr="0" anchor="ctr" bIns="91425" lIns="91425" spcFirstLastPara="1" rIns="91425" wrap="square" tIns="91425">
+          <a:bodyPr spcFirstLastPara="1" wrap="square" lIns="91425" tIns="91425" rIns="91425" bIns="91425" anchor="ctr" anchorCtr="0">
             <a:noAutofit/>
           </a:bodyPr>
           <a:lstStyle/>
           <a:p>
-            <a:pPr indent="0" lvl="0" marL="0" rtl="0" algn="l">
+            <a:pPr marL="0" lvl="0" indent="0" algn="l" rtl="0">
               <a:spcBef>
                 <a:spcPts val="0"/>
               </a:spcBef>
@@ -4455,9 +4653,6 @@
               </a:spcAft>
               <a:buNone/>
             </a:pPr>
-            <a:r>
-              <a:t/>
-            </a:r>
             <a:endParaRPr/>
           </a:p>
         </p:txBody>
@@ -4477,21 +4672,23 @@
             <a:avLst/>
           </a:prstGeom>
           <a:noFill/>
-          <a:ln cap="flat" cmpd="sng" w="19050">
+          <a:ln w="19050" cap="flat" cmpd="sng">
             <a:solidFill>
               <a:schemeClr val="lt1"/>
             </a:solidFill>
             <a:prstDash val="solid"/>
             <a:round/>
-            <a:headEnd len="sm" w="sm" type="none"/>
-            <a:tailEnd len="sm" w="sm" type="none"/>
+            <a:headEnd type="none" w="sm" len="sm"/>
+            <a:tailEnd type="none" w="sm" len="sm"/>
           </a:ln>
         </p:spPr>
       </p:cxnSp>
       <p:sp>
         <p:nvSpPr>
           <p:cNvPr id="44" name="Google Shape;44;p9"/>
-          <p:cNvSpPr txBox="1"/>
+          <p:cNvSpPr txBox="1">
+            <a:spLocks noGrp="1"/>
+          </p:cNvSpPr>
           <p:nvPr>
             <p:ph type="title"/>
           </p:nvPr>
@@ -4506,7 +4703,7 @@
           </a:prstGeom>
         </p:spPr>
         <p:txBody>
-          <a:bodyPr anchorCtr="0" anchor="b" bIns="91425" lIns="91425" spcFirstLastPara="1" rIns="91425" wrap="square" tIns="91425">
+          <a:bodyPr spcFirstLastPara="1" wrap="square" lIns="91425" tIns="91425" rIns="91425" bIns="91425" anchor="b" anchorCtr="0">
             <a:normAutofit/>
           </a:bodyPr>
           <a:lstStyle>
@@ -4673,15 +4870,19 @@
               </a:defRPr>
             </a:lvl9pPr>
           </a:lstStyle>
-          <a:p/>
+          <a:p>
+            <a:endParaRPr/>
+          </a:p>
         </p:txBody>
       </p:sp>
       <p:sp>
         <p:nvSpPr>
           <p:cNvPr id="45" name="Google Shape;45;p9"/>
-          <p:cNvSpPr txBox="1"/>
+          <p:cNvSpPr txBox="1">
+            <a:spLocks noGrp="1"/>
+          </p:cNvSpPr>
           <p:nvPr>
-            <p:ph idx="1" type="subTitle"/>
+            <p:ph type="subTitle" idx="1"/>
           </p:nvPr>
         </p:nvSpPr>
         <p:spPr>
@@ -4694,7 +4895,7 @@
           </a:prstGeom>
         </p:spPr>
         <p:txBody>
-          <a:bodyPr anchorCtr="0" anchor="t" bIns="91425" lIns="91425" spcFirstLastPara="1" rIns="91425" wrap="square" tIns="91425">
+          <a:bodyPr spcFirstLastPara="1" wrap="square" lIns="91425" tIns="91425" rIns="91425" bIns="91425" anchor="t" anchorCtr="0">
             <a:normAutofit/>
           </a:bodyPr>
           <a:lstStyle>
@@ -4879,15 +5080,19 @@
               </a:defRPr>
             </a:lvl9pPr>
           </a:lstStyle>
-          <a:p/>
+          <a:p>
+            <a:endParaRPr/>
+          </a:p>
         </p:txBody>
       </p:sp>
       <p:sp>
         <p:nvSpPr>
           <p:cNvPr id="46" name="Google Shape;46;p9"/>
-          <p:cNvSpPr txBox="1"/>
+          <p:cNvSpPr txBox="1">
+            <a:spLocks noGrp="1"/>
+          </p:cNvSpPr>
           <p:nvPr>
-            <p:ph idx="2" type="body"/>
+            <p:ph type="body" idx="2"/>
           </p:nvPr>
         </p:nvSpPr>
         <p:spPr>
@@ -4900,11 +5105,11 @@
           </a:prstGeom>
         </p:spPr>
         <p:txBody>
-          <a:bodyPr anchorCtr="0" anchor="ctr" bIns="91425" lIns="91425" spcFirstLastPara="1" rIns="91425" wrap="square" tIns="91425">
+          <a:bodyPr spcFirstLastPara="1" wrap="square" lIns="91425" tIns="91425" rIns="91425" bIns="91425" anchor="ctr" anchorCtr="0">
             <a:normAutofit/>
           </a:bodyPr>
           <a:lstStyle>
-            <a:lvl1pPr indent="-342900" lvl="0" marL="457200">
+            <a:lvl1pPr marL="457200" lvl="0" indent="-342900">
               <a:spcBef>
                 <a:spcPts val="0"/>
               </a:spcBef>
@@ -4922,7 +5127,7 @@
                 </a:solidFill>
               </a:defRPr>
             </a:lvl1pPr>
-            <a:lvl2pPr indent="-317500" lvl="1" marL="914400">
+            <a:lvl2pPr marL="914400" lvl="1" indent="-317500">
               <a:spcBef>
                 <a:spcPts val="0"/>
               </a:spcBef>
@@ -4940,7 +5145,7 @@
                 </a:solidFill>
               </a:defRPr>
             </a:lvl2pPr>
-            <a:lvl3pPr indent="-317500" lvl="2" marL="1371600">
+            <a:lvl3pPr marL="1371600" lvl="2" indent="-317500">
               <a:spcBef>
                 <a:spcPts val="0"/>
               </a:spcBef>
@@ -4958,7 +5163,7 @@
                 </a:solidFill>
               </a:defRPr>
             </a:lvl3pPr>
-            <a:lvl4pPr indent="-317500" lvl="3" marL="1828800">
+            <a:lvl4pPr marL="1828800" lvl="3" indent="-317500">
               <a:spcBef>
                 <a:spcPts val="0"/>
               </a:spcBef>
@@ -4976,7 +5181,7 @@
                 </a:solidFill>
               </a:defRPr>
             </a:lvl4pPr>
-            <a:lvl5pPr indent="-317500" lvl="4" marL="2286000">
+            <a:lvl5pPr marL="2286000" lvl="4" indent="-317500">
               <a:spcBef>
                 <a:spcPts val="0"/>
               </a:spcBef>
@@ -4994,7 +5199,7 @@
                 </a:solidFill>
               </a:defRPr>
             </a:lvl5pPr>
-            <a:lvl6pPr indent="-317500" lvl="5" marL="2743200">
+            <a:lvl6pPr marL="2743200" lvl="5" indent="-317500">
               <a:spcBef>
                 <a:spcPts val="0"/>
               </a:spcBef>
@@ -5012,7 +5217,7 @@
                 </a:solidFill>
               </a:defRPr>
             </a:lvl6pPr>
-            <a:lvl7pPr indent="-317500" lvl="6" marL="3200400">
+            <a:lvl7pPr marL="3200400" lvl="6" indent="-317500">
               <a:spcBef>
                 <a:spcPts val="0"/>
               </a:spcBef>
@@ -5030,7 +5235,7 @@
                 </a:solidFill>
               </a:defRPr>
             </a:lvl7pPr>
-            <a:lvl8pPr indent="-317500" lvl="7" marL="3657600">
+            <a:lvl8pPr marL="3657600" lvl="7" indent="-317500">
               <a:spcBef>
                 <a:spcPts val="0"/>
               </a:spcBef>
@@ -5048,7 +5253,7 @@
                 </a:solidFill>
               </a:defRPr>
             </a:lvl8pPr>
-            <a:lvl9pPr indent="-317500" lvl="8" marL="4114800">
+            <a:lvl9pPr marL="4114800" lvl="8" indent="-317500">
               <a:spcBef>
                 <a:spcPts val="0"/>
               </a:spcBef>
@@ -5067,15 +5272,19 @@
               </a:defRPr>
             </a:lvl9pPr>
           </a:lstStyle>
-          <a:p/>
+          <a:p>
+            <a:endParaRPr/>
+          </a:p>
         </p:txBody>
       </p:sp>
       <p:sp>
         <p:nvSpPr>
           <p:cNvPr id="47" name="Google Shape;47;p9"/>
-          <p:cNvSpPr txBox="1"/>
+          <p:cNvSpPr txBox="1">
+            <a:spLocks noGrp="1"/>
+          </p:cNvSpPr>
           <p:nvPr>
-            <p:ph idx="12" type="sldNum"/>
+            <p:ph type="sldNum" idx="12"/>
           </p:nvPr>
         </p:nvSpPr>
         <p:spPr>
@@ -5088,7 +5297,7 @@
           </a:prstGeom>
         </p:spPr>
         <p:txBody>
-          <a:bodyPr anchorCtr="0" anchor="ctr" bIns="91425" lIns="91425" spcFirstLastPara="1" rIns="91425" wrap="square" tIns="91425">
+          <a:bodyPr spcFirstLastPara="1" wrap="square" lIns="91425" tIns="91425" rIns="91425" bIns="91425" anchor="ctr" anchorCtr="0">
             <a:normAutofit/>
           </a:bodyPr>
           <a:lstStyle>
@@ -5166,7 +5375,7 @@
             </a:lvl9pPr>
           </a:lstStyle>
           <a:p>
-            <a:pPr indent="0" lvl="0" marL="0" rtl="0" algn="r">
+            <a:pPr marL="0" lvl="0" indent="0" algn="r" rtl="0">
               <a:spcBef>
                 <a:spcPts val="0"/>
               </a:spcBef>
@@ -5192,11 +5401,11 @@
 </file>
 
 <file path=ppt/slideLayouts/slideLayout9.xml><?xml version="1.0" encoding="utf-8"?>
-<p:sldLayout xmlns:a="http://schemas.openxmlformats.org/drawingml/2006/main" xmlns:r="http://schemas.openxmlformats.org/officeDocument/2006/relationships" xmlns:mc="http://schemas.openxmlformats.org/markup-compatibility/2006" xmlns:mv="urn:schemas-microsoft-com:mac:vml" xmlns:p="http://schemas.openxmlformats.org/presentationml/2006/main" xmlns:c="http://schemas.openxmlformats.org/drawingml/2006/chart" xmlns:dgm="http://schemas.openxmlformats.org/drawingml/2006/diagram" xmlns:o="urn:schemas-microsoft-com:office:office" xmlns:v="urn:schemas-microsoft-com:vml" xmlns:pvml="urn:schemas-microsoft-com:office:powerpoint" xmlns:com="http://schemas.openxmlformats.org/drawingml/2006/compatibility" xmlns:p14="http://schemas.microsoft.com/office/powerpoint/2010/main" xmlns:p15="http://schemas.microsoft.com/office/powerpoint/2012/main" xmlns:ahyp="http://schemas.microsoft.com/office/drawing/2018/hyperlinkcolor" matchingName="Caption">
+<p:sldLayout xmlns:a="http://schemas.openxmlformats.org/drawingml/2006/main" xmlns:r="http://schemas.openxmlformats.org/officeDocument/2006/relationships" xmlns:p="http://schemas.openxmlformats.org/presentationml/2006/main" matchingName="Caption">
   <p:cSld name="CAPTION_ONLY">
     <p:spTree>
       <p:nvGrpSpPr>
-        <p:cNvPr id="48" name="Shape 48"/>
+        <p:cNvPr id="1" name="Shape 48"/>
         <p:cNvGrpSpPr/>
         <p:nvPr/>
       </p:nvGrpSpPr>
@@ -5211,9 +5420,11 @@
       <p:sp>
         <p:nvSpPr>
           <p:cNvPr id="49" name="Google Shape;49;p10"/>
-          <p:cNvSpPr txBox="1"/>
+          <p:cNvSpPr txBox="1">
+            <a:spLocks noGrp="1"/>
+          </p:cNvSpPr>
           <p:nvPr>
-            <p:ph idx="1" type="body"/>
+            <p:ph type="body" idx="1"/>
           </p:nvPr>
         </p:nvSpPr>
         <p:spPr>
@@ -5226,11 +5437,11 @@
           </a:prstGeom>
         </p:spPr>
         <p:txBody>
-          <a:bodyPr anchorCtr="0" anchor="ctr" bIns="91425" lIns="91425" spcFirstLastPara="1" rIns="91425" wrap="square" tIns="91425">
+          <a:bodyPr spcFirstLastPara="1" wrap="square" lIns="91425" tIns="91425" rIns="91425" bIns="91425" anchor="ctr" anchorCtr="0">
             <a:normAutofit/>
           </a:bodyPr>
           <a:lstStyle>
-            <a:lvl1pPr indent="-228600" lvl="0" marL="457200">
+            <a:lvl1pPr marL="457200" lvl="0" indent="-228600">
               <a:lnSpc>
                 <a:spcPct val="100000"/>
               </a:lnSpc>
@@ -5251,15 +5462,19 @@
               </a:defRPr>
             </a:lvl1pPr>
           </a:lstStyle>
-          <a:p/>
+          <a:p>
+            <a:endParaRPr/>
+          </a:p>
         </p:txBody>
       </p:sp>
       <p:sp>
         <p:nvSpPr>
           <p:cNvPr id="50" name="Google Shape;50;p10"/>
-          <p:cNvSpPr txBox="1"/>
+          <p:cNvSpPr txBox="1">
+            <a:spLocks noGrp="1"/>
+          </p:cNvSpPr>
           <p:nvPr>
-            <p:ph idx="12" type="sldNum"/>
+            <p:ph type="sldNum" idx="12"/>
           </p:nvPr>
         </p:nvSpPr>
         <p:spPr>
@@ -5272,7 +5487,7 @@
           </a:prstGeom>
         </p:spPr>
         <p:txBody>
-          <a:bodyPr anchorCtr="0" anchor="ctr" bIns="91425" lIns="91425" spcFirstLastPara="1" rIns="91425" wrap="square" tIns="91425">
+          <a:bodyPr spcFirstLastPara="1" wrap="square" lIns="91425" tIns="91425" rIns="91425" bIns="91425" anchor="ctr" anchorCtr="0">
             <a:normAutofit/>
           </a:bodyPr>
           <a:lstStyle>
@@ -5314,7 +5529,7 @@
             </a:lvl9pPr>
           </a:lstStyle>
           <a:p>
-            <a:pPr indent="0" lvl="0" marL="0" rtl="0" algn="r">
+            <a:pPr marL="0" lvl="0" indent="0" algn="r" rtl="0">
               <a:spcBef>
                 <a:spcPts val="0"/>
               </a:spcBef>
@@ -5340,18 +5555,19 @@
 </file>
 
 <file path=ppt/slideMasters/slideMaster1.xml><?xml version="1.0" encoding="utf-8"?>
-<p:sldMaster xmlns:a="http://schemas.openxmlformats.org/drawingml/2006/main" xmlns:r="http://schemas.openxmlformats.org/officeDocument/2006/relationships" xmlns:mc="http://schemas.openxmlformats.org/markup-compatibility/2006" xmlns:mv="urn:schemas-microsoft-com:mac:vml" xmlns:p="http://schemas.openxmlformats.org/presentationml/2006/main" xmlns:c="http://schemas.openxmlformats.org/drawingml/2006/chart" xmlns:dgm="http://schemas.openxmlformats.org/drawingml/2006/diagram" xmlns:o="urn:schemas-microsoft-com:office:office" xmlns:v="urn:schemas-microsoft-com:vml" xmlns:pvml="urn:schemas-microsoft-com:office:powerpoint" xmlns:com="http://schemas.openxmlformats.org/drawingml/2006/compatibility" xmlns:p14="http://schemas.microsoft.com/office/powerpoint/2010/main" xmlns:p15="http://schemas.microsoft.com/office/powerpoint/2012/main" xmlns:ahyp="http://schemas.microsoft.com/office/drawing/2018/hyperlinkcolor">
+<p:sldMaster xmlns:a="http://schemas.openxmlformats.org/drawingml/2006/main" xmlns:r="http://schemas.openxmlformats.org/officeDocument/2006/relationships" xmlns:p="http://schemas.openxmlformats.org/presentationml/2006/main">
   <p:cSld name="luxe">
     <p:bg>
       <p:bgPr>
         <a:solidFill>
           <a:schemeClr val="lt1"/>
         </a:solidFill>
+        <a:effectLst/>
       </p:bgPr>
     </p:bg>
     <p:spTree>
       <p:nvGrpSpPr>
-        <p:cNvPr id="5" name="Shape 5"/>
+        <p:cNvPr id="1" name="Shape 5"/>
         <p:cNvGrpSpPr/>
         <p:nvPr/>
       </p:nvGrpSpPr>
@@ -5366,7 +5582,9 @@
       <p:sp>
         <p:nvSpPr>
           <p:cNvPr id="6" name="Google Shape;6;p1"/>
-          <p:cNvSpPr txBox="1"/>
+          <p:cNvSpPr txBox="1">
+            <a:spLocks noGrp="1"/>
+          </p:cNvSpPr>
           <p:nvPr>
             <p:ph type="title"/>
           </p:nvPr>
@@ -5385,7 +5603,7 @@
           </a:ln>
         </p:spPr>
         <p:txBody>
-          <a:bodyPr anchorCtr="0" anchor="b" bIns="91425" lIns="91425" spcFirstLastPara="1" rIns="91425" wrap="square" tIns="91425">
+          <a:bodyPr spcFirstLastPara="1" wrap="square" lIns="91425" tIns="91425" rIns="91425" bIns="91425" anchor="b" anchorCtr="0">
             <a:normAutofit/>
           </a:bodyPr>
           <a:lstStyle>
@@ -5597,15 +5815,19 @@
               </a:defRPr>
             </a:lvl9pPr>
           </a:lstStyle>
-          <a:p/>
+          <a:p>
+            <a:endParaRPr/>
+          </a:p>
         </p:txBody>
       </p:sp>
       <p:sp>
         <p:nvSpPr>
           <p:cNvPr id="7" name="Google Shape;7;p1"/>
-          <p:cNvSpPr txBox="1"/>
+          <p:cNvSpPr txBox="1">
+            <a:spLocks noGrp="1"/>
+          </p:cNvSpPr>
           <p:nvPr>
-            <p:ph idx="1" type="body"/>
+            <p:ph type="body" idx="1"/>
           </p:nvPr>
         </p:nvSpPr>
         <p:spPr>
@@ -5622,11 +5844,11 @@
           </a:ln>
         </p:spPr>
         <p:txBody>
-          <a:bodyPr anchorCtr="0" anchor="t" bIns="91425" lIns="91425" spcFirstLastPara="1" rIns="91425" wrap="square" tIns="91425">
+          <a:bodyPr spcFirstLastPara="1" wrap="square" lIns="91425" tIns="91425" rIns="91425" bIns="91425" anchor="t" anchorCtr="0">
             <a:normAutofit/>
           </a:bodyPr>
           <a:lstStyle>
-            <a:lvl1pPr indent="-342900" lvl="0" marL="457200">
+            <a:lvl1pPr marL="457200" lvl="0" indent="-342900">
               <a:lnSpc>
                 <a:spcPct val="115000"/>
               </a:lnSpc>
@@ -5652,7 +5874,7 @@
                 <a:sym typeface="Open Sans"/>
               </a:defRPr>
             </a:lvl1pPr>
-            <a:lvl2pPr indent="-317500" lvl="1" marL="914400">
+            <a:lvl2pPr marL="914400" lvl="1" indent="-317500">
               <a:lnSpc>
                 <a:spcPct val="115000"/>
               </a:lnSpc>
@@ -5678,7 +5900,7 @@
                 <a:sym typeface="Open Sans"/>
               </a:defRPr>
             </a:lvl2pPr>
-            <a:lvl3pPr indent="-317500" lvl="2" marL="1371600">
+            <a:lvl3pPr marL="1371600" lvl="2" indent="-317500">
               <a:lnSpc>
                 <a:spcPct val="115000"/>
               </a:lnSpc>
@@ -5704,7 +5926,7 @@
                 <a:sym typeface="Open Sans"/>
               </a:defRPr>
             </a:lvl3pPr>
-            <a:lvl4pPr indent="-317500" lvl="3" marL="1828800">
+            <a:lvl4pPr marL="1828800" lvl="3" indent="-317500">
               <a:lnSpc>
                 <a:spcPct val="115000"/>
               </a:lnSpc>
@@ -5730,7 +5952,7 @@
                 <a:sym typeface="Open Sans"/>
               </a:defRPr>
             </a:lvl4pPr>
-            <a:lvl5pPr indent="-317500" lvl="4" marL="2286000">
+            <a:lvl5pPr marL="2286000" lvl="4" indent="-317500">
               <a:lnSpc>
                 <a:spcPct val="115000"/>
               </a:lnSpc>
@@ -5756,7 +5978,7 @@
                 <a:sym typeface="Open Sans"/>
               </a:defRPr>
             </a:lvl5pPr>
-            <a:lvl6pPr indent="-317500" lvl="5" marL="2743200">
+            <a:lvl6pPr marL="2743200" lvl="5" indent="-317500">
               <a:lnSpc>
                 <a:spcPct val="115000"/>
               </a:lnSpc>
@@ -5782,7 +6004,7 @@
                 <a:sym typeface="Open Sans"/>
               </a:defRPr>
             </a:lvl6pPr>
-            <a:lvl7pPr indent="-317500" lvl="6" marL="3200400">
+            <a:lvl7pPr marL="3200400" lvl="6" indent="-317500">
               <a:lnSpc>
                 <a:spcPct val="115000"/>
               </a:lnSpc>
@@ -5808,7 +6030,7 @@
                 <a:sym typeface="Open Sans"/>
               </a:defRPr>
             </a:lvl7pPr>
-            <a:lvl8pPr indent="-317500" lvl="7" marL="3657600">
+            <a:lvl8pPr marL="3657600" lvl="7" indent="-317500">
               <a:lnSpc>
                 <a:spcPct val="115000"/>
               </a:lnSpc>
@@ -5834,7 +6056,7 @@
                 <a:sym typeface="Open Sans"/>
               </a:defRPr>
             </a:lvl8pPr>
-            <a:lvl9pPr indent="-317500" lvl="8" marL="4114800">
+            <a:lvl9pPr marL="4114800" lvl="8" indent="-317500">
               <a:lnSpc>
                 <a:spcPct val="115000"/>
               </a:lnSpc>
@@ -5861,15 +6083,19 @@
               </a:defRPr>
             </a:lvl9pPr>
           </a:lstStyle>
-          <a:p/>
+          <a:p>
+            <a:endParaRPr/>
+          </a:p>
         </p:txBody>
       </p:sp>
       <p:sp>
         <p:nvSpPr>
           <p:cNvPr id="8" name="Google Shape;8;p1"/>
-          <p:cNvSpPr txBox="1"/>
+          <p:cNvSpPr txBox="1">
+            <a:spLocks noGrp="1"/>
+          </p:cNvSpPr>
           <p:nvPr>
-            <p:ph idx="12" type="sldNum"/>
+            <p:ph type="sldNum" idx="12"/>
           </p:nvPr>
         </p:nvSpPr>
         <p:spPr>
@@ -5886,7 +6112,7 @@
           </a:ln>
         </p:spPr>
         <p:txBody>
-          <a:bodyPr anchorCtr="0" anchor="ctr" bIns="91425" lIns="91425" spcFirstLastPara="1" rIns="91425" wrap="square" tIns="91425">
+          <a:bodyPr spcFirstLastPara="1" wrap="square" lIns="91425" tIns="91425" rIns="91425" bIns="91425" anchor="ctr" anchorCtr="0">
             <a:normAutofit/>
           </a:bodyPr>
           <a:lstStyle>
@@ -6000,7 +6226,7 @@
             </a:lvl9pPr>
           </a:lstStyle>
           <a:p>
-            <a:pPr indent="0" lvl="0" marL="0" rtl="0" algn="r">
+            <a:pPr marL="0" lvl="0" indent="0" algn="r" rtl="0">
               <a:spcBef>
                 <a:spcPts val="0"/>
               </a:spcBef>
@@ -6019,7 +6245,7 @@
       </p:sp>
     </p:spTree>
   </p:cSld>
-  <p:clrMap accent1="accent1" accent2="accent2" accent3="accent3" accent4="accent4" accent5="accent5" accent6="accent6" bg1="lt1" bg2="dk2" tx1="dk1" tx2="lt2" folHlink="folHlink" hlink="hlink"/>
+  <p:clrMap bg1="lt1" tx1="dk1" bg2="dk2" tx2="lt2" accent1="accent1" accent2="accent2" accent3="accent3" accent4="accent4" accent5="accent5" accent6="accent6" hlink="hlink" folHlink="folHlink"/>
   <p:sldLayoutIdLst>
     <p:sldLayoutId id="2147483648" r:id="rId1"/>
     <p:sldLayoutId id="2147483649" r:id="rId2"/>
@@ -6033,10 +6259,10 @@
     <p:sldLayoutId id="2147483657" r:id="rId10"/>
     <p:sldLayoutId id="2147483658" r:id="rId11"/>
   </p:sldLayoutIdLst>
-  <p:hf dt="0" ftr="0" hdr="0" sldNum="0"/>
+  <p:hf sldNum="0" hdr="0" ftr="0" dt="0"/>
   <p:txStyles>
     <p:titleStyle>
-      <a:defPPr lvl="0" marR="0" rtl="0" algn="l">
+      <a:defPPr marR="0" lvl="0" algn="l" rtl="0">
         <a:lnSpc>
           <a:spcPct val="100000"/>
         </a:lnSpc>
@@ -6047,7 +6273,7 @@
           <a:spcPts val="0"/>
         </a:spcAft>
       </a:defPPr>
-      <a:lvl1pPr lvl="0" marR="0" rtl="0" algn="l">
+      <a:lvl1pPr marR="0" lvl="0" algn="l" rtl="0">
         <a:lnSpc>
           <a:spcPct val="100000"/>
         </a:lnSpc>
@@ -6061,7 +6287,7 @@
           <a:srgbClr val="000000"/>
         </a:buClr>
         <a:buFont typeface="Arial"/>
-        <a:defRPr b="0" i="0" sz="1400" u="none" cap="none" strike="noStrike">
+        <a:defRPr sz="1400" b="0" i="0" u="none" strike="noStrike" cap="none">
           <a:solidFill>
             <a:srgbClr val="000000"/>
           </a:solidFill>
@@ -6071,7 +6297,7 @@
           <a:sym typeface="Arial"/>
         </a:defRPr>
       </a:lvl1pPr>
-      <a:lvl2pPr lvl="1" marR="0" rtl="0" algn="l">
+      <a:lvl2pPr marR="0" lvl="1" algn="l" rtl="0">
         <a:lnSpc>
           <a:spcPct val="100000"/>
         </a:lnSpc>
@@ -6085,7 +6311,7 @@
           <a:srgbClr val="000000"/>
         </a:buClr>
         <a:buFont typeface="Arial"/>
-        <a:defRPr b="0" i="0" sz="1400" u="none" cap="none" strike="noStrike">
+        <a:defRPr sz="1400" b="0" i="0" u="none" strike="noStrike" cap="none">
           <a:solidFill>
             <a:srgbClr val="000000"/>
           </a:solidFill>
@@ -6095,7 +6321,7 @@
           <a:sym typeface="Arial"/>
         </a:defRPr>
       </a:lvl2pPr>
-      <a:lvl3pPr lvl="2" marR="0" rtl="0" algn="l">
+      <a:lvl3pPr marR="0" lvl="2" algn="l" rtl="0">
         <a:lnSpc>
           <a:spcPct val="100000"/>
         </a:lnSpc>
@@ -6109,7 +6335,7 @@
           <a:srgbClr val="000000"/>
         </a:buClr>
         <a:buFont typeface="Arial"/>
-        <a:defRPr b="0" i="0" sz="1400" u="none" cap="none" strike="noStrike">
+        <a:defRPr sz="1400" b="0" i="0" u="none" strike="noStrike" cap="none">
           <a:solidFill>
             <a:srgbClr val="000000"/>
           </a:solidFill>
@@ -6119,7 +6345,7 @@
           <a:sym typeface="Arial"/>
         </a:defRPr>
       </a:lvl3pPr>
-      <a:lvl4pPr lvl="3" marR="0" rtl="0" algn="l">
+      <a:lvl4pPr marR="0" lvl="3" algn="l" rtl="0">
         <a:lnSpc>
           <a:spcPct val="100000"/>
         </a:lnSpc>
@@ -6133,7 +6359,7 @@
           <a:srgbClr val="000000"/>
         </a:buClr>
         <a:buFont typeface="Arial"/>
-        <a:defRPr b="0" i="0" sz="1400" u="none" cap="none" strike="noStrike">
+        <a:defRPr sz="1400" b="0" i="0" u="none" strike="noStrike" cap="none">
           <a:solidFill>
             <a:srgbClr val="000000"/>
           </a:solidFill>
@@ -6143,7 +6369,7 @@
           <a:sym typeface="Arial"/>
         </a:defRPr>
       </a:lvl4pPr>
-      <a:lvl5pPr lvl="4" marR="0" rtl="0" algn="l">
+      <a:lvl5pPr marR="0" lvl="4" algn="l" rtl="0">
         <a:lnSpc>
           <a:spcPct val="100000"/>
         </a:lnSpc>
@@ -6157,7 +6383,7 @@
           <a:srgbClr val="000000"/>
         </a:buClr>
         <a:buFont typeface="Arial"/>
-        <a:defRPr b="0" i="0" sz="1400" u="none" cap="none" strike="noStrike">
+        <a:defRPr sz="1400" b="0" i="0" u="none" strike="noStrike" cap="none">
           <a:solidFill>
             <a:srgbClr val="000000"/>
           </a:solidFill>
@@ -6167,7 +6393,7 @@
           <a:sym typeface="Arial"/>
         </a:defRPr>
       </a:lvl5pPr>
-      <a:lvl6pPr lvl="5" marR="0" rtl="0" algn="l">
+      <a:lvl6pPr marR="0" lvl="5" algn="l" rtl="0">
         <a:lnSpc>
           <a:spcPct val="100000"/>
         </a:lnSpc>
@@ -6181,7 +6407,7 @@
           <a:srgbClr val="000000"/>
         </a:buClr>
         <a:buFont typeface="Arial"/>
-        <a:defRPr b="0" i="0" sz="1400" u="none" cap="none" strike="noStrike">
+        <a:defRPr sz="1400" b="0" i="0" u="none" strike="noStrike" cap="none">
           <a:solidFill>
             <a:srgbClr val="000000"/>
           </a:solidFill>
@@ -6191,7 +6417,7 @@
           <a:sym typeface="Arial"/>
         </a:defRPr>
       </a:lvl6pPr>
-      <a:lvl7pPr lvl="6" marR="0" rtl="0" algn="l">
+      <a:lvl7pPr marR="0" lvl="6" algn="l" rtl="0">
         <a:lnSpc>
           <a:spcPct val="100000"/>
         </a:lnSpc>
@@ -6205,7 +6431,7 @@
           <a:srgbClr val="000000"/>
         </a:buClr>
         <a:buFont typeface="Arial"/>
-        <a:defRPr b="0" i="0" sz="1400" u="none" cap="none" strike="noStrike">
+        <a:defRPr sz="1400" b="0" i="0" u="none" strike="noStrike" cap="none">
           <a:solidFill>
             <a:srgbClr val="000000"/>
           </a:solidFill>
@@ -6215,7 +6441,7 @@
           <a:sym typeface="Arial"/>
         </a:defRPr>
       </a:lvl7pPr>
-      <a:lvl8pPr lvl="7" marR="0" rtl="0" algn="l">
+      <a:lvl8pPr marR="0" lvl="7" algn="l" rtl="0">
         <a:lnSpc>
           <a:spcPct val="100000"/>
         </a:lnSpc>
@@ -6229,7 +6455,7 @@
           <a:srgbClr val="000000"/>
         </a:buClr>
         <a:buFont typeface="Arial"/>
-        <a:defRPr b="0" i="0" sz="1400" u="none" cap="none" strike="noStrike">
+        <a:defRPr sz="1400" b="0" i="0" u="none" strike="noStrike" cap="none">
           <a:solidFill>
             <a:srgbClr val="000000"/>
           </a:solidFill>
@@ -6239,7 +6465,7 @@
           <a:sym typeface="Arial"/>
         </a:defRPr>
       </a:lvl8pPr>
-      <a:lvl9pPr lvl="8" marR="0" rtl="0" algn="l">
+      <a:lvl9pPr marR="0" lvl="8" algn="l" rtl="0">
         <a:lnSpc>
           <a:spcPct val="100000"/>
         </a:lnSpc>
@@ -6253,7 +6479,7 @@
           <a:srgbClr val="000000"/>
         </a:buClr>
         <a:buFont typeface="Arial"/>
-        <a:defRPr b="0" i="0" sz="1400" u="none" cap="none" strike="noStrike">
+        <a:defRPr sz="1400" b="0" i="0" u="none" strike="noStrike" cap="none">
           <a:solidFill>
             <a:srgbClr val="000000"/>
           </a:solidFill>
@@ -6265,7 +6491,7 @@
       </a:lvl9pPr>
     </p:titleStyle>
     <p:bodyStyle>
-      <a:defPPr lvl="0" marR="0" rtl="0" algn="l">
+      <a:defPPr marR="0" lvl="0" algn="l" rtl="0">
         <a:lnSpc>
           <a:spcPct val="100000"/>
         </a:lnSpc>
@@ -6276,7 +6502,7 @@
           <a:spcPts val="0"/>
         </a:spcAft>
       </a:defPPr>
-      <a:lvl1pPr lvl="0" marR="0" rtl="0" algn="l">
+      <a:lvl1pPr marR="0" lvl="0" algn="l" rtl="0">
         <a:lnSpc>
           <a:spcPct val="100000"/>
         </a:lnSpc>
@@ -6290,7 +6516,7 @@
           <a:srgbClr val="000000"/>
         </a:buClr>
         <a:buFont typeface="Arial"/>
-        <a:defRPr b="0" i="0" sz="1400" u="none" cap="none" strike="noStrike">
+        <a:defRPr sz="1400" b="0" i="0" u="none" strike="noStrike" cap="none">
           <a:solidFill>
             <a:srgbClr val="000000"/>
           </a:solidFill>
@@ -6300,7 +6526,7 @@
           <a:sym typeface="Arial"/>
         </a:defRPr>
       </a:lvl1pPr>
-      <a:lvl2pPr lvl="1" marR="0" rtl="0" algn="l">
+      <a:lvl2pPr marR="0" lvl="1" algn="l" rtl="0">
         <a:lnSpc>
           <a:spcPct val="100000"/>
         </a:lnSpc>
@@ -6314,7 +6540,7 @@
           <a:srgbClr val="000000"/>
         </a:buClr>
         <a:buFont typeface="Arial"/>
-        <a:defRPr b="0" i="0" sz="1400" u="none" cap="none" strike="noStrike">
+        <a:defRPr sz="1400" b="0" i="0" u="none" strike="noStrike" cap="none">
           <a:solidFill>
             <a:srgbClr val="000000"/>
           </a:solidFill>
@@ -6324,7 +6550,7 @@
           <a:sym typeface="Arial"/>
         </a:defRPr>
       </a:lvl2pPr>
-      <a:lvl3pPr lvl="2" marR="0" rtl="0" algn="l">
+      <a:lvl3pPr marR="0" lvl="2" algn="l" rtl="0">
         <a:lnSpc>
           <a:spcPct val="100000"/>
         </a:lnSpc>
@@ -6338,7 +6564,7 @@
           <a:srgbClr val="000000"/>
         </a:buClr>
         <a:buFont typeface="Arial"/>
-        <a:defRPr b="0" i="0" sz="1400" u="none" cap="none" strike="noStrike">
+        <a:defRPr sz="1400" b="0" i="0" u="none" strike="noStrike" cap="none">
           <a:solidFill>
             <a:srgbClr val="000000"/>
           </a:solidFill>
@@ -6348,7 +6574,7 @@
           <a:sym typeface="Arial"/>
         </a:defRPr>
       </a:lvl3pPr>
-      <a:lvl4pPr lvl="3" marR="0" rtl="0" algn="l">
+      <a:lvl4pPr marR="0" lvl="3" algn="l" rtl="0">
         <a:lnSpc>
           <a:spcPct val="100000"/>
         </a:lnSpc>
@@ -6362,7 +6588,7 @@
           <a:srgbClr val="000000"/>
         </a:buClr>
         <a:buFont typeface="Arial"/>
-        <a:defRPr b="0" i="0" sz="1400" u="none" cap="none" strike="noStrike">
+        <a:defRPr sz="1400" b="0" i="0" u="none" strike="noStrike" cap="none">
           <a:solidFill>
             <a:srgbClr val="000000"/>
           </a:solidFill>
@@ -6372,7 +6598,7 @@
           <a:sym typeface="Arial"/>
         </a:defRPr>
       </a:lvl4pPr>
-      <a:lvl5pPr lvl="4" marR="0" rtl="0" algn="l">
+      <a:lvl5pPr marR="0" lvl="4" algn="l" rtl="0">
         <a:lnSpc>
           <a:spcPct val="100000"/>
         </a:lnSpc>
@@ -6386,7 +6612,7 @@
           <a:srgbClr val="000000"/>
         </a:buClr>
         <a:buFont typeface="Arial"/>
-        <a:defRPr b="0" i="0" sz="1400" u="none" cap="none" strike="noStrike">
+        <a:defRPr sz="1400" b="0" i="0" u="none" strike="noStrike" cap="none">
           <a:solidFill>
             <a:srgbClr val="000000"/>
           </a:solidFill>
@@ -6396,7 +6622,7 @@
           <a:sym typeface="Arial"/>
         </a:defRPr>
       </a:lvl5pPr>
-      <a:lvl6pPr lvl="5" marR="0" rtl="0" algn="l">
+      <a:lvl6pPr marR="0" lvl="5" algn="l" rtl="0">
         <a:lnSpc>
           <a:spcPct val="100000"/>
         </a:lnSpc>
@@ -6410,7 +6636,7 @@
           <a:srgbClr val="000000"/>
         </a:buClr>
         <a:buFont typeface="Arial"/>
-        <a:defRPr b="0" i="0" sz="1400" u="none" cap="none" strike="noStrike">
+        <a:defRPr sz="1400" b="0" i="0" u="none" strike="noStrike" cap="none">
           <a:solidFill>
             <a:srgbClr val="000000"/>
           </a:solidFill>
@@ -6420,7 +6646,7 @@
           <a:sym typeface="Arial"/>
         </a:defRPr>
       </a:lvl6pPr>
-      <a:lvl7pPr lvl="6" marR="0" rtl="0" algn="l">
+      <a:lvl7pPr marR="0" lvl="6" algn="l" rtl="0">
         <a:lnSpc>
           <a:spcPct val="100000"/>
         </a:lnSpc>
@@ -6434,7 +6660,7 @@
           <a:srgbClr val="000000"/>
         </a:buClr>
         <a:buFont typeface="Arial"/>
-        <a:defRPr b="0" i="0" sz="1400" u="none" cap="none" strike="noStrike">
+        <a:defRPr sz="1400" b="0" i="0" u="none" strike="noStrike" cap="none">
           <a:solidFill>
             <a:srgbClr val="000000"/>
           </a:solidFill>
@@ -6444,7 +6670,7 @@
           <a:sym typeface="Arial"/>
         </a:defRPr>
       </a:lvl7pPr>
-      <a:lvl8pPr lvl="7" marR="0" rtl="0" algn="l">
+      <a:lvl8pPr marR="0" lvl="7" algn="l" rtl="0">
         <a:lnSpc>
           <a:spcPct val="100000"/>
         </a:lnSpc>
@@ -6458,7 +6684,7 @@
           <a:srgbClr val="000000"/>
         </a:buClr>
         <a:buFont typeface="Arial"/>
-        <a:defRPr b="0" i="0" sz="1400" u="none" cap="none" strike="noStrike">
+        <a:defRPr sz="1400" b="0" i="0" u="none" strike="noStrike" cap="none">
           <a:solidFill>
             <a:srgbClr val="000000"/>
           </a:solidFill>
@@ -6468,7 +6694,7 @@
           <a:sym typeface="Arial"/>
         </a:defRPr>
       </a:lvl8pPr>
-      <a:lvl9pPr lvl="8" marR="0" rtl="0" algn="l">
+      <a:lvl9pPr marR="0" lvl="8" algn="l" rtl="0">
         <a:lnSpc>
           <a:spcPct val="100000"/>
         </a:lnSpc>
@@ -6482,7 +6708,7 @@
           <a:srgbClr val="000000"/>
         </a:buClr>
         <a:buFont typeface="Arial"/>
-        <a:defRPr b="0" i="0" sz="1400" u="none" cap="none" strike="noStrike">
+        <a:defRPr sz="1400" b="0" i="0" u="none" strike="noStrike" cap="none">
           <a:solidFill>
             <a:srgbClr val="000000"/>
           </a:solidFill>
@@ -6494,7 +6720,7 @@
       </a:lvl9pPr>
     </p:bodyStyle>
     <p:otherStyle>
-      <a:defPPr lvl="0" marR="0" rtl="0" algn="l">
+      <a:defPPr marR="0" lvl="0" algn="l" rtl="0">
         <a:lnSpc>
           <a:spcPct val="100000"/>
         </a:lnSpc>
@@ -6505,7 +6731,7 @@
           <a:spcPts val="0"/>
         </a:spcAft>
       </a:defPPr>
-      <a:lvl1pPr lvl="0" marR="0" rtl="0" algn="l">
+      <a:lvl1pPr marR="0" lvl="0" algn="l" rtl="0">
         <a:lnSpc>
           <a:spcPct val="100000"/>
         </a:lnSpc>
@@ -6519,7 +6745,7 @@
           <a:srgbClr val="000000"/>
         </a:buClr>
         <a:buFont typeface="Arial"/>
-        <a:defRPr b="0" i="0" sz="1400" u="none" cap="none" strike="noStrike">
+        <a:defRPr sz="1400" b="0" i="0" u="none" strike="noStrike" cap="none">
           <a:solidFill>
             <a:srgbClr val="000000"/>
           </a:solidFill>
@@ -6529,7 +6755,7 @@
           <a:sym typeface="Arial"/>
         </a:defRPr>
       </a:lvl1pPr>
-      <a:lvl2pPr lvl="1" marR="0" rtl="0" algn="l">
+      <a:lvl2pPr marR="0" lvl="1" algn="l" rtl="0">
         <a:lnSpc>
           <a:spcPct val="100000"/>
         </a:lnSpc>
@@ -6543,7 +6769,7 @@
           <a:srgbClr val="000000"/>
         </a:buClr>
         <a:buFont typeface="Arial"/>
-        <a:defRPr b="0" i="0" sz="1400" u="none" cap="none" strike="noStrike">
+        <a:defRPr sz="1400" b="0" i="0" u="none" strike="noStrike" cap="none">
           <a:solidFill>
             <a:srgbClr val="000000"/>
           </a:solidFill>
@@ -6553,7 +6779,7 @@
           <a:sym typeface="Arial"/>
         </a:defRPr>
       </a:lvl2pPr>
-      <a:lvl3pPr lvl="2" marR="0" rtl="0" algn="l">
+      <a:lvl3pPr marR="0" lvl="2" algn="l" rtl="0">
         <a:lnSpc>
           <a:spcPct val="100000"/>
         </a:lnSpc>
@@ -6567,7 +6793,7 @@
           <a:srgbClr val="000000"/>
         </a:buClr>
         <a:buFont typeface="Arial"/>
-        <a:defRPr b="0" i="0" sz="1400" u="none" cap="none" strike="noStrike">
+        <a:defRPr sz="1400" b="0" i="0" u="none" strike="noStrike" cap="none">
           <a:solidFill>
             <a:srgbClr val="000000"/>
           </a:solidFill>
@@ -6577,7 +6803,7 @@
           <a:sym typeface="Arial"/>
         </a:defRPr>
       </a:lvl3pPr>
-      <a:lvl4pPr lvl="3" marR="0" rtl="0" algn="l">
+      <a:lvl4pPr marR="0" lvl="3" algn="l" rtl="0">
         <a:lnSpc>
           <a:spcPct val="100000"/>
         </a:lnSpc>
@@ -6591,7 +6817,7 @@
           <a:srgbClr val="000000"/>
         </a:buClr>
         <a:buFont typeface="Arial"/>
-        <a:defRPr b="0" i="0" sz="1400" u="none" cap="none" strike="noStrike">
+        <a:defRPr sz="1400" b="0" i="0" u="none" strike="noStrike" cap="none">
           <a:solidFill>
             <a:srgbClr val="000000"/>
           </a:solidFill>
@@ -6601,7 +6827,7 @@
           <a:sym typeface="Arial"/>
         </a:defRPr>
       </a:lvl4pPr>
-      <a:lvl5pPr lvl="4" marR="0" rtl="0" algn="l">
+      <a:lvl5pPr marR="0" lvl="4" algn="l" rtl="0">
         <a:lnSpc>
           <a:spcPct val="100000"/>
         </a:lnSpc>
@@ -6615,7 +6841,7 @@
           <a:srgbClr val="000000"/>
         </a:buClr>
         <a:buFont typeface="Arial"/>
-        <a:defRPr b="0" i="0" sz="1400" u="none" cap="none" strike="noStrike">
+        <a:defRPr sz="1400" b="0" i="0" u="none" strike="noStrike" cap="none">
           <a:solidFill>
             <a:srgbClr val="000000"/>
           </a:solidFill>
@@ -6625,7 +6851,7 @@
           <a:sym typeface="Arial"/>
         </a:defRPr>
       </a:lvl5pPr>
-      <a:lvl6pPr lvl="5" marR="0" rtl="0" algn="l">
+      <a:lvl6pPr marR="0" lvl="5" algn="l" rtl="0">
         <a:lnSpc>
           <a:spcPct val="100000"/>
         </a:lnSpc>
@@ -6639,7 +6865,7 @@
           <a:srgbClr val="000000"/>
         </a:buClr>
         <a:buFont typeface="Arial"/>
-        <a:defRPr b="0" i="0" sz="1400" u="none" cap="none" strike="noStrike">
+        <a:defRPr sz="1400" b="0" i="0" u="none" strike="noStrike" cap="none">
           <a:solidFill>
             <a:srgbClr val="000000"/>
           </a:solidFill>
@@ -6649,7 +6875,7 @@
           <a:sym typeface="Arial"/>
         </a:defRPr>
       </a:lvl6pPr>
-      <a:lvl7pPr lvl="6" marR="0" rtl="0" algn="l">
+      <a:lvl7pPr marR="0" lvl="6" algn="l" rtl="0">
         <a:lnSpc>
           <a:spcPct val="100000"/>
         </a:lnSpc>
@@ -6663,7 +6889,7 @@
           <a:srgbClr val="000000"/>
         </a:buClr>
         <a:buFont typeface="Arial"/>
-        <a:defRPr b="0" i="0" sz="1400" u="none" cap="none" strike="noStrike">
+        <a:defRPr sz="1400" b="0" i="0" u="none" strike="noStrike" cap="none">
           <a:solidFill>
             <a:srgbClr val="000000"/>
           </a:solidFill>
@@ -6673,7 +6899,7 @@
           <a:sym typeface="Arial"/>
         </a:defRPr>
       </a:lvl7pPr>
-      <a:lvl8pPr lvl="7" marR="0" rtl="0" algn="l">
+      <a:lvl8pPr marR="0" lvl="7" algn="l" rtl="0">
         <a:lnSpc>
           <a:spcPct val="100000"/>
         </a:lnSpc>
@@ -6687,7 +6913,7 @@
           <a:srgbClr val="000000"/>
         </a:buClr>
         <a:buFont typeface="Arial"/>
-        <a:defRPr b="0" i="0" sz="1400" u="none" cap="none" strike="noStrike">
+        <a:defRPr sz="1400" b="0" i="0" u="none" strike="noStrike" cap="none">
           <a:solidFill>
             <a:srgbClr val="000000"/>
           </a:solidFill>
@@ -6697,7 +6923,7 @@
           <a:sym typeface="Arial"/>
         </a:defRPr>
       </a:lvl8pPr>
-      <a:lvl9pPr lvl="8" marR="0" rtl="0" algn="l">
+      <a:lvl9pPr marR="0" lvl="8" algn="l" rtl="0">
         <a:lnSpc>
           <a:spcPct val="100000"/>
         </a:lnSpc>
@@ -6711,7 +6937,7 @@
           <a:srgbClr val="000000"/>
         </a:buClr>
         <a:buFont typeface="Arial"/>
-        <a:defRPr b="0" i="0" sz="1400" u="none" cap="none" strike="noStrike">
+        <a:defRPr sz="1400" b="0" i="0" u="none" strike="noStrike" cap="none">
           <a:solidFill>
             <a:srgbClr val="000000"/>
           </a:solidFill>
@@ -6727,11 +6953,11 @@
 </file>
 
 <file path=ppt/slides/slide1.xml><?xml version="1.0" encoding="utf-8"?>
-<p:sld xmlns:a="http://schemas.openxmlformats.org/drawingml/2006/main" xmlns:r="http://schemas.openxmlformats.org/officeDocument/2006/relationships" xmlns:mc="http://schemas.openxmlformats.org/markup-compatibility/2006" xmlns:mv="urn:schemas-microsoft-com:mac:vml" xmlns:p="http://schemas.openxmlformats.org/presentationml/2006/main" xmlns:c="http://schemas.openxmlformats.org/drawingml/2006/chart" xmlns:dgm="http://schemas.openxmlformats.org/drawingml/2006/diagram" xmlns:o="urn:schemas-microsoft-com:office:office" xmlns:v="urn:schemas-microsoft-com:vml" xmlns:pvml="urn:schemas-microsoft-com:office:powerpoint" xmlns:com="http://schemas.openxmlformats.org/drawingml/2006/compatibility" xmlns:p14="http://schemas.microsoft.com/office/powerpoint/2010/main" xmlns:p15="http://schemas.microsoft.com/office/powerpoint/2012/main" xmlns:ahyp="http://schemas.microsoft.com/office/drawing/2018/hyperlinkcolor">
+<p:sld xmlns:a="http://schemas.openxmlformats.org/drawingml/2006/main" xmlns:r="http://schemas.openxmlformats.org/officeDocument/2006/relationships" xmlns:p="http://schemas.openxmlformats.org/presentationml/2006/main">
   <p:cSld>
     <p:spTree>
       <p:nvGrpSpPr>
-        <p:cNvPr id="61" name="Shape 61"/>
+        <p:cNvPr id="1" name="Shape 61"/>
         <p:cNvGrpSpPr/>
         <p:nvPr/>
       </p:nvGrpSpPr>
@@ -6746,7 +6972,9 @@
       <p:sp>
         <p:nvSpPr>
           <p:cNvPr id="62" name="Google Shape;62;p13"/>
-          <p:cNvSpPr txBox="1"/>
+          <p:cNvSpPr txBox="1">
+            <a:spLocks noGrp="1"/>
+          </p:cNvSpPr>
           <p:nvPr>
             <p:ph type="ctrTitle"/>
           </p:nvPr>
@@ -6761,12 +6989,12 @@
           </a:prstGeom>
         </p:spPr>
         <p:txBody>
-          <a:bodyPr anchorCtr="0" anchor="b" bIns="91425" lIns="91425" spcFirstLastPara="1" rIns="91425" wrap="square" tIns="91425">
+          <a:bodyPr spcFirstLastPara="1" wrap="square" lIns="91425" tIns="91425" rIns="91425" bIns="91425" anchor="b" anchorCtr="0">
             <a:normAutofit fontScale="90000"/>
           </a:bodyPr>
           <a:lstStyle/>
           <a:p>
-            <a:pPr indent="0" lvl="0" marL="0" rtl="0" algn="ctr">
+            <a:pPr marL="0" lvl="0" indent="0" algn="ctr" rtl="0">
               <a:spcBef>
                 <a:spcPts val="0"/>
               </a:spcBef>
@@ -6775,13 +7003,10 @@
               </a:spcAft>
               <a:buNone/>
             </a:pPr>
-            <a:r>
-              <a:t/>
-            </a:r>
             <a:endParaRPr/>
           </a:p>
           <a:p>
-            <a:pPr indent="0" lvl="0" marL="0" rtl="0" algn="ctr">
+            <a:pPr marL="0" lvl="0" indent="0" algn="ctr" rtl="0">
               <a:spcBef>
                 <a:spcPts val="0"/>
               </a:spcBef>
@@ -6801,9 +7026,11 @@
       <p:sp>
         <p:nvSpPr>
           <p:cNvPr id="63" name="Google Shape;63;p13"/>
-          <p:cNvSpPr txBox="1"/>
+          <p:cNvSpPr txBox="1">
+            <a:spLocks noGrp="1"/>
+          </p:cNvSpPr>
           <p:nvPr>
-            <p:ph idx="1" type="subTitle"/>
+            <p:ph type="subTitle" idx="1"/>
           </p:nvPr>
         </p:nvSpPr>
         <p:spPr>
@@ -6816,12 +7043,12 @@
           </a:prstGeom>
         </p:spPr>
         <p:txBody>
-          <a:bodyPr anchorCtr="0" anchor="t" bIns="91425" lIns="91425" spcFirstLastPara="1" rIns="91425" wrap="square" tIns="91425">
+          <a:bodyPr spcFirstLastPara="1" wrap="square" lIns="91425" tIns="91425" rIns="91425" bIns="91425" anchor="t" anchorCtr="0">
             <a:normAutofit fontScale="92500" lnSpcReduction="20000"/>
           </a:bodyPr>
           <a:lstStyle/>
           <a:p>
-            <a:pPr indent="0" lvl="0" marL="0" rtl="0" algn="l">
+            <a:pPr marL="0" lvl="0" indent="0" algn="l" rtl="0">
               <a:spcBef>
                 <a:spcPts val="0"/>
               </a:spcBef>
@@ -6832,16 +7059,12 @@
             </a:pPr>
             <a:r>
               <a:rPr lang="en-GB"/>
-              <a:t>Team Name: </a:t>
-            </a:r>
-            <a:r>
-              <a:rPr lang="en-GB"/>
-              <a:t>CODESPIRES </a:t>
+              <a:t>Team Name: CODESPIRES </a:t>
             </a:r>
             <a:endParaRPr/>
           </a:p>
           <a:p>
-            <a:pPr indent="0" lvl="0" marL="0" rtl="0" algn="l">
+            <a:pPr marL="0" lvl="0" indent="0" algn="l" rtl="0">
               <a:spcBef>
                 <a:spcPts val="0"/>
               </a:spcBef>
@@ -6867,11 +7090,11 @@
 </file>
 
 <file path=ppt/slides/slide2.xml><?xml version="1.0" encoding="utf-8"?>
-<p:sld xmlns:a="http://schemas.openxmlformats.org/drawingml/2006/main" xmlns:r="http://schemas.openxmlformats.org/officeDocument/2006/relationships" xmlns:mc="http://schemas.openxmlformats.org/markup-compatibility/2006" xmlns:mv="urn:schemas-microsoft-com:mac:vml" xmlns:p="http://schemas.openxmlformats.org/presentationml/2006/main" xmlns:c="http://schemas.openxmlformats.org/drawingml/2006/chart" xmlns:dgm="http://schemas.openxmlformats.org/drawingml/2006/diagram" xmlns:o="urn:schemas-microsoft-com:office:office" xmlns:v="urn:schemas-microsoft-com:vml" xmlns:pvml="urn:schemas-microsoft-com:office:powerpoint" xmlns:com="http://schemas.openxmlformats.org/drawingml/2006/compatibility" xmlns:p14="http://schemas.microsoft.com/office/powerpoint/2010/main" xmlns:p15="http://schemas.microsoft.com/office/powerpoint/2012/main" xmlns:ahyp="http://schemas.microsoft.com/office/drawing/2018/hyperlinkcolor">
+<p:sld xmlns:a="http://schemas.openxmlformats.org/drawingml/2006/main" xmlns:r="http://schemas.openxmlformats.org/officeDocument/2006/relationships" xmlns:p="http://schemas.openxmlformats.org/presentationml/2006/main">
   <p:cSld>
     <p:spTree>
       <p:nvGrpSpPr>
-        <p:cNvPr id="67" name="Shape 67"/>
+        <p:cNvPr id="1" name="Shape 67"/>
         <p:cNvGrpSpPr/>
         <p:nvPr/>
       </p:nvGrpSpPr>
@@ -6886,7 +7109,9 @@
       <p:sp>
         <p:nvSpPr>
           <p:cNvPr id="68" name="Google Shape;68;p14"/>
-          <p:cNvSpPr txBox="1"/>
+          <p:cNvSpPr txBox="1">
+            <a:spLocks noGrp="1"/>
+          </p:cNvSpPr>
           <p:nvPr>
             <p:ph type="title"/>
           </p:nvPr>
@@ -6901,12 +7126,12 @@
           </a:prstGeom>
         </p:spPr>
         <p:txBody>
-          <a:bodyPr anchorCtr="0" anchor="b" bIns="91425" lIns="91425" spcFirstLastPara="1" rIns="91425" wrap="square" tIns="91425">
+          <a:bodyPr spcFirstLastPara="1" wrap="square" lIns="91425" tIns="91425" rIns="91425" bIns="91425" anchor="b" anchorCtr="0">
             <a:normAutofit/>
           </a:bodyPr>
           <a:lstStyle/>
           <a:p>
-            <a:pPr indent="0" lvl="0" marL="0" rtl="0" algn="l">
+            <a:pPr marL="0" lvl="0" indent="0" algn="l" rtl="0">
               <a:spcBef>
                 <a:spcPts val="0"/>
               </a:spcBef>
@@ -6926,9 +7151,11 @@
       <p:sp>
         <p:nvSpPr>
           <p:cNvPr id="69" name="Google Shape;69;p14"/>
-          <p:cNvSpPr txBox="1"/>
+          <p:cNvSpPr txBox="1">
+            <a:spLocks noGrp="1"/>
+          </p:cNvSpPr>
           <p:nvPr>
-            <p:ph idx="1" type="body"/>
+            <p:ph type="body" idx="1"/>
           </p:nvPr>
         </p:nvSpPr>
         <p:spPr>
@@ -6941,12 +7168,12 @@
           </a:prstGeom>
         </p:spPr>
         <p:txBody>
-          <a:bodyPr anchorCtr="0" anchor="t" bIns="91425" lIns="91425" spcFirstLastPara="1" rIns="91425" wrap="square" tIns="91425">
-            <a:normAutofit lnSpcReduction="20000"/>
+          <a:bodyPr spcFirstLastPara="1" wrap="square" lIns="91425" tIns="91425" rIns="91425" bIns="91425" anchor="t" anchorCtr="0">
+            <a:normAutofit fontScale="92500" lnSpcReduction="20000"/>
           </a:bodyPr>
           <a:lstStyle/>
           <a:p>
-            <a:pPr indent="0" lvl="0" marL="0" rtl="0" algn="l">
+            <a:pPr marL="0" lvl="0" indent="0" algn="l" rtl="0">
               <a:spcBef>
                 <a:spcPts val="0"/>
               </a:spcBef>
@@ -6956,13 +7183,25 @@
               <a:buNone/>
             </a:pPr>
             <a:r>
-              <a:rPr lang="en-GB"/>
+              <a:rPr lang="en-GB" dirty="0"/>
               <a:t>The Challenge: Diagnostic Lag &amp; Interpretation Error</a:t>
             </a:r>
-            <a:endParaRPr/>
+            <a:endParaRPr dirty="0"/>
           </a:p>
           <a:p>
-            <a:pPr indent="0" lvl="0" marL="0" rtl="0" algn="l">
+            <a:pPr marL="0" lvl="0" indent="0" algn="l" rtl="0">
+              <a:spcBef>
+                <a:spcPts val="1200"/>
+              </a:spcBef>
+              <a:spcAft>
+                <a:spcPts val="0"/>
+              </a:spcAft>
+              <a:buNone/>
+            </a:pPr>
+            <a:endParaRPr dirty="0"/>
+          </a:p>
+          <a:p>
+            <a:pPr marL="0" lvl="0" indent="0" algn="l" rtl="0">
               <a:spcBef>
                 <a:spcPts val="1200"/>
               </a:spcBef>
@@ -6972,13 +7211,13 @@
               <a:buNone/>
             </a:pPr>
             <a:r>
-              <a:rPr lang="en-GB"/>
-              <a:t>Bullet Points:</a:t>
+              <a:rPr lang="en-GB" dirty="0"/>
+              <a:t>• ❌ Overburdened Clinicians: Doctors manually cross-reference 7+ lab values under pressure.</a:t>
             </a:r>
-            <a:endParaRPr/>
+            <a:endParaRPr dirty="0"/>
           </a:p>
           <a:p>
-            <a:pPr indent="0" lvl="0" marL="0" rtl="0" algn="l">
+            <a:pPr marL="0" lvl="0" indent="0" algn="l" rtl="0">
               <a:spcBef>
                 <a:spcPts val="1200"/>
               </a:spcBef>
@@ -6988,13 +7227,13 @@
               <a:buNone/>
             </a:pPr>
             <a:r>
-              <a:rPr lang="en-GB"/>
-              <a:t>• ❌ Overburdened Clinicians: Doctors manually cross-reference 7+ lab values under pressure.</a:t>
+              <a:rPr lang="en-GB" dirty="0"/>
+              <a:t>• ❌ Incomplete Picture: Single high values (like Glucose) can overshadow the combined risk of multiple borderline values (like BMI + HbA1c).</a:t>
             </a:r>
-            <a:endParaRPr/>
+            <a:endParaRPr dirty="0"/>
           </a:p>
           <a:p>
-            <a:pPr indent="0" lvl="0" marL="0" rtl="0" algn="l">
+            <a:pPr marL="0" lvl="0" indent="0" algn="l" rtl="0">
               <a:spcBef>
                 <a:spcPts val="1200"/>
               </a:spcBef>
@@ -7004,42 +7243,26 @@
               <a:buNone/>
             </a:pPr>
             <a:r>
-              <a:rPr lang="en-GB"/>
-              <a:t>• ❌ Incomplete Picture: Single high values (like Glucose) can overshadow the combined risk of multiple borderline values (like BMI + HbA1c).</a:t>
+              <a:rPr lang="en-GB" dirty="0"/>
+              <a:t>• ❌ Delayed Action: Slow interpretation leads to late diagnosis and progression of Type 2 Diabetes.</a:t>
             </a:r>
-            <a:endParaRPr/>
+            <a:endParaRPr dirty="0"/>
           </a:p>
           <a:p>
-            <a:pPr indent="0" lvl="0" marL="0" rtl="0" algn="l">
+            <a:pPr marL="0" lvl="0" indent="0" algn="l" rtl="0">
               <a:spcBef>
                 <a:spcPts val="1200"/>
               </a:spcBef>
               <a:spcAft>
-                <a:spcPts val="0"/>
+                <a:spcPts val="1200"/>
               </a:spcAft>
               <a:buNone/>
             </a:pPr>
             <a:r>
-              <a:rPr lang="en-GB"/>
-              <a:t>• ❌ Delayed Action: Slow interpretation leads to late diagnosis and progression of Type 2 Diabetes.</a:t>
-            </a:r>
-            <a:endParaRPr/>
-          </a:p>
-          <a:p>
-            <a:pPr indent="0" lvl="0" marL="0" rtl="0" algn="l">
-              <a:spcBef>
-                <a:spcPts val="1200"/>
-              </a:spcBef>
-              <a:spcAft>
-                <a:spcPts val="1200"/>
-              </a:spcAft>
-              <a:buNone/>
-            </a:pPr>
-            <a:r>
-              <a:rPr lang="en-GB"/>
+              <a:rPr lang="en-GB" dirty="0"/>
               <a:t>• Key Message: Diagnosis is too slow and prone to human error.</a:t>
             </a:r>
-            <a:endParaRPr/>
+            <a:endParaRPr dirty="0"/>
           </a:p>
         </p:txBody>
       </p:sp>
@@ -7052,11 +7275,11 @@
 </file>
 
 <file path=ppt/slides/slide3.xml><?xml version="1.0" encoding="utf-8"?>
-<p:sld xmlns:a="http://schemas.openxmlformats.org/drawingml/2006/main" xmlns:r="http://schemas.openxmlformats.org/officeDocument/2006/relationships" xmlns:mc="http://schemas.openxmlformats.org/markup-compatibility/2006" xmlns:mv="urn:schemas-microsoft-com:mac:vml" xmlns:p="http://schemas.openxmlformats.org/presentationml/2006/main" xmlns:c="http://schemas.openxmlformats.org/drawingml/2006/chart" xmlns:dgm="http://schemas.openxmlformats.org/drawingml/2006/diagram" xmlns:o="urn:schemas-microsoft-com:office:office" xmlns:v="urn:schemas-microsoft-com:vml" xmlns:pvml="urn:schemas-microsoft-com:office:powerpoint" xmlns:com="http://schemas.openxmlformats.org/drawingml/2006/compatibility" xmlns:p14="http://schemas.microsoft.com/office/powerpoint/2010/main" xmlns:p15="http://schemas.microsoft.com/office/powerpoint/2012/main" xmlns:ahyp="http://schemas.microsoft.com/office/drawing/2018/hyperlinkcolor">
+<p:sld xmlns:a="http://schemas.openxmlformats.org/drawingml/2006/main" xmlns:r="http://schemas.openxmlformats.org/officeDocument/2006/relationships" xmlns:p="http://schemas.openxmlformats.org/presentationml/2006/main">
   <p:cSld>
     <p:spTree>
       <p:nvGrpSpPr>
-        <p:cNvPr id="73" name="Shape 73"/>
+        <p:cNvPr id="1" name="Shape 73"/>
         <p:cNvGrpSpPr/>
         <p:nvPr/>
       </p:nvGrpSpPr>
@@ -7071,7 +7294,9 @@
       <p:sp>
         <p:nvSpPr>
           <p:cNvPr id="74" name="Google Shape;74;p15"/>
-          <p:cNvSpPr txBox="1"/>
+          <p:cNvSpPr txBox="1">
+            <a:spLocks noGrp="1"/>
+          </p:cNvSpPr>
           <p:nvPr>
             <p:ph type="title"/>
           </p:nvPr>
@@ -7086,12 +7311,12 @@
           </a:prstGeom>
         </p:spPr>
         <p:txBody>
-          <a:bodyPr anchorCtr="0" anchor="b" bIns="91425" lIns="91425" spcFirstLastPara="1" rIns="91425" wrap="square" tIns="91425">
+          <a:bodyPr spcFirstLastPara="1" wrap="square" lIns="91425" tIns="91425" rIns="91425" bIns="91425" anchor="b" anchorCtr="0">
             <a:normAutofit/>
           </a:bodyPr>
           <a:lstStyle/>
           <a:p>
-            <a:pPr indent="0" lvl="0" marL="0" rtl="0" algn="l">
+            <a:pPr marL="0" lvl="0" indent="0" algn="l" rtl="0">
               <a:spcBef>
                 <a:spcPts val="0"/>
               </a:spcBef>
@@ -7111,9 +7336,11 @@
       <p:sp>
         <p:nvSpPr>
           <p:cNvPr id="75" name="Google Shape;75;p15"/>
-          <p:cNvSpPr txBox="1"/>
+          <p:cNvSpPr txBox="1">
+            <a:spLocks noGrp="1"/>
+          </p:cNvSpPr>
           <p:nvPr>
-            <p:ph idx="1" type="body"/>
+            <p:ph type="body" idx="1"/>
           </p:nvPr>
         </p:nvSpPr>
         <p:spPr>
@@ -7126,12 +7353,12 @@
           </a:prstGeom>
         </p:spPr>
         <p:txBody>
-          <a:bodyPr anchorCtr="0" anchor="t" bIns="91425" lIns="91425" spcFirstLastPara="1" rIns="91425" wrap="square" tIns="91425">
-            <a:normAutofit fontScale="77500" lnSpcReduction="20000"/>
+          <a:bodyPr spcFirstLastPara="1" wrap="square" lIns="91425" tIns="91425" rIns="91425" bIns="91425" anchor="t" anchorCtr="0">
+            <a:normAutofit fontScale="70000" lnSpcReduction="20000"/>
           </a:bodyPr>
           <a:lstStyle/>
           <a:p>
-            <a:pPr indent="0" lvl="0" marL="0" rtl="0" algn="l">
+            <a:pPr marL="0" lvl="0" indent="0" algn="l" rtl="0">
               <a:spcBef>
                 <a:spcPts val="0"/>
               </a:spcBef>
@@ -7141,13 +7368,13 @@
               <a:buNone/>
             </a:pPr>
             <a:r>
-              <a:rPr lang="en-GB"/>
-              <a:t>Title: The Solution: An Explainable AI (XAI) System</a:t>
+              <a:rPr lang="en-GB" dirty="0"/>
+              <a:t> The Solution: An Explainable AI (XAI) System</a:t>
             </a:r>
-            <a:endParaRPr/>
+            <a:endParaRPr dirty="0"/>
           </a:p>
           <a:p>
-            <a:pPr indent="0" lvl="0" marL="0" rtl="0" algn="l">
+            <a:pPr marL="0" lvl="0" indent="0" algn="l" rtl="0">
               <a:spcBef>
                 <a:spcPts val="1200"/>
               </a:spcBef>
@@ -7157,13 +7384,13 @@
               <a:buNone/>
             </a:pPr>
             <a:r>
-              <a:rPr lang="en-GB"/>
-              <a:t>• Subtitle: Seamlessly integrates seven core clinical markers.</a:t>
+              <a:rPr lang="en-GB" dirty="0"/>
+              <a:t>• Seamlessly integrates seven core clinical markers.</a:t>
             </a:r>
-            <a:endParaRPr/>
+            <a:endParaRPr dirty="0"/>
           </a:p>
           <a:p>
-            <a:pPr indent="0" lvl="0" marL="0" rtl="0" algn="l">
+            <a:pPr marL="0" lvl="0" indent="0" algn="l" rtl="0">
               <a:spcBef>
                 <a:spcPts val="1200"/>
               </a:spcBef>
@@ -7173,13 +7400,13 @@
               <a:buNone/>
             </a:pPr>
             <a:r>
-              <a:rPr lang="en-GB"/>
+              <a:rPr lang="en-GB" dirty="0"/>
               <a:t>• Features :</a:t>
             </a:r>
-            <a:endParaRPr/>
+            <a:endParaRPr dirty="0"/>
           </a:p>
           <a:p>
-            <a:pPr indent="0" lvl="0" marL="0" rtl="0" algn="l">
+            <a:pPr marL="0" lvl="0" indent="0" algn="l" rtl="0">
               <a:spcBef>
                 <a:spcPts val="1200"/>
               </a:spcBef>
@@ -7189,13 +7416,13 @@
               <a:buNone/>
             </a:pPr>
             <a:r>
-              <a:rPr lang="en-GB"/>
+              <a:rPr lang="en-GB" dirty="0"/>
               <a:t>• 1️⃣ Instant Risk Score: Predicts probability of High Risk (0-100%).</a:t>
             </a:r>
-            <a:endParaRPr/>
+            <a:endParaRPr dirty="0"/>
           </a:p>
           <a:p>
-            <a:pPr indent="0" lvl="0" marL="0" rtl="0" algn="l">
+            <a:pPr marL="0" lvl="0" indent="0" algn="l" rtl="0">
               <a:spcBef>
                 <a:spcPts val="1200"/>
               </a:spcBef>
@@ -7205,13 +7432,13 @@
               <a:buNone/>
             </a:pPr>
             <a:r>
-              <a:rPr lang="en-GB"/>
+              <a:rPr lang="en-GB" dirty="0"/>
               <a:t>• 2️⃣ Clinical Stratification: Provides clear CRITICAL, MODERATE, or LOW alerts.</a:t>
             </a:r>
-            <a:endParaRPr/>
+            <a:endParaRPr dirty="0"/>
           </a:p>
           <a:p>
-            <a:pPr indent="0" lvl="0" marL="0" rtl="0" algn="l">
+            <a:pPr marL="0" lvl="0" indent="0" algn="l" rtl="0">
               <a:spcBef>
                 <a:spcPts val="1200"/>
               </a:spcBef>
@@ -7221,13 +7448,13 @@
               <a:buNone/>
             </a:pPr>
             <a:r>
-              <a:rPr lang="en-GB"/>
+              <a:rPr lang="en-GB" dirty="0"/>
               <a:t>• 3️⃣ Actionable Suggestions: Gives specific next steps (e.g., "Urgent OGTT").</a:t>
             </a:r>
-            <a:endParaRPr/>
+            <a:endParaRPr dirty="0"/>
           </a:p>
           <a:p>
-            <a:pPr indent="0" lvl="0" marL="0" rtl="0" algn="l">
+            <a:pPr marL="0" lvl="0" indent="0" algn="l" rtl="0">
               <a:spcBef>
                 <a:spcPts val="1200"/>
               </a:spcBef>
@@ -7237,41 +7464,38 @@
               <a:buNone/>
             </a:pPr>
             <a:r>
-              <a:rPr lang="en-GB"/>
+              <a:rPr lang="en-GB" dirty="0"/>
               <a:t>• 4️⃣ The Innovation: Factor Contribution &amp; Degree of Affect Table.</a:t>
             </a:r>
-            <a:endParaRPr/>
+            <a:endParaRPr dirty="0"/>
           </a:p>
           <a:p>
-            <a:pPr indent="0" lvl="0" marL="0" rtl="0" algn="l">
+            <a:pPr marL="0" lvl="0" indent="0" algn="l" rtl="0">
               <a:spcBef>
                 <a:spcPts val="1200"/>
               </a:spcBef>
               <a:spcAft>
                 <a:spcPts val="0"/>
+              </a:spcAft>
+              <a:buNone/>
+            </a:pPr>
+            <a:endParaRPr dirty="0"/>
+          </a:p>
+          <a:p>
+            <a:pPr marL="0" lvl="0" indent="0" algn="l" rtl="0">
+              <a:spcBef>
+                <a:spcPts val="1200"/>
+              </a:spcBef>
+              <a:spcAft>
+                <a:spcPts val="1200"/>
               </a:spcAft>
               <a:buNone/>
             </a:pPr>
             <a:r>
-              <a:t/>
-            </a:r>
-            <a:endParaRPr/>
-          </a:p>
-          <a:p>
-            <a:pPr indent="0" lvl="0" marL="0" rtl="0" algn="l">
-              <a:spcBef>
-                <a:spcPts val="1200"/>
-              </a:spcBef>
-              <a:spcAft>
-                <a:spcPts val="1200"/>
-              </a:spcAft>
-              <a:buNone/>
-            </a:pPr>
-            <a:r>
-              <a:rPr lang="en-GB"/>
+              <a:rPr lang="en-GB" dirty="0"/>
               <a:t>• Key Message: We provide speed, clarity, and accountability.</a:t>
             </a:r>
-            <a:endParaRPr/>
+            <a:endParaRPr dirty="0"/>
           </a:p>
         </p:txBody>
       </p:sp>
@@ -7284,11 +7508,11 @@
 </file>
 
 <file path=ppt/slides/slide4.xml><?xml version="1.0" encoding="utf-8"?>
-<p:sld xmlns:a="http://schemas.openxmlformats.org/drawingml/2006/main" xmlns:r="http://schemas.openxmlformats.org/officeDocument/2006/relationships" xmlns:mc="http://schemas.openxmlformats.org/markup-compatibility/2006" xmlns:mv="urn:schemas-microsoft-com:mac:vml" xmlns:p="http://schemas.openxmlformats.org/presentationml/2006/main" xmlns:c="http://schemas.openxmlformats.org/drawingml/2006/chart" xmlns:dgm="http://schemas.openxmlformats.org/drawingml/2006/diagram" xmlns:o="urn:schemas-microsoft-com:office:office" xmlns:v="urn:schemas-microsoft-com:vml" xmlns:pvml="urn:schemas-microsoft-com:office:powerpoint" xmlns:com="http://schemas.openxmlformats.org/drawingml/2006/compatibility" xmlns:p14="http://schemas.microsoft.com/office/powerpoint/2010/main" xmlns:p15="http://schemas.microsoft.com/office/powerpoint/2012/main" xmlns:ahyp="http://schemas.microsoft.com/office/drawing/2018/hyperlinkcolor">
+<p:sld xmlns:a="http://schemas.openxmlformats.org/drawingml/2006/main" xmlns:r="http://schemas.openxmlformats.org/officeDocument/2006/relationships" xmlns:p="http://schemas.openxmlformats.org/presentationml/2006/main">
   <p:cSld>
     <p:spTree>
       <p:nvGrpSpPr>
-        <p:cNvPr id="79" name="Shape 79"/>
+        <p:cNvPr id="1" name="Shape 79"/>
         <p:cNvGrpSpPr/>
         <p:nvPr/>
       </p:nvGrpSpPr>
@@ -7303,7 +7527,9 @@
       <p:sp>
         <p:nvSpPr>
           <p:cNvPr id="80" name="Google Shape;80;p16"/>
-          <p:cNvSpPr txBox="1"/>
+          <p:cNvSpPr txBox="1">
+            <a:spLocks noGrp="1"/>
+          </p:cNvSpPr>
           <p:nvPr>
             <p:ph type="title"/>
           </p:nvPr>
@@ -7318,12 +7544,12 @@
           </a:prstGeom>
         </p:spPr>
         <p:txBody>
-          <a:bodyPr anchorCtr="0" anchor="b" bIns="91425" lIns="91425" spcFirstLastPara="1" rIns="91425" wrap="square" tIns="91425">
+          <a:bodyPr spcFirstLastPara="1" wrap="square" lIns="91425" tIns="91425" rIns="91425" bIns="91425" anchor="b" anchorCtr="0">
             <a:normAutofit/>
           </a:bodyPr>
           <a:lstStyle/>
           <a:p>
-            <a:pPr indent="0" lvl="0" marL="0" rtl="0" algn="l">
+            <a:pPr marL="0" lvl="0" indent="0" algn="l" rtl="0">
               <a:spcBef>
                 <a:spcPts val="0"/>
               </a:spcBef>
@@ -7343,9 +7569,11 @@
       <p:sp>
         <p:nvSpPr>
           <p:cNvPr id="81" name="Google Shape;81;p16"/>
-          <p:cNvSpPr txBox="1"/>
+          <p:cNvSpPr txBox="1">
+            <a:spLocks noGrp="1"/>
+          </p:cNvSpPr>
           <p:nvPr>
-            <p:ph idx="1" type="body"/>
+            <p:ph type="body" idx="1"/>
           </p:nvPr>
         </p:nvSpPr>
         <p:spPr>
@@ -7358,12 +7586,12 @@
           </a:prstGeom>
         </p:spPr>
         <p:txBody>
-          <a:bodyPr anchorCtr="0" anchor="t" bIns="91425" lIns="91425" spcFirstLastPara="1" rIns="91425" wrap="square" tIns="91425">
-            <a:normAutofit fontScale="77500" lnSpcReduction="10000"/>
+          <a:bodyPr spcFirstLastPara="1" wrap="square" lIns="91425" tIns="91425" rIns="91425" bIns="91425" anchor="t" anchorCtr="0">
+            <a:normAutofit fontScale="77500" lnSpcReduction="20000"/>
           </a:bodyPr>
           <a:lstStyle/>
           <a:p>
-            <a:pPr indent="0" lvl="0" marL="0" rtl="0" algn="l">
+            <a:pPr marL="0" lvl="0" indent="0" algn="l" rtl="0">
               <a:spcBef>
                 <a:spcPts val="0"/>
               </a:spcBef>
@@ -7373,13 +7601,13 @@
               <a:buNone/>
             </a:pPr>
             <a:r>
-              <a:rPr lang="en-GB"/>
-              <a:t>Title: Innovation: The Power of Explainable AI (XAI)</a:t>
+              <a:rPr lang="en-GB" dirty="0"/>
+              <a:t>Innovation: The Power of Explainable AI (XAI)</a:t>
             </a:r>
-            <a:endParaRPr/>
+            <a:endParaRPr dirty="0"/>
           </a:p>
           <a:p>
-            <a:pPr indent="0" lvl="0" marL="0" rtl="0" algn="l">
+            <a:pPr marL="0" lvl="0" indent="0" algn="l" rtl="0">
               <a:spcBef>
                 <a:spcPts val="1200"/>
               </a:spcBef>
@@ -7389,13 +7617,25 @@
               <a:buNone/>
             </a:pPr>
             <a:r>
-              <a:rPr lang="en-GB"/>
+              <a:rPr lang="en-GB" dirty="0"/>
               <a:t>• Focus: Factor Contribution &amp; Degree of Affect Table</a:t>
             </a:r>
-            <a:endParaRPr/>
+            <a:endParaRPr dirty="0"/>
           </a:p>
           <a:p>
-            <a:pPr indent="0" lvl="0" marL="0" rtl="0" algn="l">
+            <a:pPr marL="0" lvl="0" indent="0" algn="l" rtl="0">
+              <a:spcBef>
+                <a:spcPts val="1200"/>
+              </a:spcBef>
+              <a:spcAft>
+                <a:spcPts val="0"/>
+              </a:spcAft>
+              <a:buNone/>
+            </a:pPr>
+            <a:endParaRPr dirty="0"/>
+          </a:p>
+          <a:p>
+            <a:pPr marL="0" lvl="0" indent="0" algn="l" rtl="0">
               <a:spcBef>
                 <a:spcPts val="1200"/>
               </a:spcBef>
@@ -7405,13 +7645,13 @@
               <a:buNone/>
             </a:pPr>
             <a:r>
-              <a:rPr lang="en-GB"/>
-              <a:t>• What It Shows (Use 3 distinct boxes):</a:t>
+              <a:rPr lang="en-GB" dirty="0"/>
+              <a:t>1. Model Weight: The AI's internal score for how much that factor influenced the diagnosis.</a:t>
             </a:r>
-            <a:endParaRPr/>
+            <a:endParaRPr dirty="0"/>
           </a:p>
           <a:p>
-            <a:pPr indent="0" lvl="0" marL="0" rtl="0" algn="l">
+            <a:pPr marL="0" lvl="0" indent="0" algn="l" rtl="0">
               <a:spcBef>
                 <a:spcPts val="1200"/>
               </a:spcBef>
@@ -7421,13 +7661,13 @@
               <a:buNone/>
             </a:pPr>
             <a:r>
-              <a:rPr lang="en-GB"/>
-              <a:t>1. Model Weight: The AI's internal score for how much that factor influenced the diagnosis.</a:t>
+              <a:rPr lang="en-GB" dirty="0"/>
+              <a:t>2. Patient Value: The specific, inputted lab reading.</a:t>
             </a:r>
-            <a:endParaRPr/>
+            <a:endParaRPr dirty="0"/>
           </a:p>
           <a:p>
-            <a:pPr indent="0" lvl="0" marL="0" rtl="0" algn="l">
+            <a:pPr marL="0" lvl="0" indent="0" algn="l" rtl="0">
               <a:spcBef>
                 <a:spcPts val="1200"/>
               </a:spcBef>
@@ -7437,57 +7677,38 @@
               <a:buNone/>
             </a:pPr>
             <a:r>
-              <a:rPr lang="en-GB"/>
-              <a:t>2. Patient Value: The specific, inputted lab reading.</a:t>
+              <a:rPr lang="en-GB" dirty="0"/>
+              <a:t>3. Excess Value: How far the reading is above the healthy clinical maximum (e.g., "+45 mg/dL").</a:t>
             </a:r>
-            <a:endParaRPr/>
+            <a:endParaRPr dirty="0"/>
           </a:p>
           <a:p>
-            <a:pPr indent="0" lvl="0" marL="0" rtl="0" algn="l">
+            <a:pPr marL="0" lvl="0" indent="0" algn="l" rtl="0">
               <a:spcBef>
                 <a:spcPts val="1200"/>
               </a:spcBef>
               <a:spcAft>
                 <a:spcPts val="0"/>
+              </a:spcAft>
+              <a:buNone/>
+            </a:pPr>
+            <a:endParaRPr dirty="0"/>
+          </a:p>
+          <a:p>
+            <a:pPr marL="0" lvl="0" indent="0" algn="l" rtl="0">
+              <a:spcBef>
+                <a:spcPts val="1200"/>
+              </a:spcBef>
+              <a:spcAft>
+                <a:spcPts val="1200"/>
               </a:spcAft>
               <a:buNone/>
             </a:pPr>
             <a:r>
-              <a:rPr lang="en-GB"/>
-              <a:t>3. Excess Value: How far the reading is above the healthy clinical maximum (e.g., "+45 mg/dL").</a:t>
-            </a:r>
-            <a:endParaRPr/>
-          </a:p>
-          <a:p>
-            <a:pPr indent="0" lvl="0" marL="0" rtl="0" algn="l">
-              <a:spcBef>
-                <a:spcPts val="1200"/>
-              </a:spcBef>
-              <a:spcAft>
-                <a:spcPts val="0"/>
-              </a:spcAft>
-              <a:buNone/>
-            </a:pPr>
-            <a:r>
-              <a:t/>
-            </a:r>
-            <a:endParaRPr/>
-          </a:p>
-          <a:p>
-            <a:pPr indent="0" lvl="0" marL="0" rtl="0" algn="l">
-              <a:spcBef>
-                <a:spcPts val="1200"/>
-              </a:spcBef>
-              <a:spcAft>
-                <a:spcPts val="1200"/>
-              </a:spcAft>
-              <a:buNone/>
-            </a:pPr>
-            <a:r>
-              <a:rPr lang="en-GB"/>
+              <a:rPr lang="en-GB" dirty="0"/>
               <a:t>• Key Message: We combine the AI's Math (Weight) with Clinical Reality (Excess Value) for transparent diagnosis.</a:t>
             </a:r>
-            <a:endParaRPr/>
+            <a:endParaRPr dirty="0"/>
           </a:p>
         </p:txBody>
       </p:sp>
@@ -7500,11 +7721,11 @@
 </file>
 
 <file path=ppt/slides/slide5.xml><?xml version="1.0" encoding="utf-8"?>
-<p:sld xmlns:a="http://schemas.openxmlformats.org/drawingml/2006/main" xmlns:r="http://schemas.openxmlformats.org/officeDocument/2006/relationships" xmlns:mc="http://schemas.openxmlformats.org/markup-compatibility/2006" xmlns:mv="urn:schemas-microsoft-com:mac:vml" xmlns:p="http://schemas.openxmlformats.org/presentationml/2006/main" xmlns:c="http://schemas.openxmlformats.org/drawingml/2006/chart" xmlns:dgm="http://schemas.openxmlformats.org/drawingml/2006/diagram" xmlns:o="urn:schemas-microsoft-com:office:office" xmlns:v="urn:schemas-microsoft-com:vml" xmlns:pvml="urn:schemas-microsoft-com:office:powerpoint" xmlns:com="http://schemas.openxmlformats.org/drawingml/2006/compatibility" xmlns:p14="http://schemas.microsoft.com/office/powerpoint/2010/main" xmlns:p15="http://schemas.microsoft.com/office/powerpoint/2012/main" xmlns:ahyp="http://schemas.microsoft.com/office/drawing/2018/hyperlinkcolor">
+<p:sld xmlns:a="http://schemas.openxmlformats.org/drawingml/2006/main" xmlns:r="http://schemas.openxmlformats.org/officeDocument/2006/relationships" xmlns:p="http://schemas.openxmlformats.org/presentationml/2006/main">
   <p:cSld>
     <p:spTree>
       <p:nvGrpSpPr>
-        <p:cNvPr id="85" name="Shape 85"/>
+        <p:cNvPr id="1" name="Shape 85"/>
         <p:cNvGrpSpPr/>
         <p:nvPr/>
       </p:nvGrpSpPr>
@@ -7519,7 +7740,9 @@
       <p:sp>
         <p:nvSpPr>
           <p:cNvPr id="86" name="Google Shape;86;p17"/>
-          <p:cNvSpPr txBox="1"/>
+          <p:cNvSpPr txBox="1">
+            <a:spLocks noGrp="1"/>
+          </p:cNvSpPr>
           <p:nvPr>
             <p:ph type="title"/>
           </p:nvPr>
@@ -7534,12 +7757,12 @@
           </a:prstGeom>
         </p:spPr>
         <p:txBody>
-          <a:bodyPr anchorCtr="0" anchor="b" bIns="91425" lIns="91425" spcFirstLastPara="1" rIns="91425" wrap="square" tIns="91425">
+          <a:bodyPr spcFirstLastPara="1" wrap="square" lIns="91425" tIns="91425" rIns="91425" bIns="91425" anchor="b" anchorCtr="0">
             <a:normAutofit/>
           </a:bodyPr>
           <a:lstStyle/>
           <a:p>
-            <a:pPr indent="0" lvl="0" marL="0" rtl="0" algn="l">
+            <a:pPr marL="0" lvl="0" indent="0" algn="l" rtl="0">
               <a:spcBef>
                 <a:spcPts val="0"/>
               </a:spcBef>
@@ -7559,9 +7782,11 @@
       <p:sp>
         <p:nvSpPr>
           <p:cNvPr id="87" name="Google Shape;87;p17"/>
-          <p:cNvSpPr txBox="1"/>
+          <p:cNvSpPr txBox="1">
+            <a:spLocks noGrp="1"/>
+          </p:cNvSpPr>
           <p:nvPr>
-            <p:ph idx="1" type="body"/>
+            <p:ph type="body" idx="1"/>
           </p:nvPr>
         </p:nvSpPr>
         <p:spPr>
@@ -7574,12 +7799,12 @@
           </a:prstGeom>
         </p:spPr>
         <p:txBody>
-          <a:bodyPr anchorCtr="0" anchor="t" bIns="91425" lIns="91425" spcFirstLastPara="1" rIns="91425" wrap="square" tIns="91425">
+          <a:bodyPr spcFirstLastPara="1" wrap="square" lIns="91425" tIns="91425" rIns="91425" bIns="91425" anchor="t" anchorCtr="0">
             <a:normAutofit fontScale="92500" lnSpcReduction="20000"/>
           </a:bodyPr>
           <a:lstStyle/>
           <a:p>
-            <a:pPr indent="0" lvl="0" marL="0" rtl="0" algn="l">
+            <a:pPr marL="0" lvl="0" indent="0" algn="l" rtl="0">
               <a:spcBef>
                 <a:spcPts val="0"/>
               </a:spcBef>
@@ -7589,13 +7814,13 @@
               <a:buNone/>
             </a:pPr>
             <a:r>
-              <a:rPr lang="en-GB"/>
+              <a:rPr lang="en-GB" dirty="0"/>
               <a:t>Title: Impact, Feasibility, and Future Scope</a:t>
             </a:r>
-            <a:endParaRPr/>
+            <a:endParaRPr dirty="0"/>
           </a:p>
           <a:p>
-            <a:pPr indent="0" lvl="0" marL="0" rtl="0" algn="l">
+            <a:pPr marL="0" lvl="0" indent="0" algn="l" rtl="0">
               <a:spcBef>
                 <a:spcPts val="1200"/>
               </a:spcBef>
@@ -7605,13 +7830,13 @@
               <a:buNone/>
             </a:pPr>
             <a:r>
-              <a:rPr lang="en-GB"/>
+              <a:rPr lang="en-GB" dirty="0"/>
               <a:t>• Impact: Reduces diagnostic time from minutes to seconds, improving patient outcomes.</a:t>
             </a:r>
-            <a:endParaRPr/>
+            <a:endParaRPr dirty="0"/>
           </a:p>
           <a:p>
-            <a:pPr indent="0" lvl="0" marL="0" rtl="0" algn="l">
+            <a:pPr marL="0" lvl="0" indent="0" algn="l" rtl="0">
               <a:spcBef>
                 <a:spcPts val="1200"/>
               </a:spcBef>
@@ -7621,13 +7846,21 @@
               <a:buNone/>
             </a:pPr>
             <a:r>
-              <a:rPr lang="en-GB"/>
-              <a:t>• Feasibility (Today): Lightweight Python/Streamlit prototype is ready to use today.</a:t>
+              <a:rPr lang="en-GB" dirty="0"/>
+              <a:t>• Feasibility : Lightweight Python/</a:t>
             </a:r>
-            <a:endParaRPr/>
+            <a:r>
+              <a:rPr lang="en-GB" dirty="0" err="1"/>
+              <a:t>Streamlit</a:t>
+            </a:r>
+            <a:r>
+              <a:rPr lang="en-GB" dirty="0"/>
+              <a:t> prototype is ready to use today.</a:t>
+            </a:r>
+            <a:endParaRPr dirty="0"/>
           </a:p>
           <a:p>
-            <a:pPr indent="0" lvl="0" marL="0" rtl="0" algn="l">
+            <a:pPr marL="0" lvl="0" indent="0" algn="l" rtl="0">
               <a:spcBef>
                 <a:spcPts val="1200"/>
               </a:spcBef>
@@ -7637,41 +7870,38 @@
               <a:buNone/>
             </a:pPr>
             <a:r>
-              <a:rPr lang="en-GB"/>
-              <a:t>• Future Scope (Tomorrow): API Integration. We can deploy this as a service for immediate consumption by existing hospital EHR systems (Electronic Health Records).</a:t>
+              <a:rPr lang="en-GB" dirty="0"/>
+              <a:t>• Future Scope API Integration. We can deploy this as a service for immediate consumption by existing hospital EHR systems (Electronic Health Records).</a:t>
             </a:r>
-            <a:endParaRPr/>
+            <a:endParaRPr dirty="0"/>
           </a:p>
           <a:p>
-            <a:pPr indent="0" lvl="0" marL="0" rtl="0" algn="l">
+            <a:pPr marL="0" lvl="0" indent="0" algn="l" rtl="0">
               <a:spcBef>
                 <a:spcPts val="1200"/>
               </a:spcBef>
               <a:spcAft>
                 <a:spcPts val="0"/>
+              </a:spcAft>
+              <a:buNone/>
+            </a:pPr>
+            <a:endParaRPr dirty="0"/>
+          </a:p>
+          <a:p>
+            <a:pPr marL="0" lvl="0" indent="0" algn="l" rtl="0">
+              <a:spcBef>
+                <a:spcPts val="1200"/>
+              </a:spcBef>
+              <a:spcAft>
+                <a:spcPts val="1200"/>
               </a:spcAft>
               <a:buNone/>
             </a:pPr>
             <a:r>
-              <a:t/>
-            </a:r>
-            <a:endParaRPr/>
-          </a:p>
-          <a:p>
-            <a:pPr indent="0" lvl="0" marL="0" rtl="0" algn="l">
-              <a:spcBef>
-                <a:spcPts val="1200"/>
-              </a:spcBef>
-              <a:spcAft>
-                <a:spcPts val="1200"/>
-              </a:spcAft>
-              <a:buNone/>
-            </a:pPr>
-            <a:r>
-              <a:rPr lang="en-GB"/>
+              <a:rPr lang="en-GB" dirty="0"/>
               <a:t>• Key Message: A fully feasible solution designed for rapid, real-world hospital deployment.</a:t>
             </a:r>
-            <a:endParaRPr/>
+            <a:endParaRPr dirty="0"/>
           </a:p>
         </p:txBody>
       </p:sp>
@@ -7684,11 +7914,11 @@
 </file>
 
 <file path=ppt/slides/slide6.xml><?xml version="1.0" encoding="utf-8"?>
-<p:sld xmlns:a="http://schemas.openxmlformats.org/drawingml/2006/main" xmlns:r="http://schemas.openxmlformats.org/officeDocument/2006/relationships" xmlns:mc="http://schemas.openxmlformats.org/markup-compatibility/2006" xmlns:mv="urn:schemas-microsoft-com:mac:vml" xmlns:p="http://schemas.openxmlformats.org/presentationml/2006/main" xmlns:c="http://schemas.openxmlformats.org/drawingml/2006/chart" xmlns:dgm="http://schemas.openxmlformats.org/drawingml/2006/diagram" xmlns:o="urn:schemas-microsoft-com:office:office" xmlns:v="urn:schemas-microsoft-com:vml" xmlns:pvml="urn:schemas-microsoft-com:office:powerpoint" xmlns:com="http://schemas.openxmlformats.org/drawingml/2006/compatibility" xmlns:p14="http://schemas.microsoft.com/office/powerpoint/2010/main" xmlns:p15="http://schemas.microsoft.com/office/powerpoint/2012/main" xmlns:ahyp="http://schemas.microsoft.com/office/drawing/2018/hyperlinkcolor">
+<p:sld xmlns:a="http://schemas.openxmlformats.org/drawingml/2006/main" xmlns:r="http://schemas.openxmlformats.org/officeDocument/2006/relationships" xmlns:p="http://schemas.openxmlformats.org/presentationml/2006/main">
   <p:cSld>
     <p:spTree>
       <p:nvGrpSpPr>
-        <p:cNvPr id="91" name="Shape 91"/>
+        <p:cNvPr id="1" name="Shape 91"/>
         <p:cNvGrpSpPr/>
         <p:nvPr/>
       </p:nvGrpSpPr>
@@ -7703,7 +7933,9 @@
       <p:sp>
         <p:nvSpPr>
           <p:cNvPr id="92" name="Google Shape;92;p18"/>
-          <p:cNvSpPr txBox="1"/>
+          <p:cNvSpPr txBox="1">
+            <a:spLocks noGrp="1"/>
+          </p:cNvSpPr>
           <p:nvPr>
             <p:ph type="title"/>
           </p:nvPr>
@@ -7718,12 +7950,12 @@
           </a:prstGeom>
         </p:spPr>
         <p:txBody>
-          <a:bodyPr anchorCtr="0" anchor="ctr" bIns="91425" lIns="91425" spcFirstLastPara="1" rIns="91425" wrap="square" tIns="91425">
+          <a:bodyPr spcFirstLastPara="1" wrap="square" lIns="91425" tIns="91425" rIns="91425" bIns="91425" anchor="ctr" anchorCtr="0">
             <a:normAutofit/>
           </a:bodyPr>
           <a:lstStyle/>
           <a:p>
-            <a:pPr indent="0" lvl="0" marL="0" rtl="0" algn="ctr">
+            <a:pPr marL="0" lvl="0" indent="0" algn="ctr" rtl="0">
               <a:spcBef>
                 <a:spcPts val="0"/>
               </a:spcBef>
@@ -7749,7 +7981,7 @@
 </file>
 
 <file path=ppt/theme/theme1.xml><?xml version="1.0" encoding="utf-8"?>
-<a:theme xmlns:a="http://schemas.openxmlformats.org/drawingml/2006/main" xmlns:r="http://schemas.openxmlformats.org/officeDocument/2006/relationships" name="Luxe">
+<a:theme xmlns:a="http://schemas.openxmlformats.org/drawingml/2006/main" name="Luxe">
   <a:themeElements>
     <a:clrScheme name="Luxe">
       <a:dk1>
@@ -8024,11 +8256,13 @@
       </a:bgFillStyleLst>
     </a:fmtScheme>
   </a:themeElements>
+  <a:objectDefaults/>
+  <a:extraClrSchemeLst/>
 </a:theme>
 </file>
 
 <file path=ppt/theme/theme2.xml><?xml version="1.0" encoding="utf-8"?>
-<a:theme xmlns:a="http://schemas.openxmlformats.org/drawingml/2006/main" xmlns:r="http://schemas.openxmlformats.org/officeDocument/2006/relationships">
+<a:theme xmlns:a="http://schemas.openxmlformats.org/drawingml/2006/main">
   <a:themeElements>
     <a:clrScheme name="Default">
       <a:dk1>
@@ -8303,5 +8537,7 @@
       </a:bgFillStyleLst>
     </a:fmtScheme>
   </a:themeElements>
+  <a:objectDefaults/>
+  <a:extraClrSchemeLst/>
 </a:theme>
 </file>